--- a/Network_Programming/02/과제/NetP-02-2-과제-제출용.pptx
+++ b/Network_Programming/02/과제/NetP-02-2-과제-제출용.pptx
@@ -215,9 +215,7 @@
         <inkml:annotationXML>
           <emma:emma xmlns:emma="http://www.w3.org/2003/04/emma" version="1.0">
             <emma:interpretation id="{9622537E-CD1A-45BB-B303-490C3484425F}" emma:medium="tactile" emma:mode="ink">
-              <msink:context xmlns:msink="http://schemas.microsoft.com/ink/2010/main" type="line" rotatedBoundingBox="4682,9454 18311,11262 17747,15516 4118,13708">
-                <msink:destinationLink direction="with" ref="{58275ECF-9837-484C-95F1-7FD278170E1D}"/>
-              </msink:context>
+              <msink:context xmlns:msink="http://schemas.microsoft.com/ink/2010/main" type="line" rotatedBoundingBox="4682,9454 18311,11262 17747,15516 4118,13708"/>
             </emma:interpretation>
           </emma:emma>
         </inkml:annotationXML>
@@ -404,7 +402,7 @@
           </a:lstStyle>
           <a:p>
             <a:r>
-              <a:rPr kumimoji="0" lang="ko-KR" altLang="en-US" dirty="0" smtClean="0"/>
+              <a:rPr kumimoji="0" lang="ko-KR" altLang="en-US" dirty="0"/>
               <a:t>마스터 제목 스타일 편집</a:t>
             </a:r>
             <a:endParaRPr kumimoji="0" lang="en-US" dirty="0"/>
@@ -466,7 +464,7 @@
           </a:lstStyle>
           <a:p>
             <a:r>
-              <a:rPr kumimoji="0" lang="ko-KR" altLang="en-US" dirty="0" smtClean="0"/>
+              <a:rPr kumimoji="0" lang="ko-KR" altLang="en-US" dirty="0"/>
               <a:t>마스터 부제목 스타일 편집</a:t>
             </a:r>
             <a:endParaRPr kumimoji="0" lang="en-US" dirty="0"/>
@@ -1038,7 +1036,7 @@
           <a:p>
             <a:fld id="{7ECEFAC6-8C3D-4BF3-9D33-5B01504927DD}" type="datetimeFigureOut">
               <a:rPr lang="ko-KR" altLang="en-US" smtClean="0"/>
-              <a:t>2021-08-23</a:t>
+              <a:t>2022-09-01</a:t>
             </a:fld>
             <a:endParaRPr lang="ko-KR" altLang="en-US"/>
           </a:p>
@@ -1154,35 +1152,35 @@
           <a:p>
             <a:pPr lvl="0" eaLnBrk="1" latinLnBrk="0" hangingPunct="1"/>
             <a:r>
-              <a:rPr lang="ko-KR" altLang="en-US" smtClean="0"/>
+              <a:rPr lang="ko-KR" altLang="en-US"/>
               <a:t>마스터 텍스트 스타일을 편집합니다</a:t>
             </a:r>
           </a:p>
           <a:p>
             <a:pPr lvl="1" eaLnBrk="1" latinLnBrk="0" hangingPunct="1"/>
             <a:r>
-              <a:rPr lang="ko-KR" altLang="en-US" smtClean="0"/>
+              <a:rPr lang="ko-KR" altLang="en-US"/>
               <a:t>둘째 수준</a:t>
             </a:r>
           </a:p>
           <a:p>
             <a:pPr lvl="2" eaLnBrk="1" latinLnBrk="0" hangingPunct="1"/>
             <a:r>
-              <a:rPr lang="ko-KR" altLang="en-US" smtClean="0"/>
+              <a:rPr lang="ko-KR" altLang="en-US"/>
               <a:t>셋째 수준</a:t>
             </a:r>
           </a:p>
           <a:p>
             <a:pPr lvl="3" eaLnBrk="1" latinLnBrk="0" hangingPunct="1"/>
             <a:r>
-              <a:rPr lang="ko-KR" altLang="en-US" smtClean="0"/>
+              <a:rPr lang="ko-KR" altLang="en-US"/>
               <a:t>넷째 수준</a:t>
             </a:r>
           </a:p>
           <a:p>
             <a:pPr lvl="4" eaLnBrk="1" latinLnBrk="0" hangingPunct="1"/>
             <a:r>
-              <a:rPr lang="ko-KR" altLang="en-US" smtClean="0"/>
+              <a:rPr lang="ko-KR" altLang="en-US"/>
               <a:t>다섯째 수준</a:t>
             </a:r>
             <a:endParaRPr kumimoji="0" lang="en-US"/>
@@ -1210,7 +1208,7 @@
           <a:lstStyle/>
           <a:p>
             <a:r>
-              <a:rPr kumimoji="0" lang="ko-KR" altLang="en-US" dirty="0" smtClean="0"/>
+              <a:rPr kumimoji="0" lang="ko-KR" altLang="en-US" dirty="0"/>
               <a:t>마스터 제목 스타일 편집</a:t>
             </a:r>
             <a:endParaRPr kumimoji="0" lang="en-US" dirty="0"/>
@@ -1263,7 +1261,7 @@
           <a:lstStyle/>
           <a:p>
             <a:r>
-              <a:rPr kumimoji="0" lang="ko-KR" altLang="en-US" dirty="0" smtClean="0"/>
+              <a:rPr kumimoji="0" lang="ko-KR" altLang="en-US" dirty="0"/>
               <a:t>마스터 제목 스타일 편집</a:t>
             </a:r>
             <a:endParaRPr kumimoji="0" lang="en-US" dirty="0"/>
@@ -1331,7 +1329,7 @@
           </a:lstStyle>
           <a:p>
             <a:r>
-              <a:rPr kumimoji="0" lang="ko-KR" altLang="en-US" smtClean="0"/>
+              <a:rPr kumimoji="0" lang="ko-KR" altLang="en-US"/>
               <a:t>마스터 제목 스타일 편집</a:t>
             </a:r>
             <a:endParaRPr kumimoji="0" lang="en-US"/>
@@ -1382,35 +1380,35 @@
           <a:p>
             <a:pPr lvl="0" eaLnBrk="1" latinLnBrk="0" hangingPunct="1"/>
             <a:r>
-              <a:rPr lang="ko-KR" altLang="en-US" smtClean="0"/>
+              <a:rPr lang="ko-KR" altLang="en-US"/>
               <a:t>마스터 텍스트 스타일을 편집합니다</a:t>
             </a:r>
           </a:p>
           <a:p>
             <a:pPr lvl="1" eaLnBrk="1" latinLnBrk="0" hangingPunct="1"/>
             <a:r>
-              <a:rPr lang="ko-KR" altLang="en-US" smtClean="0"/>
+              <a:rPr lang="ko-KR" altLang="en-US"/>
               <a:t>둘째 수준</a:t>
             </a:r>
           </a:p>
           <a:p>
             <a:pPr lvl="2" eaLnBrk="1" latinLnBrk="0" hangingPunct="1"/>
             <a:r>
-              <a:rPr lang="ko-KR" altLang="en-US" smtClean="0"/>
+              <a:rPr lang="ko-KR" altLang="en-US"/>
               <a:t>셋째 수준</a:t>
             </a:r>
           </a:p>
           <a:p>
             <a:pPr lvl="3" eaLnBrk="1" latinLnBrk="0" hangingPunct="1"/>
             <a:r>
-              <a:rPr lang="ko-KR" altLang="en-US" smtClean="0"/>
+              <a:rPr lang="ko-KR" altLang="en-US"/>
               <a:t>넷째 수준</a:t>
             </a:r>
           </a:p>
           <a:p>
             <a:pPr lvl="4" eaLnBrk="1" latinLnBrk="0" hangingPunct="1"/>
             <a:r>
-              <a:rPr lang="ko-KR" altLang="en-US" smtClean="0"/>
+              <a:rPr lang="ko-KR" altLang="en-US"/>
               <a:t>다섯째 수준</a:t>
             </a:r>
             <a:endParaRPr kumimoji="0" lang="en-US"/>
@@ -1464,35 +1462,35 @@
           <a:p>
             <a:pPr lvl="0" eaLnBrk="1" latinLnBrk="0" hangingPunct="1"/>
             <a:r>
-              <a:rPr lang="ko-KR" altLang="en-US" smtClean="0"/>
+              <a:rPr lang="ko-KR" altLang="en-US"/>
               <a:t>마스터 텍스트 스타일을 편집합니다</a:t>
             </a:r>
           </a:p>
           <a:p>
             <a:pPr lvl="1" eaLnBrk="1" latinLnBrk="0" hangingPunct="1"/>
             <a:r>
-              <a:rPr lang="ko-KR" altLang="en-US" smtClean="0"/>
+              <a:rPr lang="ko-KR" altLang="en-US"/>
               <a:t>둘째 수준</a:t>
             </a:r>
           </a:p>
           <a:p>
             <a:pPr lvl="2" eaLnBrk="1" latinLnBrk="0" hangingPunct="1"/>
             <a:r>
-              <a:rPr lang="ko-KR" altLang="en-US" smtClean="0"/>
+              <a:rPr lang="ko-KR" altLang="en-US"/>
               <a:t>셋째 수준</a:t>
             </a:r>
           </a:p>
           <a:p>
             <a:pPr lvl="3" eaLnBrk="1" latinLnBrk="0" hangingPunct="1"/>
             <a:r>
-              <a:rPr lang="ko-KR" altLang="en-US" smtClean="0"/>
+              <a:rPr lang="ko-KR" altLang="en-US"/>
               <a:t>넷째 수준</a:t>
             </a:r>
           </a:p>
           <a:p>
             <a:pPr lvl="4" eaLnBrk="1" latinLnBrk="0" hangingPunct="1"/>
             <a:r>
-              <a:rPr lang="ko-KR" altLang="en-US" smtClean="0"/>
+              <a:rPr lang="ko-KR" altLang="en-US"/>
               <a:t>다섯째 수준</a:t>
             </a:r>
             <a:endParaRPr kumimoji="0" lang="en-US"/>
@@ -1549,7 +1547,7 @@
           <a:p>
             <a:fld id="{7ECEFAC6-8C3D-4BF3-9D33-5B01504927DD}" type="datetimeFigureOut">
               <a:rPr lang="ko-KR" altLang="en-US" smtClean="0"/>
-              <a:t>2021-08-23</a:t>
+              <a:t>2022-09-01</a:t>
             </a:fld>
             <a:endParaRPr lang="ko-KR" altLang="en-US"/>
           </a:p>
@@ -1754,7 +1752,7 @@
           </a:lstStyle>
           <a:p>
             <a:r>
-              <a:rPr kumimoji="0" lang="ko-KR" altLang="en-US" dirty="0" smtClean="0"/>
+              <a:rPr kumimoji="0" lang="ko-KR" altLang="en-US" dirty="0"/>
               <a:t>마스터 제목 스타일 편집</a:t>
             </a:r>
             <a:endParaRPr kumimoji="0" lang="en-US" dirty="0"/>
@@ -1816,7 +1814,7 @@
           </a:lstStyle>
           <a:p>
             <a:r>
-              <a:rPr kumimoji="0" lang="ko-KR" altLang="en-US" dirty="0" smtClean="0"/>
+              <a:rPr kumimoji="0" lang="ko-KR" altLang="en-US" dirty="0"/>
               <a:t>마스터 부제목 스타일 편집</a:t>
             </a:r>
             <a:endParaRPr kumimoji="0" lang="en-US" dirty="0"/>
@@ -2390,35 +2388,35 @@
           <a:p>
             <a:pPr lvl="0" eaLnBrk="1" latinLnBrk="0" hangingPunct="1"/>
             <a:r>
-              <a:rPr lang="ko-KR" altLang="en-US" smtClean="0"/>
+              <a:rPr lang="ko-KR" altLang="en-US"/>
               <a:t>마스터 텍스트 스타일을 편집합니다</a:t>
             </a:r>
           </a:p>
           <a:p>
             <a:pPr lvl="1" eaLnBrk="1" latinLnBrk="0" hangingPunct="1"/>
             <a:r>
-              <a:rPr lang="ko-KR" altLang="en-US" smtClean="0"/>
+              <a:rPr lang="ko-KR" altLang="en-US"/>
               <a:t>둘째 수준</a:t>
             </a:r>
           </a:p>
           <a:p>
             <a:pPr lvl="2" eaLnBrk="1" latinLnBrk="0" hangingPunct="1"/>
             <a:r>
-              <a:rPr lang="ko-KR" altLang="en-US" smtClean="0"/>
+              <a:rPr lang="ko-KR" altLang="en-US"/>
               <a:t>셋째 수준</a:t>
             </a:r>
           </a:p>
           <a:p>
             <a:pPr lvl="3" eaLnBrk="1" latinLnBrk="0" hangingPunct="1"/>
             <a:r>
-              <a:rPr lang="ko-KR" altLang="en-US" smtClean="0"/>
+              <a:rPr lang="ko-KR" altLang="en-US"/>
               <a:t>넷째 수준</a:t>
             </a:r>
           </a:p>
           <a:p>
             <a:pPr lvl="4" eaLnBrk="1" latinLnBrk="0" hangingPunct="1"/>
             <a:r>
-              <a:rPr lang="ko-KR" altLang="en-US" smtClean="0"/>
+              <a:rPr lang="ko-KR" altLang="en-US"/>
               <a:t>다섯째 수준</a:t>
             </a:r>
             <a:endParaRPr kumimoji="0" lang="en-US"/>
@@ -2446,7 +2444,7 @@
           <a:lstStyle/>
           <a:p>
             <a:r>
-              <a:rPr kumimoji="0" lang="ko-KR" altLang="en-US" dirty="0" smtClean="0"/>
+              <a:rPr kumimoji="0" lang="ko-KR" altLang="en-US" dirty="0"/>
               <a:t>마스터 제목 스타일 편집</a:t>
             </a:r>
             <a:endParaRPr kumimoji="0" lang="en-US" dirty="0"/>
@@ -2504,7 +2502,7 @@
           <a:lstStyle/>
           <a:p>
             <a:r>
-              <a:rPr kumimoji="0" lang="ko-KR" altLang="en-US" dirty="0" smtClean="0"/>
+              <a:rPr kumimoji="0" lang="ko-KR" altLang="en-US" dirty="0"/>
               <a:t>마스터 제목 스타일 편집</a:t>
             </a:r>
             <a:endParaRPr kumimoji="0" lang="en-US" dirty="0"/>
@@ -2572,7 +2570,7 @@
           </a:lstStyle>
           <a:p>
             <a:r>
-              <a:rPr kumimoji="0" lang="ko-KR" altLang="en-US" smtClean="0"/>
+              <a:rPr kumimoji="0" lang="ko-KR" altLang="en-US"/>
               <a:t>마스터 제목 스타일 편집</a:t>
             </a:r>
             <a:endParaRPr kumimoji="0" lang="en-US"/>
@@ -2623,35 +2621,35 @@
           <a:p>
             <a:pPr lvl="0" eaLnBrk="1" latinLnBrk="0" hangingPunct="1"/>
             <a:r>
-              <a:rPr lang="ko-KR" altLang="en-US" smtClean="0"/>
+              <a:rPr lang="ko-KR" altLang="en-US"/>
               <a:t>마스터 텍스트 스타일을 편집합니다</a:t>
             </a:r>
           </a:p>
           <a:p>
             <a:pPr lvl="1" eaLnBrk="1" latinLnBrk="0" hangingPunct="1"/>
             <a:r>
-              <a:rPr lang="ko-KR" altLang="en-US" smtClean="0"/>
+              <a:rPr lang="ko-KR" altLang="en-US"/>
               <a:t>둘째 수준</a:t>
             </a:r>
           </a:p>
           <a:p>
             <a:pPr lvl="2" eaLnBrk="1" latinLnBrk="0" hangingPunct="1"/>
             <a:r>
-              <a:rPr lang="ko-KR" altLang="en-US" smtClean="0"/>
+              <a:rPr lang="ko-KR" altLang="en-US"/>
               <a:t>셋째 수준</a:t>
             </a:r>
           </a:p>
           <a:p>
             <a:pPr lvl="3" eaLnBrk="1" latinLnBrk="0" hangingPunct="1"/>
             <a:r>
-              <a:rPr lang="ko-KR" altLang="en-US" smtClean="0"/>
+              <a:rPr lang="ko-KR" altLang="en-US"/>
               <a:t>넷째 수준</a:t>
             </a:r>
           </a:p>
           <a:p>
             <a:pPr lvl="4" eaLnBrk="1" latinLnBrk="0" hangingPunct="1"/>
             <a:r>
-              <a:rPr lang="ko-KR" altLang="en-US" smtClean="0"/>
+              <a:rPr lang="ko-KR" altLang="en-US"/>
               <a:t>다섯째 수준</a:t>
             </a:r>
             <a:endParaRPr kumimoji="0" lang="en-US"/>
@@ -2705,35 +2703,35 @@
           <a:p>
             <a:pPr lvl="0" eaLnBrk="1" latinLnBrk="0" hangingPunct="1"/>
             <a:r>
-              <a:rPr lang="ko-KR" altLang="en-US" smtClean="0"/>
+              <a:rPr lang="ko-KR" altLang="en-US"/>
               <a:t>마스터 텍스트 스타일을 편집합니다</a:t>
             </a:r>
           </a:p>
           <a:p>
             <a:pPr lvl="1" eaLnBrk="1" latinLnBrk="0" hangingPunct="1"/>
             <a:r>
-              <a:rPr lang="ko-KR" altLang="en-US" smtClean="0"/>
+              <a:rPr lang="ko-KR" altLang="en-US"/>
               <a:t>둘째 수준</a:t>
             </a:r>
           </a:p>
           <a:p>
             <a:pPr lvl="2" eaLnBrk="1" latinLnBrk="0" hangingPunct="1"/>
             <a:r>
-              <a:rPr lang="ko-KR" altLang="en-US" smtClean="0"/>
+              <a:rPr lang="ko-KR" altLang="en-US"/>
               <a:t>셋째 수준</a:t>
             </a:r>
           </a:p>
           <a:p>
             <a:pPr lvl="3" eaLnBrk="1" latinLnBrk="0" hangingPunct="1"/>
             <a:r>
-              <a:rPr lang="ko-KR" altLang="en-US" smtClean="0"/>
+              <a:rPr lang="ko-KR" altLang="en-US"/>
               <a:t>넷째 수준</a:t>
             </a:r>
           </a:p>
           <a:p>
             <a:pPr lvl="4" eaLnBrk="1" latinLnBrk="0" hangingPunct="1"/>
             <a:r>
-              <a:rPr lang="ko-KR" altLang="en-US" smtClean="0"/>
+              <a:rPr lang="ko-KR" altLang="en-US"/>
               <a:t>다섯째 수준</a:t>
             </a:r>
             <a:endParaRPr kumimoji="0" lang="en-US"/>
@@ -3132,7 +3130,7 @@
           <a:lstStyle/>
           <a:p>
             <a:r>
-              <a:rPr kumimoji="0" lang="ko-KR" altLang="en-US" dirty="0" smtClean="0"/>
+              <a:rPr kumimoji="0" lang="ko-KR" altLang="en-US" dirty="0"/>
               <a:t>마스터 제목 스타일 편집</a:t>
             </a:r>
             <a:endParaRPr kumimoji="0" lang="en-US" dirty="0"/>
@@ -3166,35 +3164,35 @@
           <a:p>
             <a:pPr lvl="0" eaLnBrk="1" latinLnBrk="0" hangingPunct="1"/>
             <a:r>
-              <a:rPr kumimoji="0" lang="ko-KR" altLang="en-US" dirty="0" smtClean="0"/>
+              <a:rPr kumimoji="0" lang="ko-KR" altLang="en-US" dirty="0"/>
               <a:t>마스터 텍스트 스타일을 편집합니다</a:t>
             </a:r>
           </a:p>
           <a:p>
             <a:pPr lvl="1" eaLnBrk="1" latinLnBrk="0" hangingPunct="1"/>
             <a:r>
-              <a:rPr kumimoji="0" lang="ko-KR" altLang="en-US" dirty="0" smtClean="0"/>
+              <a:rPr kumimoji="0" lang="ko-KR" altLang="en-US" dirty="0"/>
               <a:t>둘째 수준</a:t>
             </a:r>
           </a:p>
           <a:p>
             <a:pPr lvl="2" eaLnBrk="1" latinLnBrk="0" hangingPunct="1"/>
             <a:r>
-              <a:rPr kumimoji="0" lang="ko-KR" altLang="en-US" dirty="0" smtClean="0"/>
+              <a:rPr kumimoji="0" lang="ko-KR" altLang="en-US" dirty="0"/>
               <a:t>셋째 수준</a:t>
             </a:r>
           </a:p>
           <a:p>
             <a:pPr lvl="3" eaLnBrk="1" latinLnBrk="0" hangingPunct="1"/>
             <a:r>
-              <a:rPr kumimoji="0" lang="ko-KR" altLang="en-US" dirty="0" smtClean="0"/>
+              <a:rPr kumimoji="0" lang="ko-KR" altLang="en-US" dirty="0"/>
               <a:t>넷째 수준</a:t>
             </a:r>
           </a:p>
           <a:p>
             <a:pPr lvl="4" eaLnBrk="1" latinLnBrk="0" hangingPunct="1"/>
             <a:r>
-              <a:rPr kumimoji="0" lang="ko-KR" altLang="en-US" dirty="0" smtClean="0"/>
+              <a:rPr kumimoji="0" lang="ko-KR" altLang="en-US" dirty="0"/>
               <a:t>다섯째 수준</a:t>
             </a:r>
             <a:endParaRPr kumimoji="0" lang="en-US" dirty="0"/>
@@ -3913,11 +3911,11 @@
           <a:lstStyle/>
           <a:p>
             <a:r>
-              <a:rPr kumimoji="0" lang="ko-KR" altLang="en-US" smtClean="0"/>
+              <a:rPr kumimoji="0" lang="ko-KR" altLang="en-US"/>
               <a:t>마스터 </a:t>
             </a:r>
             <a:r>
-              <a:rPr kumimoji="0" lang="ko-KR" altLang="en-US" dirty="0" smtClean="0"/>
+              <a:rPr kumimoji="0" lang="ko-KR" altLang="en-US" dirty="0"/>
               <a:t>제목 스타일 편집</a:t>
             </a:r>
             <a:endParaRPr kumimoji="0" lang="en-US" dirty="0"/>
@@ -3951,35 +3949,35 @@
           <a:p>
             <a:pPr lvl="0" eaLnBrk="1" latinLnBrk="0" hangingPunct="1"/>
             <a:r>
-              <a:rPr kumimoji="0" lang="ko-KR" altLang="en-US" dirty="0" smtClean="0"/>
+              <a:rPr kumimoji="0" lang="ko-KR" altLang="en-US" dirty="0"/>
               <a:t>마스터 텍스트 스타일을 편집합니다</a:t>
             </a:r>
           </a:p>
           <a:p>
             <a:pPr lvl="1" eaLnBrk="1" latinLnBrk="0" hangingPunct="1"/>
             <a:r>
-              <a:rPr kumimoji="0" lang="ko-KR" altLang="en-US" dirty="0" smtClean="0"/>
+              <a:rPr kumimoji="0" lang="ko-KR" altLang="en-US" dirty="0"/>
               <a:t>둘째 수준</a:t>
             </a:r>
           </a:p>
           <a:p>
             <a:pPr lvl="2" eaLnBrk="1" latinLnBrk="0" hangingPunct="1"/>
             <a:r>
-              <a:rPr kumimoji="0" lang="ko-KR" altLang="en-US" dirty="0" smtClean="0"/>
+              <a:rPr kumimoji="0" lang="ko-KR" altLang="en-US" dirty="0"/>
               <a:t>셋째 수준</a:t>
             </a:r>
           </a:p>
           <a:p>
             <a:pPr lvl="3" eaLnBrk="1" latinLnBrk="0" hangingPunct="1"/>
             <a:r>
-              <a:rPr kumimoji="0" lang="ko-KR" altLang="en-US" dirty="0" smtClean="0"/>
+              <a:rPr kumimoji="0" lang="ko-KR" altLang="en-US" dirty="0"/>
               <a:t>넷째 수준</a:t>
             </a:r>
           </a:p>
           <a:p>
             <a:pPr lvl="4" eaLnBrk="1" latinLnBrk="0" hangingPunct="1"/>
             <a:r>
-              <a:rPr kumimoji="0" lang="ko-KR" altLang="en-US" dirty="0" smtClean="0"/>
+              <a:rPr kumimoji="0" lang="ko-KR" altLang="en-US" dirty="0"/>
               <a:t>다섯째 수준</a:t>
             </a:r>
             <a:endParaRPr kumimoji="0" lang="en-US" dirty="0"/>
@@ -4027,35 +4025,35 @@
           <a:p>
             <a:pPr algn="r"/>
             <a:r>
-              <a:rPr lang="ko-KR" altLang="en-US" sz="1400" dirty="0" smtClean="0">
+              <a:rPr lang="ko-KR" altLang="en-US" sz="1400" dirty="0">
                 <a:latin typeface="+mn-ea"/>
                 <a:ea typeface="+mn-ea"/>
               </a:rPr>
               <a:t>네트워크프로그래밍 </a:t>
             </a:r>
             <a:r>
-              <a:rPr lang="en-US" altLang="ko-KR" sz="1400" smtClean="0">
+              <a:rPr lang="en-US" altLang="ko-KR" sz="1400">
                 <a:latin typeface="+mn-ea"/>
                 <a:ea typeface="+mn-ea"/>
               </a:rPr>
               <a:t>– 2</a:t>
             </a:r>
             <a:r>
-              <a:rPr lang="ko-KR" altLang="en-US" sz="1400" smtClean="0">
+              <a:rPr lang="ko-KR" altLang="en-US" sz="1400">
                 <a:latin typeface="+mn-ea"/>
                 <a:ea typeface="+mn-ea"/>
               </a:rPr>
               <a:t>주</a:t>
             </a:r>
             <a:r>
-              <a:rPr lang="en-US" altLang="ko-KR" sz="1400" baseline="0" smtClean="0">
+              <a:rPr lang="en-US" altLang="ko-KR" sz="1400" baseline="0">
                 <a:latin typeface="+mn-ea"/>
                 <a:ea typeface="+mn-ea"/>
               </a:rPr>
               <a:t> </a:t>
             </a:r>
             <a:r>
-              <a:rPr lang="ko-KR" altLang="en-US" sz="1400" baseline="0" dirty="0" smtClean="0">
+              <a:rPr lang="ko-KR" altLang="en-US" sz="1400" baseline="0" dirty="0">
                 <a:latin typeface="+mn-ea"/>
                 <a:ea typeface="+mn-ea"/>
               </a:rPr>
@@ -4450,33 +4448,24 @@
           <a:p>
             <a:pPr eaLnBrk="1" hangingPunct="1"/>
             <a:r>
-              <a:rPr lang="ko-KR" altLang="en-US" smtClean="0"/>
+              <a:rPr lang="ko-KR" altLang="en-US" dirty="0"/>
               <a:t>네트워크프로그래밍</a:t>
             </a:r>
             <a:r>
-              <a:rPr lang="en-US" altLang="ko-KR" smtClean="0"/>
+              <a:rPr lang="en-US" altLang="ko-KR" dirty="0"/>
               <a:t>-2</a:t>
             </a:r>
             <a:r>
-              <a:rPr lang="ko-KR" altLang="en-US" smtClean="0"/>
+              <a:rPr lang="ko-KR" altLang="en-US" dirty="0"/>
               <a:t>주</a:t>
             </a:r>
-            <a:r>
-              <a:rPr lang="en-US" altLang="ko-KR" smtClean="0"/>
-              <a:t/>
-            </a:r>
             <a:br>
-              <a:rPr lang="en-US" altLang="ko-KR" smtClean="0"/>
+              <a:rPr lang="en-US" altLang="ko-KR" dirty="0"/>
             </a:br>
             <a:r>
-              <a:rPr lang="ko-KR" altLang="en-US" smtClean="0"/>
-              <a:t>과제 제출 </a:t>
-            </a:r>
-            <a:r>
-              <a:rPr lang="ko-KR" altLang="en-US"/>
-              <a:t>용</a:t>
-            </a:r>
-            <a:endParaRPr lang="ko-KR" altLang="en-US" dirty="0" smtClean="0"/>
+              <a:rPr lang="ko-KR" altLang="en-US" dirty="0"/>
+              <a:t>과제 제출용</a:t>
+            </a:r>
           </a:p>
         </p:txBody>
       </p:sp>
@@ -4499,18 +4488,21 @@
           <a:p>
             <a:pPr eaLnBrk="1" hangingPunct="1"/>
             <a:r>
-              <a:rPr lang="ko-KR" altLang="en-US" smtClean="0"/>
-              <a:t>학번</a:t>
-            </a:r>
-            <a:endParaRPr lang="en-US" altLang="ko-KR" smtClean="0"/>
+              <a:rPr lang="ko-KR" altLang="en-US" dirty="0"/>
+              <a:t>학번 </a:t>
+            </a:r>
+            <a:r>
+              <a:rPr lang="en-US" altLang="ko-KR" dirty="0"/>
+              <a:t>1891179</a:t>
+            </a:r>
           </a:p>
           <a:p>
             <a:pPr eaLnBrk="1" hangingPunct="1"/>
             <a:r>
-              <a:rPr lang="ko-KR" altLang="en-US" smtClean="0"/>
-              <a:t>이름</a:t>
-            </a:r>
-            <a:endParaRPr lang="en-US" altLang="ko-KR" dirty="0" smtClean="0"/>
+              <a:rPr lang="ko-KR" altLang="en-US"/>
+              <a:t>이름 김현학</a:t>
+            </a:r>
+            <a:endParaRPr lang="en-US" altLang="ko-KR" dirty="0"/>
           </a:p>
         </p:txBody>
       </p:sp>
@@ -4519,13 +4511,6 @@
   <p:clrMapOvr>
     <a:masterClrMapping/>
   </p:clrMapOvr>
-  <p:timing>
-    <p:tnLst>
-      <p:par>
-        <p:cTn id="1" dur="indefinite" restart="never" nodeType="tmRoot"/>
-      </p:par>
-    </p:tnLst>
-  </p:timing>
 </p:sld>
 </file>
 
@@ -4564,15 +4549,15 @@
           <a:lstStyle/>
           <a:p>
             <a:r>
-              <a:rPr lang="en-US" altLang="ko-KR" smtClean="0"/>
+              <a:rPr lang="en-US" altLang="ko-KR"/>
               <a:t>IP Packet </a:t>
             </a:r>
             <a:r>
-              <a:rPr lang="ko-KR" altLang="en-US" smtClean="0"/>
+              <a:rPr lang="ko-KR" altLang="en-US"/>
               <a:t>예 </a:t>
             </a:r>
             <a:r>
-              <a:rPr lang="en-US" altLang="ko-KR" smtClean="0"/>
+              <a:rPr lang="en-US" altLang="ko-KR"/>
               <a:t>(172.30.1.33 &lt;-&gt; 220.66.102.11)</a:t>
             </a:r>
             <a:endParaRPr lang="ko-KR" altLang="en-US"/>
@@ -4651,15 +4636,15 @@
           <a:lstStyle/>
           <a:p>
             <a:r>
-              <a:rPr lang="en-US" altLang="ko-KR" sz="2800" smtClean="0"/>
+              <a:rPr lang="en-US" altLang="ko-KR" sz="2800"/>
               <a:t>TCP Packet </a:t>
             </a:r>
             <a:r>
-              <a:rPr lang="ko-KR" altLang="en-US" sz="2800" smtClean="0"/>
+              <a:rPr lang="ko-KR" altLang="en-US" sz="2800"/>
               <a:t>예 </a:t>
             </a:r>
             <a:r>
-              <a:rPr lang="en-US" altLang="ko-KR" sz="2800" smtClean="0"/>
+              <a:rPr lang="en-US" altLang="ko-KR" sz="2800"/>
               <a:t>(172.30.1.3:7796 &lt;-&gt; 220.66.102.11:80)</a:t>
             </a:r>
             <a:endParaRPr lang="ko-KR" altLang="en-US" sz="2800"/>
@@ -4738,7 +4723,7 @@
           <a:lstStyle/>
           <a:p>
             <a:r>
-              <a:rPr lang="en-US" altLang="ko-KR" smtClean="0"/>
+              <a:rPr lang="en-US" altLang="ko-KR"/>
               <a:t>DNS Query (www.hansung.ac.kr ? )</a:t>
             </a:r>
             <a:endParaRPr lang="ko-KR" altLang="en-US"/>
@@ -4817,7 +4802,7 @@
           <a:lstStyle/>
           <a:p>
             <a:r>
-              <a:rPr lang="en-US" altLang="ko-KR" sz="3200" smtClean="0"/>
+              <a:rPr lang="en-US" altLang="ko-KR" sz="3200"/>
               <a:t>DNS Response (www.hansung.ac.kr = 220.66.102.11)</a:t>
             </a:r>
             <a:endParaRPr lang="ko-KR" altLang="en-US" sz="3200"/>
@@ -4896,25 +4881,25 @@
           <a:lstStyle/>
           <a:p>
             <a:r>
-              <a:rPr lang="en-US" altLang="ko-KR" smtClean="0"/>
+              <a:rPr lang="en-US" altLang="ko-KR"/>
               <a:t>HTTP Data </a:t>
             </a:r>
             <a:r>
-              <a:rPr lang="ko-KR" altLang="en-US" smtClean="0"/>
+              <a:rPr lang="ko-KR" altLang="en-US"/>
               <a:t>예 </a:t>
             </a:r>
             <a:r>
-              <a:rPr lang="en-US" altLang="ko-KR" smtClean="0"/>
+              <a:rPr lang="en-US" altLang="ko-KR"/>
               <a:t>(PC </a:t>
             </a:r>
             <a:r>
-              <a:rPr lang="en-US" altLang="ko-KR" smtClean="0">
+              <a:rPr lang="en-US" altLang="ko-KR">
                 <a:sym typeface="Wingdings" panose="05000000000000000000" pitchFamily="2" charset="2"/>
               </a:rPr>
               <a:t></a:t>
             </a:r>
             <a:r>
-              <a:rPr lang="en-US" altLang="ko-KR" smtClean="0"/>
+              <a:rPr lang="en-US" altLang="ko-KR"/>
               <a:t> Web Server)</a:t>
             </a:r>
             <a:endParaRPr lang="ko-KR" altLang="en-US"/>
@@ -4993,25 +4978,25 @@
           <a:lstStyle/>
           <a:p>
             <a:r>
-              <a:rPr lang="en-US" altLang="ko-KR" smtClean="0"/>
+              <a:rPr lang="en-US" altLang="ko-KR"/>
               <a:t>HTTP Data </a:t>
             </a:r>
             <a:r>
-              <a:rPr lang="ko-KR" altLang="en-US" smtClean="0"/>
+              <a:rPr lang="ko-KR" altLang="en-US"/>
               <a:t>예 </a:t>
             </a:r>
             <a:r>
-              <a:rPr lang="en-US" altLang="ko-KR" smtClean="0"/>
+              <a:rPr lang="en-US" altLang="ko-KR"/>
               <a:t>(Web Server </a:t>
             </a:r>
             <a:r>
-              <a:rPr lang="en-US" altLang="ko-KR" smtClean="0">
+              <a:rPr lang="en-US" altLang="ko-KR">
                 <a:sym typeface="Wingdings" panose="05000000000000000000" pitchFamily="2" charset="2"/>
               </a:rPr>
               <a:t></a:t>
             </a:r>
             <a:r>
-              <a:rPr lang="en-US" altLang="ko-KR" smtClean="0"/>
+              <a:rPr lang="en-US" altLang="ko-KR"/>
               <a:t> PC)</a:t>
             </a:r>
             <a:endParaRPr lang="ko-KR" altLang="en-US"/>
@@ -5090,17 +5075,17 @@
           <a:lstStyle/>
           <a:p>
             <a:r>
-              <a:rPr lang="en-US" altLang="ko-KR" smtClean="0"/>
+              <a:rPr lang="en-US" altLang="ko-KR"/>
               <a:t>HTTP Data (Chrome </a:t>
             </a:r>
             <a:r>
-              <a:rPr lang="en-US" altLang="ko-KR" smtClean="0">
+              <a:rPr lang="en-US" altLang="ko-KR">
                 <a:sym typeface="Wingdings" panose="05000000000000000000" pitchFamily="2" charset="2"/>
               </a:rPr>
               <a:t></a:t>
             </a:r>
             <a:r>
-              <a:rPr lang="en-US" altLang="ko-KR" smtClean="0"/>
+              <a:rPr lang="en-US" altLang="ko-KR"/>
               <a:t> Mongoose Web Server)</a:t>
             </a:r>
             <a:endParaRPr lang="ko-KR" altLang="en-US"/>
@@ -5156,7 +5141,7 @@
           <a:lstStyle/>
           <a:p>
             <a:r>
-              <a:rPr lang="en-US" altLang="ko-KR" smtClean="0">
+              <a:rPr lang="en-US" altLang="ko-KR">
                 <a:latin typeface="+mn-ea"/>
                 <a:ea typeface="+mn-ea"/>
               </a:rPr>
@@ -5165,14 +5150,14 @@
           </a:p>
           <a:p>
             <a:r>
-              <a:rPr lang="en-US" altLang="ko-KR" smtClean="0">
+              <a:rPr lang="en-US" altLang="ko-KR">
                 <a:latin typeface="+mn-ea"/>
                 <a:ea typeface="+mn-ea"/>
               </a:rPr>
               <a:t>127.0.0.1 </a:t>
             </a:r>
             <a:r>
-              <a:rPr lang="ko-KR" altLang="en-US" smtClean="0">
+              <a:rPr lang="ko-KR" altLang="en-US">
                 <a:latin typeface="+mn-ea"/>
                 <a:ea typeface="+mn-ea"/>
               </a:rPr>
@@ -5229,14 +5214,13 @@
           <a:lstStyle/>
           <a:p>
             <a:r>
-              <a:rPr lang="en-US" altLang="ko-KR" smtClean="0"/>
+              <a:rPr lang="en-US" altLang="ko-KR"/>
               <a:t>Wireshark </a:t>
             </a:r>
             <a:r>
-              <a:rPr lang="ko-KR" altLang="en-US" smtClean="0"/>
+              <a:rPr lang="ko-KR" altLang="en-US"/>
               <a:t>분석 결과</a:t>
             </a:r>
-            <a:endParaRPr lang="ko-KR" altLang="en-US"/>
           </a:p>
         </p:txBody>
       </p:sp>
@@ -5369,154 +5353,154 @@
           <a:lstStyle/>
           <a:p>
             <a:r>
-              <a:rPr lang="ko-KR" altLang="en-US" smtClean="0"/>
+              <a:rPr lang="ko-KR" altLang="en-US" dirty="0"/>
               <a:t>본인 집 네트워크 구성도 확인 및 그리기</a:t>
             </a:r>
-            <a:endParaRPr lang="en-US" altLang="ko-KR" smtClean="0"/>
+            <a:endParaRPr lang="en-US" altLang="ko-KR" dirty="0"/>
           </a:p>
           <a:p>
             <a:pPr lvl="1"/>
             <a:r>
-              <a:rPr lang="ko-KR" altLang="en-US" smtClean="0"/>
+              <a:rPr lang="ko-KR" altLang="en-US" dirty="0"/>
               <a:t>공유기 사용 환경 </a:t>
             </a:r>
             <a:r>
-              <a:rPr lang="en-US" altLang="ko-KR" smtClean="0"/>
+              <a:rPr lang="en-US" altLang="ko-KR" dirty="0"/>
               <a:t>1 ~ 4 </a:t>
             </a:r>
             <a:r>
-              <a:rPr lang="ko-KR" altLang="en-US" smtClean="0"/>
+              <a:rPr lang="ko-KR" altLang="en-US" dirty="0"/>
               <a:t>중 한가지 또는</a:t>
             </a:r>
-            <a:endParaRPr lang="en-US" altLang="ko-KR" smtClean="0"/>
+            <a:endParaRPr lang="en-US" altLang="ko-KR" dirty="0"/>
           </a:p>
           <a:p>
             <a:pPr lvl="1"/>
             <a:r>
-              <a:rPr lang="ko-KR" altLang="en-US" smtClean="0"/>
+              <a:rPr lang="ko-KR" altLang="en-US" dirty="0"/>
               <a:t>새로운 네트워크 구성도 직접 완성할 것</a:t>
             </a:r>
-            <a:endParaRPr lang="en-US" altLang="ko-KR" smtClean="0"/>
+            <a:endParaRPr lang="en-US" altLang="ko-KR" dirty="0"/>
           </a:p>
           <a:p>
             <a:pPr lvl="1"/>
             <a:r>
-              <a:rPr lang="en-US" altLang="ko-KR" smtClean="0"/>
+              <a:rPr lang="en-US" altLang="ko-KR" dirty="0"/>
               <a:t>IP </a:t>
             </a:r>
             <a:r>
-              <a:rPr lang="ko-KR" altLang="en-US" smtClean="0"/>
+              <a:rPr lang="ko-KR" altLang="en-US" dirty="0"/>
               <a:t>주소는 본인 </a:t>
             </a:r>
             <a:r>
-              <a:rPr lang="en-US" altLang="ko-KR" smtClean="0"/>
+              <a:rPr lang="en-US" altLang="ko-KR" dirty="0"/>
               <a:t>PC IP</a:t>
             </a:r>
             <a:r>
-              <a:rPr lang="ko-KR" altLang="en-US" smtClean="0"/>
+              <a:rPr lang="ko-KR" altLang="en-US" dirty="0"/>
               <a:t>와 집 네트워크 라우터 확인후 수정할 것</a:t>
             </a:r>
-            <a:endParaRPr lang="en-US" altLang="ko-KR" smtClean="0"/>
-          </a:p>
-          <a:p>
-            <a:r>
-              <a:rPr lang="ko-KR" altLang="en-US" smtClean="0"/>
+            <a:endParaRPr lang="en-US" altLang="ko-KR" dirty="0"/>
+          </a:p>
+          <a:p>
+            <a:r>
+              <a:rPr lang="ko-KR" altLang="en-US" dirty="0"/>
               <a:t>본인 집에서 프로토콜 분석기 실습 </a:t>
             </a:r>
             <a:r>
-              <a:rPr lang="en-US" altLang="ko-KR" smtClean="0"/>
+              <a:rPr lang="en-US" altLang="ko-KR" dirty="0"/>
               <a:t>Capture</a:t>
             </a:r>
           </a:p>
           <a:p>
             <a:pPr lvl="1"/>
             <a:r>
-              <a:rPr lang="en-US" altLang="ko-KR" smtClean="0"/>
+              <a:rPr lang="en-US" altLang="ko-KR" dirty="0"/>
               <a:t>ARP Request/Reply </a:t>
             </a:r>
             <a:r>
-              <a:rPr lang="ko-KR" altLang="en-US" smtClean="0"/>
+              <a:rPr lang="ko-KR" altLang="en-US" dirty="0"/>
               <a:t>화면</a:t>
             </a:r>
-            <a:endParaRPr lang="en-US" altLang="ko-KR" smtClean="0"/>
+            <a:endParaRPr lang="en-US" altLang="ko-KR" dirty="0"/>
           </a:p>
           <a:p>
             <a:pPr lvl="1"/>
             <a:r>
-              <a:rPr lang="en-US" altLang="ko-KR" smtClean="0"/>
+              <a:rPr lang="en-US" altLang="ko-KR" dirty="0"/>
               <a:t>IP Packet </a:t>
             </a:r>
             <a:r>
-              <a:rPr lang="ko-KR" altLang="en-US" smtClean="0"/>
+              <a:rPr lang="ko-KR" altLang="en-US" dirty="0"/>
               <a:t>화면</a:t>
             </a:r>
-            <a:endParaRPr lang="en-US" altLang="ko-KR" smtClean="0"/>
+            <a:endParaRPr lang="en-US" altLang="ko-KR" dirty="0"/>
           </a:p>
           <a:p>
             <a:pPr lvl="1"/>
             <a:r>
-              <a:rPr lang="en-US" altLang="ko-KR" smtClean="0"/>
+              <a:rPr lang="en-US" altLang="ko-KR" dirty="0"/>
               <a:t>TCP Packet </a:t>
             </a:r>
             <a:r>
-              <a:rPr lang="ko-KR" altLang="en-US" smtClean="0"/>
+              <a:rPr lang="ko-KR" altLang="en-US" dirty="0"/>
               <a:t>화면</a:t>
             </a:r>
-            <a:endParaRPr lang="en-US" altLang="ko-KR"/>
+            <a:endParaRPr lang="en-US" altLang="ko-KR" dirty="0"/>
           </a:p>
           <a:p>
             <a:pPr lvl="1"/>
             <a:r>
-              <a:rPr lang="en-US" altLang="ko-KR" smtClean="0"/>
+              <a:rPr lang="en-US" altLang="ko-KR" dirty="0"/>
               <a:t>UDP/DNS </a:t>
             </a:r>
             <a:r>
-              <a:rPr lang="ko-KR" altLang="en-US" smtClean="0"/>
+              <a:rPr lang="ko-KR" altLang="en-US" dirty="0"/>
               <a:t>화면</a:t>
             </a:r>
-            <a:endParaRPr lang="en-US" altLang="ko-KR" smtClean="0"/>
+            <a:endParaRPr lang="en-US" altLang="ko-KR" dirty="0"/>
           </a:p>
           <a:p>
             <a:pPr lvl="1"/>
             <a:r>
-              <a:rPr lang="en-US" altLang="ko-KR" smtClean="0"/>
+              <a:rPr lang="en-US" altLang="ko-KR" dirty="0"/>
               <a:t>HTTP Web Data </a:t>
             </a:r>
             <a:r>
-              <a:rPr lang="ko-KR" altLang="en-US" smtClean="0"/>
+              <a:rPr lang="ko-KR" altLang="en-US" dirty="0"/>
               <a:t>화면</a:t>
             </a:r>
-            <a:endParaRPr lang="en-US" altLang="ko-KR" smtClean="0"/>
-          </a:p>
-          <a:p>
-            <a:r>
-              <a:rPr lang="en-US" altLang="ko-KR" smtClean="0"/>
+            <a:endParaRPr lang="en-US" altLang="ko-KR" dirty="0"/>
+          </a:p>
+          <a:p>
+            <a:r>
+              <a:rPr lang="en-US" altLang="ko-KR" dirty="0"/>
               <a:t>Mongoose Web Server </a:t>
             </a:r>
             <a:r>
-              <a:rPr lang="ko-KR" altLang="en-US" smtClean="0"/>
+              <a:rPr lang="ko-KR" altLang="en-US" dirty="0"/>
               <a:t>설치하고 테스트 </a:t>
             </a:r>
-            <a:endParaRPr lang="en-US" altLang="ko-KR" smtClean="0"/>
+            <a:endParaRPr lang="en-US" altLang="ko-KR" dirty="0"/>
           </a:p>
           <a:p>
             <a:pPr lvl="1"/>
             <a:r>
-              <a:rPr lang="en-US" altLang="ko-KR" smtClean="0"/>
+              <a:rPr lang="en-US" altLang="ko-KR" dirty="0"/>
               <a:t>HOME Page </a:t>
             </a:r>
             <a:r>
-              <a:rPr lang="ko-KR" altLang="en-US" smtClean="0"/>
+              <a:rPr lang="ko-KR" altLang="en-US" dirty="0"/>
               <a:t>데이터 교환 화면 </a:t>
             </a:r>
             <a:r>
-              <a:rPr lang="en-US" altLang="ko-KR" smtClean="0"/>
+              <a:rPr lang="en-US" altLang="ko-KR" dirty="0"/>
               <a:t>Capture</a:t>
             </a:r>
           </a:p>
           <a:p>
             <a:pPr lvl="1"/>
-            <a:endParaRPr lang="en-US" altLang="ko-KR" smtClean="0"/>
+            <a:endParaRPr lang="en-US" altLang="ko-KR" dirty="0"/>
           </a:p>
         </p:txBody>
       </p:sp>
@@ -5538,14 +5522,13 @@
           <a:lstStyle/>
           <a:p>
             <a:r>
-              <a:rPr lang="en-US" altLang="ko-KR" smtClean="0"/>
+              <a:rPr lang="en-US" altLang="ko-KR"/>
               <a:t>2</a:t>
             </a:r>
             <a:r>
-              <a:rPr lang="ko-KR" altLang="en-US" smtClean="0"/>
+              <a:rPr lang="ko-KR" altLang="en-US"/>
               <a:t>주 과제 제출 내용</a:t>
             </a:r>
-            <a:endParaRPr lang="ko-KR" altLang="en-US"/>
           </a:p>
         </p:txBody>
       </p:sp>
@@ -5595,51 +5578,51 @@
           <a:lstStyle/>
           <a:p>
             <a:r>
-              <a:rPr lang="ko-KR" altLang="en-US" smtClean="0"/>
+              <a:rPr lang="ko-KR" altLang="en-US"/>
               <a:t>공유기 사용 환경 예 </a:t>
             </a:r>
             <a:r>
-              <a:rPr lang="en-US" altLang="ko-KR" smtClean="0"/>
+              <a:rPr lang="en-US" altLang="ko-KR"/>
               <a:t>1 – KT </a:t>
             </a:r>
             <a:r>
-              <a:rPr lang="ko-KR" altLang="en-US" smtClean="0"/>
+              <a:rPr lang="ko-KR" altLang="en-US"/>
               <a:t>인터넷 </a:t>
             </a:r>
             <a:r>
-              <a:rPr lang="en-US" altLang="ko-KR" smtClean="0"/>
+              <a:rPr lang="en-US" altLang="ko-KR"/>
               <a:t>1</a:t>
             </a:r>
             <a:r>
-              <a:rPr lang="ko-KR" altLang="en-US" smtClean="0"/>
+              <a:rPr lang="ko-KR" altLang="en-US"/>
               <a:t>회선만 사용</a:t>
             </a:r>
             <a:r>
-              <a:rPr lang="en-US" altLang="ko-KR" smtClean="0"/>
+              <a:rPr lang="en-US" altLang="ko-KR"/>
               <a:t>, IPTIME </a:t>
             </a:r>
             <a:r>
-              <a:rPr lang="ko-KR" altLang="en-US" smtClean="0"/>
+              <a:rPr lang="ko-KR" altLang="en-US"/>
               <a:t>공유기</a:t>
             </a:r>
-            <a:endParaRPr lang="en-US" altLang="ko-KR" smtClean="0"/>
+            <a:endParaRPr lang="en-US" altLang="ko-KR"/>
           </a:p>
           <a:p>
             <a:pPr lvl="1"/>
             <a:r>
-              <a:rPr lang="en-US" altLang="ko-KR" smtClean="0"/>
+              <a:rPr lang="en-US" altLang="ko-KR"/>
               <a:t>IPTIME </a:t>
             </a:r>
             <a:r>
-              <a:rPr lang="ko-KR" altLang="en-US" smtClean="0"/>
+              <a:rPr lang="ko-KR" altLang="en-US"/>
               <a:t>공유기로 모두 유</a:t>
             </a:r>
             <a:r>
-              <a:rPr lang="en-US" altLang="ko-KR" smtClean="0"/>
+              <a:rPr lang="en-US" altLang="ko-KR"/>
               <a:t>/</a:t>
             </a:r>
             <a:r>
-              <a:rPr lang="ko-KR" altLang="en-US" smtClean="0"/>
+              <a:rPr lang="ko-KR" altLang="en-US"/>
               <a:t>무선 연결 </a:t>
             </a:r>
             <a:endParaRPr lang="ko-KR" altLang="en-US" dirty="0"/>
@@ -5664,7 +5647,7 @@
           <a:lstStyle/>
           <a:p>
             <a:r>
-              <a:rPr lang="ko-KR" altLang="en-US" smtClean="0"/>
+              <a:rPr lang="ko-KR" altLang="en-US"/>
               <a:t>본인 집 환경 확인</a:t>
             </a:r>
             <a:endParaRPr lang="ko-KR" altLang="en-US" dirty="0"/>
@@ -5720,7 +5703,7 @@
             <a:p>
               <a:pPr algn="ctr"/>
               <a:r>
-                <a:rPr lang="en-US" altLang="ko-KR" smtClean="0">
+                <a:rPr lang="en-US" altLang="ko-KR">
                   <a:latin typeface="+mj-ea"/>
                   <a:ea typeface="+mj-ea"/>
                 </a:rPr>
@@ -5730,7 +5713,7 @@
             <a:p>
               <a:pPr algn="ctr"/>
               <a:r>
-                <a:rPr lang="en-US" altLang="ko-KR" smtClean="0">
+                <a:rPr lang="en-US" altLang="ko-KR">
                   <a:latin typeface="+mj-ea"/>
                   <a:ea typeface="+mj-ea"/>
                 </a:rPr>
@@ -5740,7 +5723,7 @@
             <a:p>
               <a:pPr algn="ctr"/>
               <a:r>
-                <a:rPr lang="en-US" altLang="ko-KR" smtClean="0">
+                <a:rPr lang="en-US" altLang="ko-KR">
                   <a:latin typeface="+mj-ea"/>
                   <a:ea typeface="+mj-ea"/>
                 </a:rPr>
@@ -5894,16 +5877,12 @@
             <a:lstStyle/>
             <a:p>
               <a:r>
-                <a:rPr lang="ko-KR" altLang="en-US" smtClean="0">
+                <a:rPr lang="ko-KR" altLang="en-US">
                   <a:latin typeface="+mj-ea"/>
                   <a:ea typeface="+mj-ea"/>
                 </a:rPr>
                 <a:t>거실</a:t>
               </a:r>
-              <a:endParaRPr lang="ko-KR" altLang="en-US">
-                <a:latin typeface="+mj-ea"/>
-                <a:ea typeface="+mj-ea"/>
-              </a:endParaRPr>
             </a:p>
           </p:txBody>
         </p:sp>
@@ -6067,21 +6046,21 @@
               <a:lstStyle/>
               <a:p>
                 <a:r>
-                  <a:rPr lang="en-US" altLang="ko-KR" smtClean="0">
+                  <a:rPr lang="en-US" altLang="ko-KR">
                     <a:latin typeface="+mj-ea"/>
                     <a:ea typeface="+mj-ea"/>
                   </a:rPr>
                   <a:t>IP </a:t>
                 </a:r>
                 <a:r>
-                  <a:rPr lang="ko-KR" altLang="en-US" smtClean="0">
+                  <a:rPr lang="ko-KR" altLang="en-US">
                     <a:latin typeface="+mj-ea"/>
                     <a:ea typeface="+mj-ea"/>
                   </a:rPr>
                   <a:t>주소 </a:t>
                 </a:r>
                 <a:r>
-                  <a:rPr lang="en-US" altLang="ko-KR" smtClean="0">
+                  <a:rPr lang="en-US" altLang="ko-KR">
                     <a:latin typeface="+mj-ea"/>
                     <a:ea typeface="+mj-ea"/>
                   </a:rPr>
@@ -6151,21 +6130,21 @@
             <a:lstStyle/>
             <a:p>
               <a:r>
-                <a:rPr lang="en-US" altLang="ko-KR" smtClean="0">
+                <a:rPr lang="en-US" altLang="ko-KR">
                   <a:latin typeface="+mj-ea"/>
                   <a:ea typeface="+mj-ea"/>
                 </a:rPr>
                 <a:t>IP </a:t>
               </a:r>
               <a:r>
-                <a:rPr lang="ko-KR" altLang="en-US" smtClean="0">
+                <a:rPr lang="ko-KR" altLang="en-US">
                   <a:latin typeface="+mj-ea"/>
                   <a:ea typeface="+mj-ea"/>
                 </a:rPr>
                 <a:t>주소 </a:t>
               </a:r>
               <a:r>
-                <a:rPr lang="en-US" altLang="ko-KR" smtClean="0">
+                <a:rPr lang="en-US" altLang="ko-KR">
                   <a:latin typeface="+mj-ea"/>
                   <a:ea typeface="+mj-ea"/>
                 </a:rPr>
@@ -6279,14 +6258,14 @@
             <a:lstStyle/>
             <a:p>
               <a:r>
-                <a:rPr lang="ko-KR" altLang="en-US" smtClean="0">
+                <a:rPr lang="ko-KR" altLang="en-US">
                   <a:latin typeface="+mj-ea"/>
                   <a:ea typeface="+mj-ea"/>
                 </a:rPr>
                 <a:t>공유기 </a:t>
               </a:r>
               <a:r>
-                <a:rPr lang="en-US" altLang="ko-KR" smtClean="0">
+                <a:rPr lang="en-US" altLang="ko-KR">
                   <a:latin typeface="+mj-ea"/>
                   <a:ea typeface="+mj-ea"/>
                 </a:rPr>
@@ -6611,16 +6590,12 @@
           <a:lstStyle/>
           <a:p>
             <a:r>
-              <a:rPr lang="ko-KR" altLang="en-US" smtClean="0"/>
+              <a:rPr lang="ko-KR" altLang="en-US"/>
               <a:t>공유기 사용 환경 예 </a:t>
             </a:r>
             <a:r>
-              <a:rPr lang="en-US" altLang="ko-KR" smtClean="0"/>
-              <a:t>2 </a:t>
-            </a:r>
-            <a:r>
               <a:rPr lang="en-US" altLang="ko-KR"/>
-              <a:t>– KT </a:t>
+              <a:t>2 – KT </a:t>
             </a:r>
             <a:r>
               <a:rPr lang="ko-KR" altLang="en-US"/>
@@ -6631,15 +6606,15 @@
               <a:t>, IPTV </a:t>
             </a:r>
             <a:r>
-              <a:rPr lang="ko-KR" altLang="en-US" smtClean="0"/>
+              <a:rPr lang="ko-KR" altLang="en-US"/>
               <a:t>사용</a:t>
             </a:r>
             <a:r>
-              <a:rPr lang="en-US" altLang="ko-KR" smtClean="0"/>
+              <a:rPr lang="en-US" altLang="ko-KR"/>
               <a:t>, IPTIME </a:t>
             </a:r>
             <a:r>
-              <a:rPr lang="ko-KR" altLang="en-US" smtClean="0"/>
+              <a:rPr lang="ko-KR" altLang="en-US"/>
               <a:t>공유기 사용</a:t>
             </a:r>
             <a:endParaRPr lang="en-US" altLang="ko-KR"/>
@@ -6647,19 +6622,19 @@
           <a:p>
             <a:pPr lvl="1"/>
             <a:r>
-              <a:rPr lang="en-US" altLang="ko-KR" smtClean="0"/>
+              <a:rPr lang="en-US" altLang="ko-KR"/>
               <a:t>IPTIME </a:t>
             </a:r>
             <a:r>
-              <a:rPr lang="ko-KR" altLang="en-US" smtClean="0"/>
+              <a:rPr lang="ko-KR" altLang="en-US"/>
               <a:t>공유기로 모두 유</a:t>
             </a:r>
             <a:r>
-              <a:rPr lang="en-US" altLang="ko-KR" smtClean="0"/>
+              <a:rPr lang="en-US" altLang="ko-KR"/>
               <a:t>/</a:t>
             </a:r>
             <a:r>
-              <a:rPr lang="ko-KR" altLang="en-US" smtClean="0"/>
+              <a:rPr lang="ko-KR" altLang="en-US"/>
               <a:t>무선 연결 </a:t>
             </a:r>
             <a:endParaRPr lang="ko-KR" altLang="en-US" dirty="0"/>
@@ -6740,7 +6715,7 @@
             <a:p>
               <a:pPr algn="ctr"/>
               <a:r>
-                <a:rPr lang="en-US" altLang="ko-KR" smtClean="0">
+                <a:rPr lang="en-US" altLang="ko-KR">
                   <a:latin typeface="+mj-ea"/>
                   <a:ea typeface="+mj-ea"/>
                 </a:rPr>
@@ -6750,7 +6725,7 @@
             <a:p>
               <a:pPr algn="ctr"/>
               <a:r>
-                <a:rPr lang="en-US" altLang="ko-KR" smtClean="0">
+                <a:rPr lang="en-US" altLang="ko-KR">
                   <a:latin typeface="+mj-ea"/>
                   <a:ea typeface="+mj-ea"/>
                 </a:rPr>
@@ -6760,7 +6735,7 @@
             <a:p>
               <a:pPr algn="ctr"/>
               <a:r>
-                <a:rPr lang="en-US" altLang="ko-KR" smtClean="0">
+                <a:rPr lang="en-US" altLang="ko-KR">
                   <a:latin typeface="+mj-ea"/>
                   <a:ea typeface="+mj-ea"/>
                 </a:rPr>
@@ -6778,9 +6753,7 @@
             <p:nvPr/>
           </p:nvPicPr>
           <p:blipFill>
-            <a:blip r:embed="rId2">
-              <a:extLst/>
-            </a:blip>
+            <a:blip r:embed="rId2"/>
             <a:stretch>
               <a:fillRect/>
             </a:stretch>
@@ -6997,23 +6970,19 @@
             <a:lstStyle/>
             <a:p>
               <a:r>
-                <a:rPr lang="en-US" altLang="ko-KR" smtClean="0">
+                <a:rPr lang="en-US" altLang="ko-KR">
                   <a:latin typeface="+mj-ea"/>
                   <a:ea typeface="+mj-ea"/>
                 </a:rPr>
                 <a:t>KT </a:t>
               </a:r>
               <a:r>
-                <a:rPr lang="ko-KR" altLang="en-US" smtClean="0">
+                <a:rPr lang="ko-KR" altLang="en-US">
                   <a:latin typeface="+mj-ea"/>
                   <a:ea typeface="+mj-ea"/>
                 </a:rPr>
                 <a:t>설치허브</a:t>
               </a:r>
-              <a:endParaRPr lang="ko-KR" altLang="en-US">
-                <a:latin typeface="+mj-ea"/>
-                <a:ea typeface="+mj-ea"/>
-              </a:endParaRPr>
             </a:p>
           </p:txBody>
         </p:sp>
@@ -7072,16 +7041,12 @@
             <a:lstStyle/>
             <a:p>
               <a:r>
-                <a:rPr lang="ko-KR" altLang="en-US" smtClean="0">
+                <a:rPr lang="ko-KR" altLang="en-US">
                   <a:latin typeface="+mj-ea"/>
                   <a:ea typeface="+mj-ea"/>
                 </a:rPr>
                 <a:t>거실</a:t>
               </a:r>
-              <a:endParaRPr lang="ko-KR" altLang="en-US">
-                <a:latin typeface="+mj-ea"/>
-                <a:ea typeface="+mj-ea"/>
-              </a:endParaRPr>
             </a:p>
           </p:txBody>
         </p:sp>
@@ -7245,21 +7210,21 @@
               <a:lstStyle/>
               <a:p>
                 <a:r>
-                  <a:rPr lang="en-US" altLang="ko-KR" smtClean="0">
+                  <a:rPr lang="en-US" altLang="ko-KR">
                     <a:latin typeface="+mj-ea"/>
                     <a:ea typeface="+mj-ea"/>
                   </a:rPr>
                   <a:t>IP </a:t>
                 </a:r>
                 <a:r>
-                  <a:rPr lang="ko-KR" altLang="en-US" smtClean="0">
+                  <a:rPr lang="ko-KR" altLang="en-US">
                     <a:latin typeface="+mj-ea"/>
                     <a:ea typeface="+mj-ea"/>
                   </a:rPr>
                   <a:t>주소 </a:t>
                 </a:r>
                 <a:r>
-                  <a:rPr lang="en-US" altLang="ko-KR" smtClean="0">
+                  <a:rPr lang="en-US" altLang="ko-KR">
                     <a:latin typeface="+mj-ea"/>
                     <a:ea typeface="+mj-ea"/>
                   </a:rPr>
@@ -7331,13 +7296,13 @@
             <a:lstStyle/>
             <a:p>
               <a:r>
-                <a:rPr lang="en-US" altLang="ko-KR" sz="1400" smtClean="0">
+                <a:rPr lang="en-US" altLang="ko-KR" sz="1400">
                   <a:latin typeface="+mn-ea"/>
                   <a:ea typeface="+mn-ea"/>
                 </a:rPr>
                 <a:t>IPTV</a:t>
               </a:r>
-              <a:endParaRPr lang="ko-KR" altLang="en-US" sz="1400" smtClean="0">
+              <a:endParaRPr lang="ko-KR" altLang="en-US" sz="1400">
                 <a:latin typeface="+mn-ea"/>
                 <a:ea typeface="+mn-ea"/>
               </a:endParaRPr>
@@ -7504,21 +7469,21 @@
             <a:lstStyle/>
             <a:p>
               <a:r>
-                <a:rPr lang="en-US" altLang="ko-KR" smtClean="0">
+                <a:rPr lang="en-US" altLang="ko-KR">
                   <a:latin typeface="+mj-ea"/>
                   <a:ea typeface="+mj-ea"/>
                 </a:rPr>
                 <a:t>IP </a:t>
               </a:r>
               <a:r>
-                <a:rPr lang="ko-KR" altLang="en-US" smtClean="0">
+                <a:rPr lang="ko-KR" altLang="en-US">
                   <a:latin typeface="+mj-ea"/>
                   <a:ea typeface="+mj-ea"/>
                 </a:rPr>
                 <a:t>주소 </a:t>
               </a:r>
               <a:r>
-                <a:rPr lang="en-US" altLang="ko-KR" smtClean="0">
+                <a:rPr lang="en-US" altLang="ko-KR">
                   <a:latin typeface="+mj-ea"/>
                   <a:ea typeface="+mj-ea"/>
                 </a:rPr>
@@ -7632,14 +7597,14 @@
             <a:lstStyle/>
             <a:p>
               <a:r>
-                <a:rPr lang="ko-KR" altLang="en-US" smtClean="0">
+                <a:rPr lang="ko-KR" altLang="en-US">
                   <a:latin typeface="+mj-ea"/>
                   <a:ea typeface="+mj-ea"/>
                 </a:rPr>
                 <a:t>공유기 </a:t>
               </a:r>
               <a:r>
-                <a:rPr lang="en-US" altLang="ko-KR" smtClean="0">
+                <a:rPr lang="en-US" altLang="ko-KR">
                   <a:latin typeface="+mj-ea"/>
                   <a:ea typeface="+mj-ea"/>
                 </a:rPr>
@@ -7709,13 +7674,13 @@
           <a:lstStyle/>
           <a:p>
             <a:r>
-              <a:rPr lang="en-US" altLang="ko-KR" sz="1400" smtClean="0">
+              <a:rPr lang="en-US" altLang="ko-KR" sz="1400">
                 <a:latin typeface="+mn-ea"/>
                 <a:ea typeface="+mn-ea"/>
               </a:rPr>
               <a:t>IP=14.38.xxx.xxx</a:t>
             </a:r>
-            <a:endParaRPr lang="ko-KR" altLang="en-US" sz="1400" smtClean="0">
+            <a:endParaRPr lang="ko-KR" altLang="en-US" sz="1400">
               <a:latin typeface="+mn-ea"/>
               <a:ea typeface="+mn-ea"/>
             </a:endParaRPr>
@@ -7967,12 +7932,8 @@
               <a:t>공유기 사용 환경 예 </a:t>
             </a:r>
             <a:r>
-              <a:rPr lang="en-US" altLang="ko-KR" smtClean="0"/>
-              <a:t>3 </a:t>
-            </a:r>
-            <a:r>
               <a:rPr lang="en-US" altLang="ko-KR"/>
-              <a:t>– KT </a:t>
+              <a:t>3 – KT </a:t>
             </a:r>
             <a:r>
               <a:rPr lang="ko-KR" altLang="en-US"/>
@@ -7999,7 +7960,7 @@
           <a:p>
             <a:pPr lvl="1"/>
             <a:r>
-              <a:rPr lang="en-US" altLang="ko-KR" smtClean="0">
+              <a:rPr lang="en-US" altLang="ko-KR">
                 <a:solidFill>
                   <a:srgbClr val="FF3300"/>
                 </a:solidFill>
@@ -8007,7 +7968,7 @@
               <a:t>PC</a:t>
             </a:r>
             <a:r>
-              <a:rPr lang="ko-KR" altLang="en-US" smtClean="0">
+              <a:rPr lang="ko-KR" altLang="en-US">
                 <a:solidFill>
                   <a:srgbClr val="FF3300"/>
                 </a:solidFill>
@@ -8015,7 +7976,7 @@
               <a:t>는 유선 </a:t>
             </a:r>
             <a:r>
-              <a:rPr lang="en-US" altLang="ko-KR" smtClean="0">
+              <a:rPr lang="en-US" altLang="ko-KR">
                 <a:solidFill>
                   <a:srgbClr val="FF3300"/>
                 </a:solidFill>
@@ -8023,7 +7984,7 @@
               <a:t>KT </a:t>
             </a:r>
             <a:r>
-              <a:rPr lang="ko-KR" altLang="en-US" smtClean="0">
+              <a:rPr lang="ko-KR" altLang="en-US">
                 <a:solidFill>
                   <a:srgbClr val="FF3300"/>
                 </a:solidFill>
@@ -8031,35 +7992,35 @@
               <a:t>연결</a:t>
             </a:r>
             <a:r>
-              <a:rPr lang="en-US" altLang="ko-KR" smtClean="0"/>
+              <a:rPr lang="en-US" altLang="ko-KR"/>
               <a:t>, IPTIME </a:t>
             </a:r>
             <a:r>
-              <a:rPr lang="ko-KR" altLang="en-US" smtClean="0"/>
+              <a:rPr lang="ko-KR" altLang="en-US"/>
               <a:t>공유기에 유</a:t>
             </a:r>
             <a:r>
-              <a:rPr lang="en-US" altLang="ko-KR" smtClean="0"/>
+              <a:rPr lang="en-US" altLang="ko-KR"/>
               <a:t>/</a:t>
             </a:r>
             <a:r>
-              <a:rPr lang="ko-KR" altLang="en-US" smtClean="0"/>
+              <a:rPr lang="ko-KR" altLang="en-US"/>
               <a:t>무선으로 </a:t>
             </a:r>
             <a:r>
-              <a:rPr lang="en-US" altLang="ko-KR" smtClean="0"/>
+              <a:rPr lang="en-US" altLang="ko-KR"/>
               <a:t>PC, </a:t>
             </a:r>
             <a:r>
-              <a:rPr lang="ko-KR" altLang="en-US" smtClean="0"/>
+              <a:rPr lang="ko-KR" altLang="en-US"/>
               <a:t>노트북</a:t>
             </a:r>
             <a:r>
-              <a:rPr lang="en-US" altLang="ko-KR" smtClean="0"/>
+              <a:rPr lang="en-US" altLang="ko-KR"/>
               <a:t>, </a:t>
             </a:r>
             <a:r>
-              <a:rPr lang="ko-KR" altLang="en-US" smtClean="0"/>
+              <a:rPr lang="ko-KR" altLang="en-US"/>
               <a:t>스마트폰</a:t>
             </a:r>
             <a:endParaRPr lang="ko-KR" altLang="en-US" dirty="0"/>
@@ -8140,7 +8101,7 @@
             <a:p>
               <a:pPr algn="ctr"/>
               <a:r>
-                <a:rPr lang="en-US" altLang="ko-KR" smtClean="0">
+                <a:rPr lang="en-US" altLang="ko-KR">
                   <a:latin typeface="+mj-ea"/>
                   <a:ea typeface="+mj-ea"/>
                 </a:rPr>
@@ -8150,7 +8111,7 @@
             <a:p>
               <a:pPr algn="ctr"/>
               <a:r>
-                <a:rPr lang="en-US" altLang="ko-KR" smtClean="0">
+                <a:rPr lang="en-US" altLang="ko-KR">
                   <a:latin typeface="+mj-ea"/>
                   <a:ea typeface="+mj-ea"/>
                 </a:rPr>
@@ -8160,7 +8121,7 @@
             <a:p>
               <a:pPr algn="ctr"/>
               <a:r>
-                <a:rPr lang="en-US" altLang="ko-KR" smtClean="0">
+                <a:rPr lang="en-US" altLang="ko-KR">
                   <a:latin typeface="+mj-ea"/>
                   <a:ea typeface="+mj-ea"/>
                 </a:rPr>
@@ -8178,9 +8139,7 @@
             <p:nvPr/>
           </p:nvPicPr>
           <p:blipFill>
-            <a:blip r:embed="rId2">
-              <a:extLst/>
-            </a:blip>
+            <a:blip r:embed="rId2"/>
             <a:stretch>
               <a:fillRect/>
             </a:stretch>
@@ -8397,23 +8356,19 @@
             <a:lstStyle/>
             <a:p>
               <a:r>
-                <a:rPr lang="en-US" altLang="ko-KR" smtClean="0">
+                <a:rPr lang="en-US" altLang="ko-KR">
                   <a:latin typeface="+mj-ea"/>
                   <a:ea typeface="+mj-ea"/>
                 </a:rPr>
                 <a:t>KT </a:t>
               </a:r>
               <a:r>
-                <a:rPr lang="ko-KR" altLang="en-US" smtClean="0">
+                <a:rPr lang="ko-KR" altLang="en-US">
                   <a:latin typeface="+mj-ea"/>
                   <a:ea typeface="+mj-ea"/>
                 </a:rPr>
                 <a:t>설치허브</a:t>
               </a:r>
-              <a:endParaRPr lang="ko-KR" altLang="en-US">
-                <a:latin typeface="+mj-ea"/>
-                <a:ea typeface="+mj-ea"/>
-              </a:endParaRPr>
             </a:p>
           </p:txBody>
         </p:sp>
@@ -8472,16 +8427,12 @@
             <a:lstStyle/>
             <a:p>
               <a:r>
-                <a:rPr lang="ko-KR" altLang="en-US" smtClean="0">
+                <a:rPr lang="ko-KR" altLang="en-US">
                   <a:latin typeface="+mj-ea"/>
                   <a:ea typeface="+mj-ea"/>
                 </a:rPr>
                 <a:t>거실</a:t>
               </a:r>
-              <a:endParaRPr lang="ko-KR" altLang="en-US">
-                <a:latin typeface="+mj-ea"/>
-                <a:ea typeface="+mj-ea"/>
-              </a:endParaRPr>
             </a:p>
           </p:txBody>
         </p:sp>
@@ -8621,21 +8572,21 @@
               <a:lstStyle/>
               <a:p>
                 <a:r>
-                  <a:rPr lang="en-US" altLang="ko-KR" smtClean="0">
+                  <a:rPr lang="en-US" altLang="ko-KR">
                     <a:latin typeface="+mj-ea"/>
                     <a:ea typeface="+mj-ea"/>
                   </a:rPr>
                   <a:t>IP </a:t>
                 </a:r>
                 <a:r>
-                  <a:rPr lang="ko-KR" altLang="en-US" smtClean="0">
+                  <a:rPr lang="ko-KR" altLang="en-US">
                     <a:latin typeface="+mj-ea"/>
                     <a:ea typeface="+mj-ea"/>
                   </a:rPr>
                   <a:t>주소 </a:t>
                 </a:r>
                 <a:r>
-                  <a:rPr lang="en-US" altLang="ko-KR" smtClean="0">
+                  <a:rPr lang="en-US" altLang="ko-KR">
                     <a:latin typeface="+mj-ea"/>
                     <a:ea typeface="+mj-ea"/>
                   </a:rPr>
@@ -8674,13 +8625,13 @@
             <a:lstStyle/>
             <a:p>
               <a:r>
-                <a:rPr lang="en-US" altLang="ko-KR" sz="1400" smtClean="0">
+                <a:rPr lang="en-US" altLang="ko-KR" sz="1400">
                   <a:latin typeface="+mn-ea"/>
                   <a:ea typeface="+mn-ea"/>
                 </a:rPr>
                 <a:t>IPTV</a:t>
               </a:r>
-              <a:endParaRPr lang="ko-KR" altLang="en-US" sz="1400" smtClean="0">
+              <a:endParaRPr lang="ko-KR" altLang="en-US" sz="1400">
                 <a:latin typeface="+mn-ea"/>
                 <a:ea typeface="+mn-ea"/>
               </a:endParaRPr>
@@ -8847,21 +8798,21 @@
             <a:lstStyle/>
             <a:p>
               <a:r>
-                <a:rPr lang="en-US" altLang="ko-KR" smtClean="0">
+                <a:rPr lang="en-US" altLang="ko-KR">
                   <a:latin typeface="+mj-ea"/>
                   <a:ea typeface="+mj-ea"/>
                 </a:rPr>
                 <a:t>IP </a:t>
               </a:r>
               <a:r>
-                <a:rPr lang="ko-KR" altLang="en-US" smtClean="0">
+                <a:rPr lang="ko-KR" altLang="en-US">
                   <a:latin typeface="+mj-ea"/>
                   <a:ea typeface="+mj-ea"/>
                 </a:rPr>
                 <a:t>주소 </a:t>
               </a:r>
               <a:r>
-                <a:rPr lang="en-US" altLang="ko-KR" smtClean="0">
+                <a:rPr lang="en-US" altLang="ko-KR">
                   <a:latin typeface="+mj-ea"/>
                   <a:ea typeface="+mj-ea"/>
                 </a:rPr>
@@ -9040,13 +8991,13 @@
           <a:lstStyle/>
           <a:p>
             <a:r>
-              <a:rPr lang="en-US" altLang="ko-KR" sz="1400" smtClean="0">
+              <a:rPr lang="en-US" altLang="ko-KR" sz="1400">
                 <a:latin typeface="+mn-ea"/>
                 <a:ea typeface="+mn-ea"/>
               </a:rPr>
               <a:t>IP=14.38.xxx.xxx</a:t>
             </a:r>
-            <a:endParaRPr lang="ko-KR" altLang="en-US" sz="1400" smtClean="0">
+            <a:endParaRPr lang="ko-KR" altLang="en-US" sz="1400">
               <a:latin typeface="+mn-ea"/>
               <a:ea typeface="+mn-ea"/>
             </a:endParaRPr>
@@ -9271,14 +9222,14 @@
           <a:lstStyle/>
           <a:p>
             <a:r>
-              <a:rPr lang="ko-KR" altLang="en-US" smtClean="0">
+              <a:rPr lang="ko-KR" altLang="en-US">
                 <a:latin typeface="+mj-ea"/>
                 <a:ea typeface="+mj-ea"/>
               </a:rPr>
               <a:t>공유기 </a:t>
             </a:r>
             <a:r>
-              <a:rPr lang="en-US" altLang="ko-KR" smtClean="0">
+              <a:rPr lang="en-US" altLang="ko-KR">
                 <a:latin typeface="+mj-ea"/>
                 <a:ea typeface="+mj-ea"/>
               </a:rPr>
@@ -9366,12 +9317,8 @@
               <a:t>공유기 사용 환경 예 </a:t>
             </a:r>
             <a:r>
-              <a:rPr lang="en-US" altLang="ko-KR" smtClean="0"/>
-              <a:t>4 </a:t>
-            </a:r>
-            <a:r>
               <a:rPr lang="en-US" altLang="ko-KR"/>
-              <a:t>– KT </a:t>
+              <a:t>4 – KT </a:t>
             </a:r>
             <a:r>
               <a:rPr lang="ko-KR" altLang="en-US"/>
@@ -9387,11 +9334,7 @@
             </a:r>
             <a:r>
               <a:rPr lang="en-US" altLang="ko-KR"/>
-              <a:t>, </a:t>
-            </a:r>
-            <a:r>
-              <a:rPr lang="en-US" altLang="ko-KR" smtClean="0"/>
-              <a:t>KT </a:t>
+              <a:t>, KT </a:t>
             </a:r>
             <a:r>
               <a:rPr lang="ko-KR" altLang="en-US"/>
@@ -9402,7 +9345,7 @@
           <a:p>
             <a:pPr lvl="1"/>
             <a:r>
-              <a:rPr lang="en-US" altLang="ko-KR" smtClean="0">
+              <a:rPr lang="en-US" altLang="ko-KR">
                 <a:solidFill>
                   <a:srgbClr val="FF3300"/>
                 </a:solidFill>
@@ -9410,7 +9353,7 @@
               <a:t>KT </a:t>
             </a:r>
             <a:r>
-              <a:rPr lang="ko-KR" altLang="en-US" smtClean="0">
+              <a:rPr lang="ko-KR" altLang="en-US">
                 <a:solidFill>
                   <a:srgbClr val="FF3300"/>
                 </a:solidFill>
@@ -9418,27 +9361,27 @@
               <a:t>공유기</a:t>
             </a:r>
             <a:r>
-              <a:rPr lang="ko-KR" altLang="en-US" smtClean="0"/>
+              <a:rPr lang="ko-KR" altLang="en-US"/>
               <a:t>에 </a:t>
             </a:r>
             <a:r>
-              <a:rPr lang="en-US" altLang="ko-KR" smtClean="0"/>
+              <a:rPr lang="en-US" altLang="ko-KR"/>
               <a:t>PC</a:t>
             </a:r>
             <a:r>
-              <a:rPr lang="ko-KR" altLang="en-US" smtClean="0"/>
+              <a:rPr lang="ko-KR" altLang="en-US"/>
               <a:t>는 유</a:t>
             </a:r>
             <a:r>
-              <a:rPr lang="en-US" altLang="ko-KR" smtClean="0"/>
+              <a:rPr lang="en-US" altLang="ko-KR"/>
               <a:t>/</a:t>
             </a:r>
             <a:r>
-              <a:rPr lang="ko-KR" altLang="en-US" smtClean="0"/>
+              <a:rPr lang="ko-KR" altLang="en-US"/>
               <a:t>무선 연결</a:t>
             </a:r>
             <a:r>
-              <a:rPr lang="en-US" altLang="ko-KR" smtClean="0"/>
+              <a:rPr lang="en-US" altLang="ko-KR"/>
               <a:t>, </a:t>
             </a:r>
             <a:r>
@@ -9451,15 +9394,7 @@
             </a:r>
             <a:r>
               <a:rPr lang="ko-KR" altLang="en-US"/>
-              <a:t>스마트폰은 </a:t>
-            </a:r>
-            <a:r>
-              <a:rPr lang="ko-KR" altLang="en-US" smtClean="0"/>
-              <a:t>무선 </a:t>
-            </a:r>
-            <a:r>
-              <a:rPr lang="ko-KR" altLang="en-US"/>
-              <a:t>연결</a:t>
+              <a:t>스마트폰은 무선 연결</a:t>
             </a:r>
             <a:endParaRPr lang="ko-KR" altLang="en-US" dirty="0"/>
           </a:p>
@@ -9483,7 +9418,7 @@
           <a:lstStyle/>
           <a:p>
             <a:r>
-              <a:rPr lang="en-US" altLang="ko-KR" smtClean="0"/>
+              <a:rPr lang="en-US" altLang="ko-KR"/>
               <a:t>TCP/IP </a:t>
             </a:r>
             <a:r>
@@ -9491,10 +9426,9 @@
               <a:t>본인 집 환경 확인 </a:t>
             </a:r>
             <a:r>
-              <a:rPr lang="ko-KR" altLang="en-US" dirty="0" smtClean="0"/>
+              <a:rPr lang="ko-KR" altLang="en-US" dirty="0"/>
               <a:t>이해</a:t>
             </a:r>
-            <a:endParaRPr lang="ko-KR" altLang="en-US" dirty="0"/>
           </a:p>
         </p:txBody>
       </p:sp>
@@ -9547,7 +9481,7 @@
             <a:p>
               <a:pPr algn="ctr"/>
               <a:r>
-                <a:rPr lang="en-US" altLang="ko-KR" smtClean="0">
+                <a:rPr lang="en-US" altLang="ko-KR">
                   <a:latin typeface="+mj-ea"/>
                   <a:ea typeface="+mj-ea"/>
                 </a:rPr>
@@ -9557,7 +9491,7 @@
             <a:p>
               <a:pPr algn="ctr"/>
               <a:r>
-                <a:rPr lang="en-US" altLang="ko-KR" smtClean="0">
+                <a:rPr lang="en-US" altLang="ko-KR">
                   <a:latin typeface="+mj-ea"/>
                   <a:ea typeface="+mj-ea"/>
                 </a:rPr>
@@ -9567,7 +9501,7 @@
             <a:p>
               <a:pPr algn="ctr"/>
               <a:r>
-                <a:rPr lang="en-US" altLang="ko-KR" smtClean="0">
+                <a:rPr lang="en-US" altLang="ko-KR">
                   <a:latin typeface="+mj-ea"/>
                   <a:ea typeface="+mj-ea"/>
                 </a:rPr>
@@ -9585,9 +9519,7 @@
             <p:nvPr/>
           </p:nvPicPr>
           <p:blipFill>
-            <a:blip r:embed="rId3">
-              <a:extLst/>
-            </a:blip>
+            <a:blip r:embed="rId3"/>
             <a:stretch>
               <a:fillRect/>
             </a:stretch>
@@ -9780,23 +9712,19 @@
             <a:lstStyle/>
             <a:p>
               <a:r>
-                <a:rPr lang="en-US" altLang="ko-KR" smtClean="0">
+                <a:rPr lang="en-US" altLang="ko-KR">
                   <a:latin typeface="+mj-ea"/>
                   <a:ea typeface="+mj-ea"/>
                 </a:rPr>
                 <a:t>KT </a:t>
               </a:r>
               <a:r>
-                <a:rPr lang="ko-KR" altLang="en-US" smtClean="0">
+                <a:rPr lang="ko-KR" altLang="en-US">
                   <a:latin typeface="+mj-ea"/>
                   <a:ea typeface="+mj-ea"/>
                 </a:rPr>
                 <a:t>설치허브</a:t>
               </a:r>
-              <a:endParaRPr lang="ko-KR" altLang="en-US">
-                <a:latin typeface="+mj-ea"/>
-                <a:ea typeface="+mj-ea"/>
-              </a:endParaRPr>
             </a:p>
           </p:txBody>
         </p:sp>
@@ -9855,16 +9783,12 @@
             <a:lstStyle/>
             <a:p>
               <a:r>
-                <a:rPr lang="ko-KR" altLang="en-US" smtClean="0">
+                <a:rPr lang="ko-KR" altLang="en-US">
                   <a:latin typeface="+mj-ea"/>
                   <a:ea typeface="+mj-ea"/>
                 </a:rPr>
                 <a:t>거실</a:t>
               </a:r>
-              <a:endParaRPr lang="ko-KR" altLang="en-US">
-                <a:latin typeface="+mj-ea"/>
-                <a:ea typeface="+mj-ea"/>
-              </a:endParaRPr>
             </a:p>
           </p:txBody>
         </p:sp>
@@ -10004,21 +9928,21 @@
               <a:lstStyle/>
               <a:p>
                 <a:r>
-                  <a:rPr lang="en-US" altLang="ko-KR" smtClean="0">
+                  <a:rPr lang="en-US" altLang="ko-KR">
                     <a:latin typeface="+mj-ea"/>
                     <a:ea typeface="+mj-ea"/>
                   </a:rPr>
                   <a:t>IP </a:t>
                 </a:r>
                 <a:r>
-                  <a:rPr lang="ko-KR" altLang="en-US" smtClean="0">
+                  <a:rPr lang="ko-KR" altLang="en-US">
                     <a:latin typeface="+mj-ea"/>
                     <a:ea typeface="+mj-ea"/>
                   </a:rPr>
                   <a:t>주소 </a:t>
                 </a:r>
                 <a:r>
-                  <a:rPr lang="en-US" altLang="ko-KR" smtClean="0">
+                  <a:rPr lang="en-US" altLang="ko-KR">
                     <a:latin typeface="+mj-ea"/>
                     <a:ea typeface="+mj-ea"/>
                   </a:rPr>
@@ -10054,7 +9978,7 @@
               <a:lstStyle/>
               <a:p>
                 <a:r>
-                  <a:rPr lang="en-US" altLang="ko-KR" sz="1400" smtClean="0">
+                  <a:rPr lang="en-US" altLang="ko-KR" sz="1400">
                     <a:latin typeface="+mj-ea"/>
                     <a:ea typeface="+mj-ea"/>
                   </a:rPr>
@@ -10093,13 +10017,13 @@
             <a:lstStyle/>
             <a:p>
               <a:r>
-                <a:rPr lang="en-US" altLang="ko-KR" sz="1400" smtClean="0">
+                <a:rPr lang="en-US" altLang="ko-KR" sz="1400">
                   <a:latin typeface="+mn-ea"/>
                   <a:ea typeface="+mn-ea"/>
                 </a:rPr>
                 <a:t>IPTV</a:t>
               </a:r>
-              <a:endParaRPr lang="ko-KR" altLang="en-US" sz="1400" smtClean="0">
+              <a:endParaRPr lang="ko-KR" altLang="en-US" sz="1400">
                 <a:latin typeface="+mn-ea"/>
                 <a:ea typeface="+mn-ea"/>
               </a:endParaRPr>
@@ -10266,21 +10190,21 @@
             <a:lstStyle/>
             <a:p>
               <a:r>
-                <a:rPr lang="en-US" altLang="ko-KR" smtClean="0">
+                <a:rPr lang="en-US" altLang="ko-KR">
                   <a:latin typeface="+mj-ea"/>
                   <a:ea typeface="+mj-ea"/>
                 </a:rPr>
                 <a:t>IP </a:t>
               </a:r>
               <a:r>
-                <a:rPr lang="ko-KR" altLang="en-US" smtClean="0">
+                <a:rPr lang="ko-KR" altLang="en-US">
                   <a:latin typeface="+mj-ea"/>
                   <a:ea typeface="+mj-ea"/>
                 </a:rPr>
                 <a:t>주소 </a:t>
               </a:r>
               <a:r>
-                <a:rPr lang="en-US" altLang="ko-KR" smtClean="0">
+                <a:rPr lang="en-US" altLang="ko-KR">
                   <a:latin typeface="+mj-ea"/>
                   <a:ea typeface="+mj-ea"/>
                 </a:rPr>
@@ -10428,13 +10352,13 @@
           <a:lstStyle/>
           <a:p>
             <a:r>
-              <a:rPr lang="en-US" altLang="ko-KR" sz="1400" smtClean="0">
+              <a:rPr lang="en-US" altLang="ko-KR" sz="1400">
                 <a:latin typeface="+mn-ea"/>
                 <a:ea typeface="+mn-ea"/>
               </a:rPr>
               <a:t>IP=14.38.xxx.xxx</a:t>
             </a:r>
-            <a:endParaRPr lang="ko-KR" altLang="en-US" sz="1400" smtClean="0">
+            <a:endParaRPr lang="ko-KR" altLang="en-US" sz="1400">
               <a:latin typeface="+mn-ea"/>
               <a:ea typeface="+mn-ea"/>
             </a:endParaRPr>
@@ -10659,28 +10583,28 @@
           <a:lstStyle/>
           <a:p>
             <a:r>
-              <a:rPr lang="en-US" altLang="ko-KR" smtClean="0">
+              <a:rPr lang="en-US" altLang="ko-KR">
                 <a:latin typeface="+mj-ea"/>
                 <a:ea typeface="+mj-ea"/>
               </a:rPr>
               <a:t>KT </a:t>
             </a:r>
             <a:r>
-              <a:rPr lang="ko-KR" altLang="en-US" smtClean="0">
+              <a:rPr lang="ko-KR" altLang="en-US">
                 <a:latin typeface="+mj-ea"/>
                 <a:ea typeface="+mj-ea"/>
               </a:rPr>
               <a:t>공유기 </a:t>
             </a:r>
             <a:r>
-              <a:rPr lang="en-US" altLang="ko-KR" smtClean="0">
+              <a:rPr lang="en-US" altLang="ko-KR">
                 <a:latin typeface="+mj-ea"/>
                 <a:ea typeface="+mj-ea"/>
               </a:rPr>
               <a:t>(</a:t>
             </a:r>
             <a:r>
-              <a:rPr lang="en-US" altLang="ko-KR" smtClean="0">
+              <a:rPr lang="en-US" altLang="ko-KR">
                 <a:solidFill>
                   <a:srgbClr val="FF3300"/>
                 </a:solidFill>
@@ -10690,7 +10614,7 @@
               <a:t>172.30.1.254</a:t>
             </a:r>
             <a:r>
-              <a:rPr lang="en-US" altLang="ko-KR" smtClean="0">
+              <a:rPr lang="en-US" altLang="ko-KR">
                 <a:latin typeface="+mj-ea"/>
                 <a:ea typeface="+mj-ea"/>
               </a:rPr>
@@ -10968,11 +10892,11 @@
           <a:lstStyle/>
           <a:p>
             <a:r>
-              <a:rPr lang="en-US" altLang="ko-KR" smtClean="0"/>
+              <a:rPr lang="en-US" altLang="ko-KR"/>
               <a:t>1 ~ 4 </a:t>
             </a:r>
             <a:r>
-              <a:rPr lang="ko-KR" altLang="en-US" smtClean="0"/>
+              <a:rPr lang="ko-KR" altLang="en-US"/>
               <a:t>경우가 아니라면 직접 작성할 것</a:t>
             </a:r>
             <a:endParaRPr lang="en-US" altLang="ko-KR" dirty="0"/>
@@ -11259,7 +11183,7 @@
               <a:lstStyle/>
               <a:p>
                 <a:r>
-                  <a:rPr lang="en-US" altLang="ko-KR" smtClean="0">
+                  <a:rPr lang="en-US" altLang="ko-KR">
                     <a:solidFill>
                       <a:srgbClr val="FF0000"/>
                     </a:solidFill>
@@ -11269,7 +11193,7 @@
                   <a:t>ISP </a:t>
                 </a:r>
                 <a:r>
-                  <a:rPr lang="ko-KR" altLang="en-US" smtClean="0">
+                  <a:rPr lang="ko-KR" altLang="en-US">
                     <a:solidFill>
                       <a:srgbClr val="FF0000"/>
                     </a:solidFill>
@@ -11278,13 +11202,6 @@
                   </a:rPr>
                   <a:t>회사명</a:t>
                 </a:r>
-                <a:endParaRPr lang="ko-KR" altLang="en-US">
-                  <a:solidFill>
-                    <a:srgbClr val="FF0000"/>
-                  </a:solidFill>
-                  <a:latin typeface="+mj-ea"/>
-                  <a:ea typeface="+mj-ea"/>
-                </a:endParaRPr>
               </a:p>
             </p:txBody>
           </p:sp>
@@ -11741,27 +11658,27 @@
           <a:lstStyle/>
           <a:p>
             <a:r>
-              <a:rPr lang="en-US" altLang="ko-KR" sz="1400" smtClean="0">
+              <a:rPr lang="en-US" altLang="ko-KR" sz="1400">
                 <a:latin typeface="+mn-ea"/>
                 <a:ea typeface="+mn-ea"/>
                 <a:hlinkClick r:id="rId15"/>
               </a:rPr>
               <a:t>www.hansung.ac.kr</a:t>
             </a:r>
-            <a:endParaRPr lang="en-US" altLang="ko-KR" sz="1400" smtClean="0">
+            <a:endParaRPr lang="en-US" altLang="ko-KR" sz="1400">
               <a:latin typeface="+mn-ea"/>
               <a:ea typeface="+mn-ea"/>
             </a:endParaRPr>
           </a:p>
           <a:p>
             <a:r>
-              <a:rPr lang="en-US" altLang="ko-KR" sz="1400" smtClean="0">
+              <a:rPr lang="en-US" altLang="ko-KR" sz="1400">
                 <a:latin typeface="+mn-ea"/>
                 <a:ea typeface="+mn-ea"/>
               </a:rPr>
               <a:t>220.66.102.11</a:t>
             </a:r>
-            <a:endParaRPr lang="ko-KR" altLang="en-US" sz="1400" smtClean="0">
+            <a:endParaRPr lang="ko-KR" altLang="en-US" sz="1400">
               <a:latin typeface="+mn-ea"/>
               <a:ea typeface="+mn-ea"/>
             </a:endParaRPr>
@@ -11791,7 +11708,7 @@
           <a:lstStyle/>
           <a:p>
             <a:r>
-              <a:rPr lang="en-US" altLang="ko-KR" sz="1400" smtClean="0">
+              <a:rPr lang="en-US" altLang="ko-KR" sz="1400">
                 <a:solidFill>
                   <a:srgbClr val="FF0000"/>
                 </a:solidFill>
@@ -11800,7 +11717,7 @@
               </a:rPr>
               <a:t>IP = ???</a:t>
             </a:r>
-            <a:endParaRPr lang="ko-KR" altLang="en-US" sz="1400" smtClean="0">
+            <a:endParaRPr lang="ko-KR" altLang="en-US" sz="1400">
               <a:solidFill>
                 <a:srgbClr val="FF0000"/>
               </a:solidFill>
@@ -11869,20 +11786,20 @@
           <a:lstStyle/>
           <a:p>
             <a:r>
-              <a:rPr lang="en-US" altLang="ko-KR" sz="1400" smtClean="0">
+              <a:rPr lang="en-US" altLang="ko-KR" sz="1400">
                 <a:latin typeface="+mn-ea"/>
                 <a:ea typeface="+mn-ea"/>
               </a:rPr>
               <a:t>DNS </a:t>
             </a:r>
             <a:r>
-              <a:rPr lang="ko-KR" altLang="en-US" sz="1400" smtClean="0">
+              <a:rPr lang="ko-KR" altLang="en-US" sz="1400">
                 <a:latin typeface="+mn-ea"/>
                 <a:ea typeface="+mn-ea"/>
               </a:rPr>
               <a:t>서버</a:t>
             </a:r>
-            <a:endParaRPr lang="en-US" altLang="ko-KR" sz="1400" smtClean="0">
+            <a:endParaRPr lang="en-US" altLang="ko-KR" sz="1400">
               <a:latin typeface="+mn-ea"/>
               <a:ea typeface="+mn-ea"/>
             </a:endParaRPr>
@@ -11947,13 +11864,13 @@
           <a:lstStyle/>
           <a:p>
             <a:r>
-              <a:rPr lang="en-US" altLang="ko-KR" sz="1400" smtClean="0">
+              <a:rPr lang="en-US" altLang="ko-KR" sz="1400">
                 <a:latin typeface="+mn-ea"/>
                 <a:ea typeface="+mn-ea"/>
               </a:rPr>
               <a:t>hansung.ac.kr</a:t>
             </a:r>
-            <a:endParaRPr lang="ko-KR" altLang="en-US" sz="1400" smtClean="0">
+            <a:endParaRPr lang="ko-KR" altLang="en-US" sz="1400">
               <a:latin typeface="+mn-ea"/>
               <a:ea typeface="+mn-ea"/>
             </a:endParaRPr>
@@ -12199,7 +12116,7 @@
           <a:lstStyle/>
           <a:p>
             <a:r>
-              <a:rPr lang="en-US" altLang="ko-KR" sz="1400" smtClean="0">
+              <a:rPr lang="en-US" altLang="ko-KR" sz="1400">
                 <a:solidFill>
                   <a:srgbClr val="FF0000"/>
                 </a:solidFill>
@@ -12208,7 +12125,7 @@
               </a:rPr>
               <a:t>IP = ???</a:t>
             </a:r>
-            <a:endParaRPr lang="ko-KR" altLang="en-US" sz="1400" smtClean="0">
+            <a:endParaRPr lang="ko-KR" altLang="en-US" sz="1400">
               <a:solidFill>
                 <a:srgbClr val="FF0000"/>
               </a:solidFill>
@@ -12241,7 +12158,7 @@
           <a:lstStyle/>
           <a:p>
             <a:r>
-              <a:rPr lang="en-US" altLang="ko-KR" sz="1400" smtClean="0">
+              <a:rPr lang="en-US" altLang="ko-KR" sz="1400">
                 <a:solidFill>
                   <a:srgbClr val="FF0000"/>
                 </a:solidFill>
@@ -12250,7 +12167,7 @@
               </a:rPr>
               <a:t>IP = ???</a:t>
             </a:r>
-            <a:endParaRPr lang="ko-KR" altLang="en-US" sz="1400" smtClean="0">
+            <a:endParaRPr lang="ko-KR" altLang="en-US" sz="1400">
               <a:solidFill>
                 <a:srgbClr val="FF0000"/>
               </a:solidFill>
@@ -12283,7 +12200,7 @@
           <a:lstStyle/>
           <a:p>
             <a:r>
-              <a:rPr lang="en-US" altLang="ko-KR" sz="1400" smtClean="0">
+              <a:rPr lang="en-US" altLang="ko-KR" sz="1400">
                 <a:solidFill>
                   <a:srgbClr val="FF0000"/>
                 </a:solidFill>
@@ -12292,7 +12209,7 @@
               </a:rPr>
               <a:t>IP = ???</a:t>
             </a:r>
-            <a:endParaRPr lang="ko-KR" altLang="en-US" sz="1400" smtClean="0">
+            <a:endParaRPr lang="ko-KR" altLang="en-US" sz="1400">
               <a:solidFill>
                 <a:srgbClr val="FF0000"/>
               </a:solidFill>
@@ -12325,7 +12242,7 @@
           <a:lstStyle/>
           <a:p>
             <a:r>
-              <a:rPr lang="en-US" altLang="ko-KR" sz="1400" smtClean="0">
+              <a:rPr lang="en-US" altLang="ko-KR" sz="1400">
                 <a:solidFill>
                   <a:srgbClr val="FF0000"/>
                 </a:solidFill>
@@ -12334,7 +12251,7 @@
               </a:rPr>
               <a:t>IP = ???</a:t>
             </a:r>
-            <a:endParaRPr lang="ko-KR" altLang="en-US" sz="1400" smtClean="0">
+            <a:endParaRPr lang="ko-KR" altLang="en-US" sz="1400">
               <a:solidFill>
                 <a:srgbClr val="FF0000"/>
               </a:solidFill>
@@ -12367,7 +12284,7 @@
           <a:lstStyle/>
           <a:p>
             <a:r>
-              <a:rPr lang="en-US" altLang="ko-KR" sz="1400" smtClean="0">
+              <a:rPr lang="en-US" altLang="ko-KR" sz="1400">
                 <a:solidFill>
                   <a:srgbClr val="FF0000"/>
                 </a:solidFill>
@@ -12376,7 +12293,7 @@
               </a:rPr>
               <a:t>IP = ???</a:t>
             </a:r>
-            <a:endParaRPr lang="ko-KR" altLang="en-US" sz="1400" smtClean="0">
+            <a:endParaRPr lang="ko-KR" altLang="en-US" sz="1400">
               <a:solidFill>
                 <a:srgbClr val="FF0000"/>
               </a:solidFill>
@@ -12434,7 +12351,7 @@
           <a:lstStyle/>
           <a:p>
             <a:r>
-              <a:rPr lang="en-US" altLang="ko-KR" smtClean="0"/>
+              <a:rPr lang="en-US" altLang="ko-KR"/>
               <a:t>ARP Request</a:t>
             </a:r>
             <a:endParaRPr lang="ko-KR" altLang="en-US"/>
@@ -12513,7 +12430,7 @@
           <a:lstStyle/>
           <a:p>
             <a:r>
-              <a:rPr lang="en-US" altLang="ko-KR" smtClean="0"/>
+              <a:rPr lang="en-US" altLang="ko-KR"/>
               <a:t>ARP Reply</a:t>
             </a:r>
             <a:endParaRPr lang="ko-KR" altLang="en-US"/>

--- a/Network_Programming/02/과제/NetP-02-2-과제-제출용.pptx
+++ b/Network_Programming/02/과제/NetP-02-2-과제-제출용.pptx
@@ -8,21 +8,17 @@
   <p:sldIdLst>
     <p:sldId id="292" r:id="rId3"/>
     <p:sldId id="352" r:id="rId4"/>
-    <p:sldId id="366" r:id="rId5"/>
-    <p:sldId id="361" r:id="rId6"/>
-    <p:sldId id="362" r:id="rId7"/>
-    <p:sldId id="367" r:id="rId8"/>
-    <p:sldId id="399" r:id="rId9"/>
-    <p:sldId id="385" r:id="rId10"/>
-    <p:sldId id="386" r:id="rId11"/>
-    <p:sldId id="387" r:id="rId12"/>
-    <p:sldId id="388" r:id="rId13"/>
-    <p:sldId id="389" r:id="rId14"/>
-    <p:sldId id="390" r:id="rId15"/>
-    <p:sldId id="391" r:id="rId16"/>
-    <p:sldId id="392" r:id="rId17"/>
-    <p:sldId id="397" r:id="rId18"/>
-    <p:sldId id="351" r:id="rId19"/>
+    <p:sldId id="399" r:id="rId5"/>
+    <p:sldId id="385" r:id="rId6"/>
+    <p:sldId id="386" r:id="rId7"/>
+    <p:sldId id="387" r:id="rId8"/>
+    <p:sldId id="388" r:id="rId9"/>
+    <p:sldId id="389" r:id="rId10"/>
+    <p:sldId id="390" r:id="rId11"/>
+    <p:sldId id="391" r:id="rId12"/>
+    <p:sldId id="392" r:id="rId13"/>
+    <p:sldId id="397" r:id="rId14"/>
+    <p:sldId id="351" r:id="rId15"/>
   </p:sldIdLst>
   <p:sldSz cx="12192000" cy="6858000"/>
   <p:notesSz cx="6858000" cy="9144000"/>
@@ -171,76 +167,6 @@
 </file>
 
 <file path=ppt/ink/ink1.xml><?xml version="1.0" encoding="utf-8"?>
-<inkml:ink xmlns:inkml="http://www.w3.org/2003/InkML">
-  <inkml:definitions>
-    <inkml:context xml:id="ctx0">
-      <inkml:inkSource xml:id="inkSrc0">
-        <inkml:traceFormat>
-          <inkml:channel name="X" type="integer" min="-1920" max="1920" units="cm"/>
-          <inkml:channel name="Y" type="integer" max="1080" units="cm"/>
-          <inkml:channel name="T" type="integer" max="2.14748E9" units="dev"/>
-        </inkml:traceFormat>
-        <inkml:channelProperties>
-          <inkml:channelProperty channel="X" name="resolution" value="72.31638" units="1/cm"/>
-          <inkml:channelProperty channel="Y" name="resolution" value="36.1204" units="1/cm"/>
-          <inkml:channelProperty channel="T" name="resolution" value="1" units="1/dev"/>
-        </inkml:channelProperties>
-      </inkml:inkSource>
-      <inkml:timestamp xml:id="ts0" timeString="2020-09-17T09:17:08.980"/>
-    </inkml:context>
-    <inkml:brush xml:id="br0">
-      <inkml:brushProperty name="width" value="0.06667" units="cm"/>
-      <inkml:brushProperty name="height" value="0.06667" units="cm"/>
-      <inkml:brushProperty name="color" value="#ED1C24"/>
-      <inkml:brushProperty name="fitToCurve" value="1"/>
-    </inkml:brush>
-  </inkml:definitions>
-  <inkml:traceGroup>
-    <inkml:annotationXML>
-      <emma:emma xmlns:emma="http://www.w3.org/2003/04/emma" version="1.0">
-        <emma:interpretation id="{A8083E28-EBD2-42CC-896E-8F8971A046BC}" emma:medium="tactile" emma:mode="ink">
-          <msink:context xmlns:msink="http://schemas.microsoft.com/ink/2010/main" type="writingRegion" rotatedBoundingBox="1893,5233 18161,5805 17746,17634 1478,17062"/>
-        </emma:interpretation>
-      </emma:emma>
-    </inkml:annotationXML>
-    <inkml:traceGroup>
-      <inkml:annotationXML>
-        <emma:emma xmlns:emma="http://www.w3.org/2003/04/emma" version="1.0">
-          <emma:interpretation id="{C1F6526B-DA99-49E3-824D-9A7A591C30BA}" emma:medium="tactile" emma:mode="ink">
-            <msink:context xmlns:msink="http://schemas.microsoft.com/ink/2010/main" type="paragraph" rotatedBoundingBox="4682,9454 18311,11262 17747,15516 4118,13708" alignmentLevel="2"/>
-          </emma:interpretation>
-        </emma:emma>
-      </inkml:annotationXML>
-      <inkml:traceGroup>
-        <inkml:annotationXML>
-          <emma:emma xmlns:emma="http://www.w3.org/2003/04/emma" version="1.0">
-            <emma:interpretation id="{9622537E-CD1A-45BB-B303-490C3484425F}" emma:medium="tactile" emma:mode="ink">
-              <msink:context xmlns:msink="http://schemas.microsoft.com/ink/2010/main" type="line" rotatedBoundingBox="4682,9454 18311,11262 17747,15516 4118,13708"/>
-            </emma:interpretation>
-          </emma:emma>
-        </inkml:annotationXML>
-        <inkml:traceGroup>
-          <inkml:annotationXML>
-            <emma:emma xmlns:emma="http://www.w3.org/2003/04/emma" version="1.0">
-              <emma:interpretation id="{9C4806ED-1481-4F35-996C-86AE077639B3}" emma:medium="tactile" emma:mode="ink">
-                <msink:context xmlns:msink="http://schemas.microsoft.com/ink/2010/main" type="inkWord" rotatedBoundingBox="13062,10566 13077,10568 13074,10583 13060,10581"/>
-              </emma:interpretation>
-              <emma:one-of disjunction-type="recognition" id="oneOf0">
-                <emma:interpretation id="interp0" emma:lang="" emma:confidence="1">
-                  <emma:literal/>
-                </emma:interpretation>
-              </emma:one-of>
-            </emma:emma>
-          </inkml:annotationXML>
-          <inkml:trace contextRef="#ctx0" brushRef="#br0">10659-4354 0</inkml:trace>
-        </inkml:traceGroup>
-      </inkml:traceGroup>
-    </inkml:traceGroup>
-  </inkml:traceGroup>
-</inkml:ink>
-</file>
-
-<file path=ppt/ink/ink2.xml><?xml version="1.0" encoding="utf-8"?>
 <inkml:ink xmlns:inkml="http://www.w3.org/2003/InkML">
   <inkml:definitions>
     <inkml:context xml:id="ctx0">
@@ -1036,7 +962,7 @@
           <a:p>
             <a:fld id="{7ECEFAC6-8C3D-4BF3-9D33-5B01504927DD}" type="datetimeFigureOut">
               <a:rPr lang="ko-KR" altLang="en-US" smtClean="0"/>
-              <a:t>2022-09-01</a:t>
+              <a:t>2022-09-08</a:t>
             </a:fld>
             <a:endParaRPr lang="ko-KR" altLang="en-US"/>
           </a:p>
@@ -1547,7 +1473,7 @@
           <a:p>
             <a:fld id="{7ECEFAC6-8C3D-4BF3-9D33-5B01504927DD}" type="datetimeFigureOut">
               <a:rPr lang="ko-KR" altLang="en-US" smtClean="0"/>
-              <a:t>2022-09-01</a:t>
+              <a:t>2022-09-08</a:t>
             </a:fld>
             <a:endParaRPr lang="ko-KR" altLang="en-US"/>
           </a:p>
@@ -4550,7 +4476,7 @@
           <a:p>
             <a:r>
               <a:rPr lang="en-US" altLang="ko-KR"/>
-              <a:t>IP Packet </a:t>
+              <a:t>HTTP Data </a:t>
             </a:r>
             <a:r>
               <a:rPr lang="ko-KR" altLang="en-US"/>
@@ -4558,7 +4484,17 @@
             </a:r>
             <a:r>
               <a:rPr lang="en-US" altLang="ko-KR"/>
-              <a:t>(172.30.1.33 &lt;-&gt; 220.66.102.11)</a:t>
+              <a:t>(PC </a:t>
+            </a:r>
+            <a:r>
+              <a:rPr lang="en-US" altLang="ko-KR">
+                <a:sym typeface="Wingdings" panose="05000000000000000000" pitchFamily="2" charset="2"/>
+              </a:rPr>
+              <a:t></a:t>
+            </a:r>
+            <a:r>
+              <a:rPr lang="en-US" altLang="ko-KR"/>
+              <a:t> Web Server)</a:t>
             </a:r>
             <a:endParaRPr lang="ko-KR" altLang="en-US"/>
           </a:p>
@@ -4573,15 +4509,20 @@
           <p:nvPr/>
         </p:nvPicPr>
         <p:blipFill>
-          <a:blip r:embed="rId2"/>
-          <a:stretch>
-            <a:fillRect/>
-          </a:stretch>
+          <a:blip r:embed="rId2" cstate="print">
+            <a:extLst>
+              <a:ext uri="{28A0092B-C50C-407E-A947-70E740481C1C}">
+                <a14:useLocalDpi xmlns:a14="http://schemas.microsoft.com/office/drawing/2010/main" val="0"/>
+              </a:ext>
+            </a:extLst>
+          </a:blip>
+          <a:srcRect/>
+          <a:stretch/>
         </p:blipFill>
         <p:spPr>
           <a:xfrm>
-            <a:off x="1963870" y="863715"/>
-            <a:ext cx="8264259" cy="5625625"/>
+            <a:off x="2000544" y="1501257"/>
+            <a:ext cx="7470831" cy="4385052"/>
           </a:xfrm>
           <a:prstGeom prst="rect">
             <a:avLst/>
@@ -4591,7 +4532,7 @@
     </p:spTree>
     <p:extLst>
       <p:ext uri="{BB962C8B-B14F-4D97-AF65-F5344CB8AC3E}">
-        <p14:creationId xmlns:p14="http://schemas.microsoft.com/office/powerpoint/2010/main" val="2386972064"/>
+        <p14:creationId xmlns:p14="http://schemas.microsoft.com/office/powerpoint/2010/main" val="1716140071"/>
       </p:ext>
     </p:extLst>
   </p:cSld>
@@ -4631,23 +4572,33 @@
         <p:spPr/>
         <p:txBody>
           <a:bodyPr>
-            <a:noAutofit/>
+            <a:normAutofit fontScale="90000"/>
           </a:bodyPr>
           <a:lstStyle/>
           <a:p>
             <a:r>
-              <a:rPr lang="en-US" altLang="ko-KR" sz="2800"/>
-              <a:t>TCP Packet </a:t>
-            </a:r>
-            <a:r>
-              <a:rPr lang="ko-KR" altLang="en-US" sz="2800"/>
+              <a:rPr lang="en-US" altLang="ko-KR"/>
+              <a:t>HTTP Data </a:t>
+            </a:r>
+            <a:r>
+              <a:rPr lang="ko-KR" altLang="en-US"/>
               <a:t>예 </a:t>
             </a:r>
             <a:r>
-              <a:rPr lang="en-US" altLang="ko-KR" sz="2800"/>
-              <a:t>(172.30.1.3:7796 &lt;-&gt; 220.66.102.11:80)</a:t>
-            </a:r>
-            <a:endParaRPr lang="ko-KR" altLang="en-US" sz="2800"/>
+              <a:rPr lang="en-US" altLang="ko-KR"/>
+              <a:t>(Web Server </a:t>
+            </a:r>
+            <a:r>
+              <a:rPr lang="en-US" altLang="ko-KR">
+                <a:sym typeface="Wingdings" panose="05000000000000000000" pitchFamily="2" charset="2"/>
+              </a:rPr>
+              <a:t></a:t>
+            </a:r>
+            <a:r>
+              <a:rPr lang="en-US" altLang="ko-KR"/>
+              <a:t> PC)</a:t>
+            </a:r>
+            <a:endParaRPr lang="ko-KR" altLang="en-US"/>
           </a:p>
         </p:txBody>
       </p:sp>
@@ -4660,15 +4611,20 @@
           <p:nvPr/>
         </p:nvPicPr>
         <p:blipFill>
-          <a:blip r:embed="rId2"/>
-          <a:stretch>
-            <a:fillRect/>
-          </a:stretch>
+          <a:blip r:embed="rId2" cstate="print">
+            <a:extLst>
+              <a:ext uri="{28A0092B-C50C-407E-A947-70E740481C1C}">
+                <a14:useLocalDpi xmlns:a14="http://schemas.microsoft.com/office/drawing/2010/main" val="0"/>
+              </a:ext>
+            </a:extLst>
+          </a:blip>
+          <a:srcRect/>
+          <a:stretch/>
         </p:blipFill>
         <p:spPr>
           <a:xfrm>
-            <a:off x="2360585" y="953725"/>
-            <a:ext cx="7470830" cy="5514342"/>
+            <a:off x="1955540" y="1510947"/>
+            <a:ext cx="7506231" cy="4405831"/>
           </a:xfrm>
           <a:prstGeom prst="rect">
             <a:avLst/>
@@ -4678,7 +4634,7 @@
     </p:spTree>
     <p:extLst>
       <p:ext uri="{BB962C8B-B14F-4D97-AF65-F5344CB8AC3E}">
-        <p14:creationId xmlns:p14="http://schemas.microsoft.com/office/powerpoint/2010/main" val="1893446529"/>
+        <p14:creationId xmlns:p14="http://schemas.microsoft.com/office/powerpoint/2010/main" val="1245695388"/>
       </p:ext>
     </p:extLst>
   </p:cSld>
@@ -4724,88 +4680,19 @@
           <a:p>
             <a:r>
               <a:rPr lang="en-US" altLang="ko-KR"/>
-              <a:t>DNS Query (www.hansung.ac.kr ? )</a:t>
+              <a:t>HTTP Data (Chrome </a:t>
+            </a:r>
+            <a:r>
+              <a:rPr lang="en-US" altLang="ko-KR">
+                <a:sym typeface="Wingdings" panose="05000000000000000000" pitchFamily="2" charset="2"/>
+              </a:rPr>
+              <a:t></a:t>
+            </a:r>
+            <a:r>
+              <a:rPr lang="en-US" altLang="ko-KR"/>
+              <a:t> Mongoose Web Server)</a:t>
             </a:r>
             <a:endParaRPr lang="ko-KR" altLang="en-US"/>
-          </a:p>
-        </p:txBody>
-      </p:sp>
-      <p:pic>
-        <p:nvPicPr>
-          <p:cNvPr id="4" name="그림 3"/>
-          <p:cNvPicPr>
-            <a:picLocks noChangeAspect="1"/>
-          </p:cNvPicPr>
-          <p:nvPr/>
-        </p:nvPicPr>
-        <p:blipFill>
-          <a:blip r:embed="rId2"/>
-          <a:stretch>
-            <a:fillRect/>
-          </a:stretch>
-        </p:blipFill>
-        <p:spPr>
-          <a:xfrm>
-            <a:off x="2090554" y="863715"/>
-            <a:ext cx="8010892" cy="5632770"/>
-          </a:xfrm>
-          <a:prstGeom prst="rect">
-            <a:avLst/>
-          </a:prstGeom>
-        </p:spPr>
-      </p:pic>
-    </p:spTree>
-    <p:extLst>
-      <p:ext uri="{BB962C8B-B14F-4D97-AF65-F5344CB8AC3E}">
-        <p14:creationId xmlns:p14="http://schemas.microsoft.com/office/powerpoint/2010/main" val="3342165125"/>
-      </p:ext>
-    </p:extLst>
-  </p:cSld>
-  <p:clrMapOvr>
-    <a:masterClrMapping/>
-  </p:clrMapOvr>
-</p:sld>
-</file>
-
-<file path=ppt/slides/slide13.xml><?xml version="1.0" encoding="utf-8"?>
-<p:sld xmlns:a="http://schemas.openxmlformats.org/drawingml/2006/main" xmlns:r="http://schemas.openxmlformats.org/officeDocument/2006/relationships" xmlns:p="http://schemas.openxmlformats.org/presentationml/2006/main">
-  <p:cSld>
-    <p:spTree>
-      <p:nvGrpSpPr>
-        <p:cNvPr id="1" name=""/>
-        <p:cNvGrpSpPr/>
-        <p:nvPr/>
-      </p:nvGrpSpPr>
-      <p:grpSpPr>
-        <a:xfrm>
-          <a:off x="0" y="0"/>
-          <a:ext cx="0" cy="0"/>
-          <a:chOff x="0" y="0"/>
-          <a:chExt cx="0" cy="0"/>
-        </a:xfrm>
-      </p:grpSpPr>
-      <p:sp>
-        <p:nvSpPr>
-          <p:cNvPr id="2" name="제목 1"/>
-          <p:cNvSpPr>
-            <a:spLocks noGrp="1"/>
-          </p:cNvSpPr>
-          <p:nvPr>
-            <p:ph type="title"/>
-          </p:nvPr>
-        </p:nvSpPr>
-        <p:spPr/>
-        <p:txBody>
-          <a:bodyPr>
-            <a:noAutofit/>
-          </a:bodyPr>
-          <a:lstStyle/>
-          <a:p>
-            <a:r>
-              <a:rPr lang="en-US" altLang="ko-KR" sz="3200"/>
-              <a:t>DNS Response (www.hansung.ac.kr = 220.66.102.11)</a:t>
-            </a:r>
-            <a:endParaRPr lang="ko-KR" altLang="en-US" sz="3200"/>
           </a:p>
         </p:txBody>
       </p:sp>
@@ -4818,298 +4705,20 @@
           <p:nvPr/>
         </p:nvPicPr>
         <p:blipFill>
-          <a:blip r:embed="rId2"/>
-          <a:stretch>
-            <a:fillRect/>
-          </a:stretch>
+          <a:blip r:embed="rId2" cstate="print">
+            <a:extLst>
+              <a:ext uri="{28A0092B-C50C-407E-A947-70E740481C1C}">
+                <a14:useLocalDpi xmlns:a14="http://schemas.microsoft.com/office/drawing/2010/main" val="0"/>
+              </a:ext>
+            </a:extLst>
+          </a:blip>
+          <a:srcRect/>
+          <a:stretch/>
         </p:blipFill>
         <p:spPr>
           <a:xfrm>
-            <a:off x="2525646" y="953725"/>
-            <a:ext cx="7140708" cy="5520439"/>
-          </a:xfrm>
-          <a:prstGeom prst="rect">
-            <a:avLst/>
-          </a:prstGeom>
-        </p:spPr>
-      </p:pic>
-    </p:spTree>
-    <p:extLst>
-      <p:ext uri="{BB962C8B-B14F-4D97-AF65-F5344CB8AC3E}">
-        <p14:creationId xmlns:p14="http://schemas.microsoft.com/office/powerpoint/2010/main" val="4173936540"/>
-      </p:ext>
-    </p:extLst>
-  </p:cSld>
-  <p:clrMapOvr>
-    <a:masterClrMapping/>
-  </p:clrMapOvr>
-</p:sld>
-</file>
-
-<file path=ppt/slides/slide14.xml><?xml version="1.0" encoding="utf-8"?>
-<p:sld xmlns:a="http://schemas.openxmlformats.org/drawingml/2006/main" xmlns:r="http://schemas.openxmlformats.org/officeDocument/2006/relationships" xmlns:p="http://schemas.openxmlformats.org/presentationml/2006/main">
-  <p:cSld>
-    <p:spTree>
-      <p:nvGrpSpPr>
-        <p:cNvPr id="1" name=""/>
-        <p:cNvGrpSpPr/>
-        <p:nvPr/>
-      </p:nvGrpSpPr>
-      <p:grpSpPr>
-        <a:xfrm>
-          <a:off x="0" y="0"/>
-          <a:ext cx="0" cy="0"/>
-          <a:chOff x="0" y="0"/>
-          <a:chExt cx="0" cy="0"/>
-        </a:xfrm>
-      </p:grpSpPr>
-      <p:sp>
-        <p:nvSpPr>
-          <p:cNvPr id="2" name="제목 1"/>
-          <p:cNvSpPr>
-            <a:spLocks noGrp="1"/>
-          </p:cNvSpPr>
-          <p:nvPr>
-            <p:ph type="title"/>
-          </p:nvPr>
-        </p:nvSpPr>
-        <p:spPr/>
-        <p:txBody>
-          <a:bodyPr>
-            <a:normAutofit fontScale="90000"/>
-          </a:bodyPr>
-          <a:lstStyle/>
-          <a:p>
-            <a:r>
-              <a:rPr lang="en-US" altLang="ko-KR"/>
-              <a:t>HTTP Data </a:t>
-            </a:r>
-            <a:r>
-              <a:rPr lang="ko-KR" altLang="en-US"/>
-              <a:t>예 </a:t>
-            </a:r>
-            <a:r>
-              <a:rPr lang="en-US" altLang="ko-KR"/>
-              <a:t>(PC </a:t>
-            </a:r>
-            <a:r>
-              <a:rPr lang="en-US" altLang="ko-KR">
-                <a:sym typeface="Wingdings" panose="05000000000000000000" pitchFamily="2" charset="2"/>
-              </a:rPr>
-              <a:t></a:t>
-            </a:r>
-            <a:r>
-              <a:rPr lang="en-US" altLang="ko-KR"/>
-              <a:t> Web Server)</a:t>
-            </a:r>
-            <a:endParaRPr lang="ko-KR" altLang="en-US"/>
-          </a:p>
-        </p:txBody>
-      </p:sp>
-      <p:pic>
-        <p:nvPicPr>
-          <p:cNvPr id="3" name="그림 2"/>
-          <p:cNvPicPr>
-            <a:picLocks noChangeAspect="1"/>
-          </p:cNvPicPr>
-          <p:nvPr/>
-        </p:nvPicPr>
-        <p:blipFill>
-          <a:blip r:embed="rId2"/>
-          <a:stretch>
-            <a:fillRect/>
-          </a:stretch>
-        </p:blipFill>
-        <p:spPr>
-          <a:xfrm>
-            <a:off x="2000544" y="946661"/>
-            <a:ext cx="7470831" cy="5494244"/>
-          </a:xfrm>
-          <a:prstGeom prst="rect">
-            <a:avLst/>
-          </a:prstGeom>
-        </p:spPr>
-      </p:pic>
-    </p:spTree>
-    <p:extLst>
-      <p:ext uri="{BB962C8B-B14F-4D97-AF65-F5344CB8AC3E}">
-        <p14:creationId xmlns:p14="http://schemas.microsoft.com/office/powerpoint/2010/main" val="1716140071"/>
-      </p:ext>
-    </p:extLst>
-  </p:cSld>
-  <p:clrMapOvr>
-    <a:masterClrMapping/>
-  </p:clrMapOvr>
-</p:sld>
-</file>
-
-<file path=ppt/slides/slide15.xml><?xml version="1.0" encoding="utf-8"?>
-<p:sld xmlns:a="http://schemas.openxmlformats.org/drawingml/2006/main" xmlns:r="http://schemas.openxmlformats.org/officeDocument/2006/relationships" xmlns:p="http://schemas.openxmlformats.org/presentationml/2006/main">
-  <p:cSld>
-    <p:spTree>
-      <p:nvGrpSpPr>
-        <p:cNvPr id="1" name=""/>
-        <p:cNvGrpSpPr/>
-        <p:nvPr/>
-      </p:nvGrpSpPr>
-      <p:grpSpPr>
-        <a:xfrm>
-          <a:off x="0" y="0"/>
-          <a:ext cx="0" cy="0"/>
-          <a:chOff x="0" y="0"/>
-          <a:chExt cx="0" cy="0"/>
-        </a:xfrm>
-      </p:grpSpPr>
-      <p:sp>
-        <p:nvSpPr>
-          <p:cNvPr id="2" name="제목 1"/>
-          <p:cNvSpPr>
-            <a:spLocks noGrp="1"/>
-          </p:cNvSpPr>
-          <p:nvPr>
-            <p:ph type="title"/>
-          </p:nvPr>
-        </p:nvSpPr>
-        <p:spPr/>
-        <p:txBody>
-          <a:bodyPr>
-            <a:normAutofit fontScale="90000"/>
-          </a:bodyPr>
-          <a:lstStyle/>
-          <a:p>
-            <a:r>
-              <a:rPr lang="en-US" altLang="ko-KR"/>
-              <a:t>HTTP Data </a:t>
-            </a:r>
-            <a:r>
-              <a:rPr lang="ko-KR" altLang="en-US"/>
-              <a:t>예 </a:t>
-            </a:r>
-            <a:r>
-              <a:rPr lang="en-US" altLang="ko-KR"/>
-              <a:t>(Web Server </a:t>
-            </a:r>
-            <a:r>
-              <a:rPr lang="en-US" altLang="ko-KR">
-                <a:sym typeface="Wingdings" panose="05000000000000000000" pitchFamily="2" charset="2"/>
-              </a:rPr>
-              <a:t></a:t>
-            </a:r>
-            <a:r>
-              <a:rPr lang="en-US" altLang="ko-KR"/>
-              <a:t> PC)</a:t>
-            </a:r>
-            <a:endParaRPr lang="ko-KR" altLang="en-US"/>
-          </a:p>
-        </p:txBody>
-      </p:sp>
-      <p:pic>
-        <p:nvPicPr>
-          <p:cNvPr id="3" name="그림 2"/>
-          <p:cNvPicPr>
-            <a:picLocks noChangeAspect="1"/>
-          </p:cNvPicPr>
-          <p:nvPr/>
-        </p:nvPicPr>
-        <p:blipFill>
-          <a:blip r:embed="rId2"/>
-          <a:stretch>
-            <a:fillRect/>
-          </a:stretch>
-        </p:blipFill>
-        <p:spPr>
-          <a:xfrm>
-            <a:off x="1955540" y="953725"/>
-            <a:ext cx="7506231" cy="5520276"/>
-          </a:xfrm>
-          <a:prstGeom prst="rect">
-            <a:avLst/>
-          </a:prstGeom>
-        </p:spPr>
-      </p:pic>
-    </p:spTree>
-    <p:extLst>
-      <p:ext uri="{BB962C8B-B14F-4D97-AF65-F5344CB8AC3E}">
-        <p14:creationId xmlns:p14="http://schemas.microsoft.com/office/powerpoint/2010/main" val="1245695388"/>
-      </p:ext>
-    </p:extLst>
-  </p:cSld>
-  <p:clrMapOvr>
-    <a:masterClrMapping/>
-  </p:clrMapOvr>
-</p:sld>
-</file>
-
-<file path=ppt/slides/slide16.xml><?xml version="1.0" encoding="utf-8"?>
-<p:sld xmlns:a="http://schemas.openxmlformats.org/drawingml/2006/main" xmlns:r="http://schemas.openxmlformats.org/officeDocument/2006/relationships" xmlns:p="http://schemas.openxmlformats.org/presentationml/2006/main">
-  <p:cSld>
-    <p:spTree>
-      <p:nvGrpSpPr>
-        <p:cNvPr id="1" name=""/>
-        <p:cNvGrpSpPr/>
-        <p:nvPr/>
-      </p:nvGrpSpPr>
-      <p:grpSpPr>
-        <a:xfrm>
-          <a:off x="0" y="0"/>
-          <a:ext cx="0" cy="0"/>
-          <a:chOff x="0" y="0"/>
-          <a:chExt cx="0" cy="0"/>
-        </a:xfrm>
-      </p:grpSpPr>
-      <p:sp>
-        <p:nvSpPr>
-          <p:cNvPr id="2" name="제목 1"/>
-          <p:cNvSpPr>
-            <a:spLocks noGrp="1"/>
-          </p:cNvSpPr>
-          <p:nvPr>
-            <p:ph type="title"/>
-          </p:nvPr>
-        </p:nvSpPr>
-        <p:spPr/>
-        <p:txBody>
-          <a:bodyPr>
-            <a:normAutofit fontScale="90000"/>
-          </a:bodyPr>
-          <a:lstStyle/>
-          <a:p>
-            <a:r>
-              <a:rPr lang="en-US" altLang="ko-KR"/>
-              <a:t>HTTP Data (Chrome </a:t>
-            </a:r>
-            <a:r>
-              <a:rPr lang="en-US" altLang="ko-KR">
-                <a:sym typeface="Wingdings" panose="05000000000000000000" pitchFamily="2" charset="2"/>
-              </a:rPr>
-              <a:t></a:t>
-            </a:r>
-            <a:r>
-              <a:rPr lang="en-US" altLang="ko-KR"/>
-              <a:t> Mongoose Web Server)</a:t>
-            </a:r>
-            <a:endParaRPr lang="ko-KR" altLang="en-US"/>
-          </a:p>
-        </p:txBody>
-      </p:sp>
-      <p:pic>
-        <p:nvPicPr>
-          <p:cNvPr id="3" name="그림 2"/>
-          <p:cNvPicPr>
-            <a:picLocks noChangeAspect="1"/>
-          </p:cNvPicPr>
-          <p:nvPr/>
-        </p:nvPicPr>
-        <p:blipFill>
-          <a:blip r:embed="rId2"/>
-          <a:stretch>
-            <a:fillRect/>
-          </a:stretch>
-        </p:blipFill>
-        <p:spPr>
-          <a:xfrm>
-            <a:off x="3035659" y="998729"/>
-            <a:ext cx="7599313" cy="5445605"/>
+            <a:off x="3035659" y="1491298"/>
+            <a:ext cx="7599313" cy="4460466"/>
           </a:xfrm>
           <a:prstGeom prst="rect">
             <a:avLst/>
@@ -5141,7 +4750,7 @@
           <a:lstStyle/>
           <a:p>
             <a:r>
-              <a:rPr lang="en-US" altLang="ko-KR">
+              <a:rPr lang="en-US" altLang="ko-KR" dirty="0">
                 <a:latin typeface="+mn-ea"/>
                 <a:ea typeface="+mn-ea"/>
               </a:rPr>
@@ -5150,14 +4759,14 @@
           </a:p>
           <a:p>
             <a:r>
-              <a:rPr lang="en-US" altLang="ko-KR">
+              <a:rPr lang="en-US" altLang="ko-KR" dirty="0">
                 <a:latin typeface="+mn-ea"/>
                 <a:ea typeface="+mn-ea"/>
               </a:rPr>
               <a:t>127.0.0.1 </a:t>
             </a:r>
             <a:r>
-              <a:rPr lang="ko-KR" altLang="en-US">
+              <a:rPr lang="ko-KR" altLang="en-US" dirty="0">
                 <a:latin typeface="+mn-ea"/>
                 <a:ea typeface="+mn-ea"/>
               </a:rPr>
@@ -5179,7 +4788,7 @@
 </p:sld>
 </file>
 
-<file path=ppt/slides/slide17.xml><?xml version="1.0" encoding="utf-8"?>
+<file path=ppt/slides/slide13.xml><?xml version="1.0" encoding="utf-8"?>
 <p:sld xmlns:a="http://schemas.openxmlformats.org/drawingml/2006/main" xmlns:r="http://schemas.openxmlformats.org/officeDocument/2006/relationships" xmlns:p="http://schemas.openxmlformats.org/presentationml/2006/main">
   <p:cSld>
     <p:spTree>
@@ -5233,15 +4842,20 @@
           <p:nvPr/>
         </p:nvPicPr>
         <p:blipFill>
-          <a:blip r:embed="rId2"/>
-          <a:stretch>
-            <a:fillRect/>
-          </a:stretch>
+          <a:blip r:embed="rId2" cstate="print">
+            <a:extLst>
+              <a:ext uri="{28A0092B-C50C-407E-A947-70E740481C1C}">
+                <a14:useLocalDpi xmlns:a14="http://schemas.microsoft.com/office/drawing/2010/main" val="0"/>
+              </a:ext>
+            </a:extLst>
+          </a:blip>
+          <a:srcRect/>
+          <a:stretch/>
         </p:blipFill>
         <p:spPr>
           <a:xfrm>
-            <a:off x="609600" y="1072148"/>
-            <a:ext cx="7556630" cy="5415021"/>
+            <a:off x="609600" y="1561952"/>
+            <a:ext cx="7556630" cy="4435413"/>
           </a:xfrm>
           <a:prstGeom prst="rect">
             <a:avLst/>
@@ -5256,7 +4870,7 @@
         </p:nvCxnSpPr>
         <p:spPr>
           <a:xfrm flipH="1">
-            <a:off x="4700845" y="4824155"/>
+            <a:off x="4700845" y="3924055"/>
             <a:ext cx="2560430" cy="585065"/>
           </a:xfrm>
           <a:prstGeom prst="straightConnector1">
@@ -5297,7 +4911,7 @@
         </p:blipFill>
         <p:spPr>
           <a:xfrm>
-            <a:off x="7261275" y="2708920"/>
+            <a:off x="7261275" y="1808820"/>
             <a:ext cx="4267200" cy="3228975"/>
           </a:xfrm>
           <a:prstGeom prst="rect">
@@ -5354,57 +4968,6 @@
           <a:p>
             <a:r>
               <a:rPr lang="ko-KR" altLang="en-US" dirty="0"/>
-              <a:t>본인 집 네트워크 구성도 확인 및 그리기</a:t>
-            </a:r>
-            <a:endParaRPr lang="en-US" altLang="ko-KR" dirty="0"/>
-          </a:p>
-          <a:p>
-            <a:pPr lvl="1"/>
-            <a:r>
-              <a:rPr lang="ko-KR" altLang="en-US" dirty="0"/>
-              <a:t>공유기 사용 환경 </a:t>
-            </a:r>
-            <a:r>
-              <a:rPr lang="en-US" altLang="ko-KR" dirty="0"/>
-              <a:t>1 ~ 4 </a:t>
-            </a:r>
-            <a:r>
-              <a:rPr lang="ko-KR" altLang="en-US" dirty="0"/>
-              <a:t>중 한가지 또는</a:t>
-            </a:r>
-            <a:endParaRPr lang="en-US" altLang="ko-KR" dirty="0"/>
-          </a:p>
-          <a:p>
-            <a:pPr lvl="1"/>
-            <a:r>
-              <a:rPr lang="ko-KR" altLang="en-US" dirty="0"/>
-              <a:t>새로운 네트워크 구성도 직접 완성할 것</a:t>
-            </a:r>
-            <a:endParaRPr lang="en-US" altLang="ko-KR" dirty="0"/>
-          </a:p>
-          <a:p>
-            <a:pPr lvl="1"/>
-            <a:r>
-              <a:rPr lang="en-US" altLang="ko-KR" dirty="0"/>
-              <a:t>IP </a:t>
-            </a:r>
-            <a:r>
-              <a:rPr lang="ko-KR" altLang="en-US" dirty="0"/>
-              <a:t>주소는 본인 </a:t>
-            </a:r>
-            <a:r>
-              <a:rPr lang="en-US" altLang="ko-KR" dirty="0"/>
-              <a:t>PC IP</a:t>
-            </a:r>
-            <a:r>
-              <a:rPr lang="ko-KR" altLang="en-US" dirty="0"/>
-              <a:t>와 집 네트워크 라우터 확인후 수정할 것</a:t>
-            </a:r>
-            <a:endParaRPr lang="en-US" altLang="ko-KR" dirty="0"/>
-          </a:p>
-          <a:p>
-            <a:r>
-              <a:rPr lang="ko-KR" altLang="en-US" dirty="0"/>
               <a:t>본인 집에서 프로토콜 분석기 실습 </a:t>
             </a:r>
             <a:r>
@@ -5546,5248 +5109,6 @@
 </file>
 
 <file path=ppt/slides/slide3.xml><?xml version="1.0" encoding="utf-8"?>
-<p:sld xmlns:a="http://schemas.openxmlformats.org/drawingml/2006/main" xmlns:r="http://schemas.openxmlformats.org/officeDocument/2006/relationships" xmlns:p="http://schemas.openxmlformats.org/presentationml/2006/main">
-  <p:cSld>
-    <p:spTree>
-      <p:nvGrpSpPr>
-        <p:cNvPr id="1" name=""/>
-        <p:cNvGrpSpPr/>
-        <p:nvPr/>
-      </p:nvGrpSpPr>
-      <p:grpSpPr>
-        <a:xfrm>
-          <a:off x="0" y="0"/>
-          <a:ext cx="0" cy="0"/>
-          <a:chOff x="0" y="0"/>
-          <a:chExt cx="0" cy="0"/>
-        </a:xfrm>
-      </p:grpSpPr>
-      <p:sp>
-        <p:nvSpPr>
-          <p:cNvPr id="2" name="내용 개체 틀 1"/>
-          <p:cNvSpPr>
-            <a:spLocks noGrp="1"/>
-          </p:cNvSpPr>
-          <p:nvPr>
-            <p:ph idx="1"/>
-          </p:nvPr>
-        </p:nvSpPr>
-        <p:spPr/>
-        <p:txBody>
-          <a:bodyPr/>
-          <a:lstStyle/>
-          <a:p>
-            <a:r>
-              <a:rPr lang="ko-KR" altLang="en-US"/>
-              <a:t>공유기 사용 환경 예 </a:t>
-            </a:r>
-            <a:r>
-              <a:rPr lang="en-US" altLang="ko-KR"/>
-              <a:t>1 – KT </a:t>
-            </a:r>
-            <a:r>
-              <a:rPr lang="ko-KR" altLang="en-US"/>
-              <a:t>인터넷 </a:t>
-            </a:r>
-            <a:r>
-              <a:rPr lang="en-US" altLang="ko-KR"/>
-              <a:t>1</a:t>
-            </a:r>
-            <a:r>
-              <a:rPr lang="ko-KR" altLang="en-US"/>
-              <a:t>회선만 사용</a:t>
-            </a:r>
-            <a:r>
-              <a:rPr lang="en-US" altLang="ko-KR"/>
-              <a:t>, IPTIME </a:t>
-            </a:r>
-            <a:r>
-              <a:rPr lang="ko-KR" altLang="en-US"/>
-              <a:t>공유기</a:t>
-            </a:r>
-            <a:endParaRPr lang="en-US" altLang="ko-KR"/>
-          </a:p>
-          <a:p>
-            <a:pPr lvl="1"/>
-            <a:r>
-              <a:rPr lang="en-US" altLang="ko-KR"/>
-              <a:t>IPTIME </a:t>
-            </a:r>
-            <a:r>
-              <a:rPr lang="ko-KR" altLang="en-US"/>
-              <a:t>공유기로 모두 유</a:t>
-            </a:r>
-            <a:r>
-              <a:rPr lang="en-US" altLang="ko-KR"/>
-              <a:t>/</a:t>
-            </a:r>
-            <a:r>
-              <a:rPr lang="ko-KR" altLang="en-US"/>
-              <a:t>무선 연결 </a:t>
-            </a:r>
-            <a:endParaRPr lang="ko-KR" altLang="en-US" dirty="0"/>
-          </a:p>
-        </p:txBody>
-      </p:sp>
-      <p:sp>
-        <p:nvSpPr>
-          <p:cNvPr id="3" name="제목 2"/>
-          <p:cNvSpPr>
-            <a:spLocks noGrp="1"/>
-          </p:cNvSpPr>
-          <p:nvPr>
-            <p:ph type="title"/>
-          </p:nvPr>
-        </p:nvSpPr>
-        <p:spPr/>
-        <p:txBody>
-          <a:bodyPr>
-            <a:normAutofit fontScale="90000"/>
-          </a:bodyPr>
-          <a:lstStyle/>
-          <a:p>
-            <a:r>
-              <a:rPr lang="ko-KR" altLang="en-US"/>
-              <a:t>본인 집 환경 확인</a:t>
-            </a:r>
-            <a:endParaRPr lang="ko-KR" altLang="en-US" dirty="0"/>
-          </a:p>
-        </p:txBody>
-      </p:sp>
-      <p:grpSp>
-        <p:nvGrpSpPr>
-          <p:cNvPr id="100" name="그룹 99"/>
-          <p:cNvGrpSpPr/>
-          <p:nvPr/>
-        </p:nvGrpSpPr>
-        <p:grpSpPr>
-          <a:xfrm>
-            <a:off x="932633" y="2123855"/>
-            <a:ext cx="9552316" cy="4185465"/>
-            <a:chOff x="932633" y="2123855"/>
-            <a:chExt cx="9552316" cy="4185465"/>
-          </a:xfrm>
-        </p:grpSpPr>
-        <p:sp>
-          <p:nvSpPr>
-            <p:cNvPr id="65" name="타원 64"/>
-            <p:cNvSpPr/>
-            <p:nvPr/>
-          </p:nvSpPr>
-          <p:spPr>
-            <a:xfrm>
-              <a:off x="932633" y="3008337"/>
-              <a:ext cx="2196193" cy="1534887"/>
-            </a:xfrm>
-            <a:prstGeom prst="ellipse">
-              <a:avLst/>
-            </a:prstGeom>
-          </p:spPr>
-          <p:style>
-            <a:lnRef idx="2">
-              <a:schemeClr val="accent1"/>
-            </a:lnRef>
-            <a:fillRef idx="1">
-              <a:schemeClr val="lt1"/>
-            </a:fillRef>
-            <a:effectRef idx="0">
-              <a:schemeClr val="accent1"/>
-            </a:effectRef>
-            <a:fontRef idx="minor">
-              <a:schemeClr val="dk1"/>
-            </a:fontRef>
-          </p:style>
-          <p:txBody>
-            <a:bodyPr rtlCol="0" anchor="ctr"/>
-            <a:lstStyle/>
-            <a:p>
-              <a:pPr algn="ctr"/>
-              <a:r>
-                <a:rPr lang="en-US" altLang="ko-KR">
-                  <a:latin typeface="+mj-ea"/>
-                  <a:ea typeface="+mj-ea"/>
-                </a:rPr>
-                <a:t>KT</a:t>
-              </a:r>
-            </a:p>
-            <a:p>
-              <a:pPr algn="ctr"/>
-              <a:r>
-                <a:rPr lang="en-US" altLang="ko-KR">
-                  <a:latin typeface="+mj-ea"/>
-                  <a:ea typeface="+mj-ea"/>
-                </a:rPr>
-                <a:t>LGU+</a:t>
-              </a:r>
-            </a:p>
-            <a:p>
-              <a:pPr algn="ctr"/>
-              <a:r>
-                <a:rPr lang="en-US" altLang="ko-KR">
-                  <a:latin typeface="+mj-ea"/>
-                  <a:ea typeface="+mj-ea"/>
-                </a:rPr>
-                <a:t>SKT 4G/5G</a:t>
-              </a:r>
-            </a:p>
-          </p:txBody>
-        </p:sp>
-        <p:sp>
-          <p:nvSpPr>
-            <p:cNvPr id="67" name="모서리가 둥근 직사각형 66"/>
-            <p:cNvSpPr/>
-            <p:nvPr/>
-          </p:nvSpPr>
-          <p:spPr>
-            <a:xfrm>
-              <a:off x="3451859" y="2123855"/>
-              <a:ext cx="7033090" cy="4185465"/>
-            </a:xfrm>
-            <a:prstGeom prst="roundRect">
-              <a:avLst/>
-            </a:prstGeom>
-            <a:noFill/>
-          </p:spPr>
-          <p:style>
-            <a:lnRef idx="2">
-              <a:schemeClr val="accent1"/>
-            </a:lnRef>
-            <a:fillRef idx="1">
-              <a:schemeClr val="lt1"/>
-            </a:fillRef>
-            <a:effectRef idx="0">
-              <a:schemeClr val="accent1"/>
-            </a:effectRef>
-            <a:fontRef idx="minor">
-              <a:schemeClr val="dk1"/>
-            </a:fontRef>
-          </p:style>
-          <p:txBody>
-            <a:bodyPr rtlCol="0" anchor="ctr"/>
-            <a:lstStyle/>
-            <a:p>
-              <a:pPr algn="ctr"/>
-              <a:endParaRPr lang="ko-KR" altLang="en-US">
-                <a:latin typeface="+mj-ea"/>
-                <a:ea typeface="+mj-ea"/>
-              </a:endParaRPr>
-            </a:p>
-          </p:txBody>
-        </p:sp>
-        <p:sp>
-          <p:nvSpPr>
-            <p:cNvPr id="68" name="모서리가 둥근 직사각형 67"/>
-            <p:cNvSpPr/>
-            <p:nvPr/>
-          </p:nvSpPr>
-          <p:spPr>
-            <a:xfrm>
-              <a:off x="7197362" y="2698776"/>
-              <a:ext cx="3012621" cy="1547810"/>
-            </a:xfrm>
-            <a:prstGeom prst="roundRect">
-              <a:avLst/>
-            </a:prstGeom>
-            <a:noFill/>
-            <a:effectLst/>
-          </p:spPr>
-          <p:style>
-            <a:lnRef idx="1">
-              <a:schemeClr val="accent1"/>
-            </a:lnRef>
-            <a:fillRef idx="2">
-              <a:schemeClr val="accent1"/>
-            </a:fillRef>
-            <a:effectRef idx="1">
-              <a:schemeClr val="accent1"/>
-            </a:effectRef>
-            <a:fontRef idx="minor">
-              <a:schemeClr val="dk1"/>
-            </a:fontRef>
-          </p:style>
-          <p:txBody>
-            <a:bodyPr rot="0" spcFirstLastPara="0" vertOverflow="overflow" horzOverflow="overflow" vert="horz" wrap="square" lIns="91440" tIns="45720" rIns="91440" bIns="45720" numCol="1" spcCol="0" rtlCol="0" fromWordArt="0" anchor="ctr" anchorCtr="0" forceAA="0" compatLnSpc="1">
-              <a:prstTxWarp prst="textNoShape">
-                <a:avLst/>
-              </a:prstTxWarp>
-              <a:noAutofit/>
-            </a:bodyPr>
-            <a:lstStyle/>
-            <a:p>
-              <a:pPr algn="ctr"/>
-              <a:endParaRPr lang="ko-KR" altLang="en-US">
-                <a:latin typeface="+mj-ea"/>
-                <a:ea typeface="+mj-ea"/>
-              </a:endParaRPr>
-            </a:p>
-          </p:txBody>
-        </p:sp>
-        <p:sp>
-          <p:nvSpPr>
-            <p:cNvPr id="75" name="TextBox 74"/>
-            <p:cNvSpPr txBox="1"/>
-            <p:nvPr/>
-          </p:nvSpPr>
-          <p:spPr>
-            <a:xfrm>
-              <a:off x="7282821" y="2750285"/>
-              <a:ext cx="415498" cy="369332"/>
-            </a:xfrm>
-            <a:prstGeom prst="rect">
-              <a:avLst/>
-            </a:prstGeom>
-            <a:noFill/>
-          </p:spPr>
-          <p:txBody>
-            <a:bodyPr wrap="none" rtlCol="0">
-              <a:spAutoFit/>
-            </a:bodyPr>
-            <a:lstStyle/>
-            <a:p>
-              <a:r>
-                <a:rPr lang="ko-KR" altLang="en-US">
-                  <a:latin typeface="+mj-ea"/>
-                  <a:ea typeface="+mj-ea"/>
-                </a:rPr>
-                <a:t>방</a:t>
-              </a:r>
-            </a:p>
-          </p:txBody>
-        </p:sp>
-        <p:sp>
-          <p:nvSpPr>
-            <p:cNvPr id="76" name="TextBox 75"/>
-            <p:cNvSpPr txBox="1"/>
-            <p:nvPr/>
-          </p:nvSpPr>
-          <p:spPr>
-            <a:xfrm>
-              <a:off x="4166611" y="2486145"/>
-              <a:ext cx="646331" cy="369332"/>
-            </a:xfrm>
-            <a:prstGeom prst="rect">
-              <a:avLst/>
-            </a:prstGeom>
-            <a:noFill/>
-          </p:spPr>
-          <p:txBody>
-            <a:bodyPr wrap="none" rtlCol="0">
-              <a:spAutoFit/>
-            </a:bodyPr>
-            <a:lstStyle/>
-            <a:p>
-              <a:r>
-                <a:rPr lang="ko-KR" altLang="en-US">
-                  <a:latin typeface="+mj-ea"/>
-                  <a:ea typeface="+mj-ea"/>
-                </a:rPr>
-                <a:t>거실</a:t>
-              </a:r>
-            </a:p>
-          </p:txBody>
-        </p:sp>
-        <p:grpSp>
-          <p:nvGrpSpPr>
-            <p:cNvPr id="11" name="그룹 10"/>
-            <p:cNvGrpSpPr/>
-            <p:nvPr/>
-          </p:nvGrpSpPr>
-          <p:grpSpPr>
-            <a:xfrm>
-              <a:off x="7377443" y="2980058"/>
-              <a:ext cx="2414444" cy="1233737"/>
-              <a:chOff x="7273249" y="2614877"/>
-              <a:chExt cx="2414444" cy="1233737"/>
-            </a:xfrm>
-          </p:grpSpPr>
-          <p:pic>
-            <p:nvPicPr>
-              <p:cNvPr id="78" name="그림 77"/>
-              <p:cNvPicPr>
-                <a:picLocks noChangeAspect="1"/>
-              </p:cNvPicPr>
-              <p:nvPr/>
-            </p:nvPicPr>
-            <p:blipFill>
-              <a:blip r:embed="rId2"/>
-              <a:stretch>
-                <a:fillRect/>
-              </a:stretch>
-            </p:blipFill>
-            <p:spPr>
-              <a:xfrm>
-                <a:off x="7638056" y="2934700"/>
-                <a:ext cx="470421" cy="470421"/>
-              </a:xfrm>
-              <a:prstGeom prst="rect">
-                <a:avLst/>
-              </a:prstGeom>
-            </p:spPr>
-          </p:pic>
-          <p:grpSp>
-            <p:nvGrpSpPr>
-              <p:cNvPr id="79" name="그룹 78"/>
-              <p:cNvGrpSpPr/>
-              <p:nvPr/>
-            </p:nvGrpSpPr>
-            <p:grpSpPr>
-              <a:xfrm>
-                <a:off x="8041274" y="2614877"/>
-                <a:ext cx="775360" cy="877350"/>
-                <a:chOff x="3286296" y="2894627"/>
-                <a:chExt cx="1722417" cy="1437963"/>
-              </a:xfrm>
-            </p:grpSpPr>
-            <p:pic>
-              <p:nvPicPr>
-                <p:cNvPr id="90" name="그림 89" descr="Server Web Network - Free vector graphic on Pixabay"/>
-                <p:cNvPicPr>
-                  <a:picLocks noChangeAspect="1"/>
-                </p:cNvPicPr>
-                <p:nvPr/>
-              </p:nvPicPr>
-              <p:blipFill>
-                <a:blip r:embed="rId3" cstate="print">
-                  <a:extLst>
-                    <a:ext uri="{28A0092B-C50C-407E-A947-70E740481C1C}">
-                      <a14:useLocalDpi xmlns:a14="http://schemas.microsoft.com/office/drawing/2010/main" val="0"/>
-                    </a:ext>
-                  </a:extLst>
-                </a:blip>
-                <a:stretch>
-                  <a:fillRect/>
-                </a:stretch>
-              </p:blipFill>
-              <p:spPr>
-                <a:xfrm>
-                  <a:off x="3286296" y="2898233"/>
-                  <a:ext cx="832092" cy="1170130"/>
-                </a:xfrm>
-                <a:prstGeom prst="rect">
-                  <a:avLst/>
-                </a:prstGeom>
-              </p:spPr>
-            </p:pic>
-            <p:pic>
-              <p:nvPicPr>
-                <p:cNvPr id="91" name="Picture 20" descr="j0431566[1]"/>
-                <p:cNvPicPr>
-                  <a:picLocks noChangeAspect="1" noChangeArrowheads="1"/>
-                </p:cNvPicPr>
-                <p:nvPr/>
-              </p:nvPicPr>
-              <p:blipFill>
-                <a:blip r:embed="rId4">
-                  <a:extLst>
-                    <a:ext uri="{28A0092B-C50C-407E-A947-70E740481C1C}">
-                      <a14:useLocalDpi xmlns:a14="http://schemas.microsoft.com/office/drawing/2010/main" val="0"/>
-                    </a:ext>
-                  </a:extLst>
-                </a:blip>
-                <a:srcRect/>
-                <a:stretch>
-                  <a:fillRect/>
-                </a:stretch>
-              </p:blipFill>
-              <p:spPr bwMode="auto">
-                <a:xfrm>
-                  <a:off x="3582572" y="2894627"/>
-                  <a:ext cx="1426141" cy="1437963"/>
-                </a:xfrm>
-                <a:prstGeom prst="rect">
-                  <a:avLst/>
-                </a:prstGeom>
-                <a:noFill/>
-                <a:ln>
-                  <a:noFill/>
-                </a:ln>
-                <a:extLst>
-                  <a:ext uri="{909E8E84-426E-40DD-AFC4-6F175D3DCCD1}">
-                    <a14:hiddenFill xmlns:a14="http://schemas.microsoft.com/office/drawing/2010/main">
-                      <a:solidFill>
-                        <a:srgbClr val="FFFFFF"/>
-                      </a:solidFill>
-                    </a14:hiddenFill>
-                  </a:ext>
-                  <a:ext uri="{91240B29-F687-4F45-9708-019B960494DF}">
-                    <a14:hiddenLine xmlns:a14="http://schemas.microsoft.com/office/drawing/2010/main" w="9525">
-                      <a:solidFill>
-                        <a:srgbClr val="000000"/>
-                      </a:solidFill>
-                      <a:miter lim="800000"/>
-                      <a:headEnd/>
-                      <a:tailEnd/>
-                    </a14:hiddenLine>
-                  </a:ext>
-                </a:extLst>
-              </p:spPr>
-            </p:pic>
-          </p:grpSp>
-          <p:sp>
-            <p:nvSpPr>
-              <p:cNvPr id="81" name="TextBox 80"/>
-              <p:cNvSpPr txBox="1"/>
-              <p:nvPr/>
-            </p:nvSpPr>
-            <p:spPr>
-              <a:xfrm>
-                <a:off x="7273249" y="3479282"/>
-                <a:ext cx="2414444" cy="369332"/>
-              </a:xfrm>
-              <a:prstGeom prst="rect">
-                <a:avLst/>
-              </a:prstGeom>
-              <a:noFill/>
-            </p:spPr>
-            <p:txBody>
-              <a:bodyPr wrap="none" rtlCol="0">
-                <a:spAutoFit/>
-              </a:bodyPr>
-              <a:lstStyle/>
-              <a:p>
-                <a:r>
-                  <a:rPr lang="en-US" altLang="ko-KR">
-                    <a:latin typeface="+mj-ea"/>
-                    <a:ea typeface="+mj-ea"/>
-                  </a:rPr>
-                  <a:t>IP </a:t>
-                </a:r>
-                <a:r>
-                  <a:rPr lang="ko-KR" altLang="en-US">
-                    <a:latin typeface="+mj-ea"/>
-                    <a:ea typeface="+mj-ea"/>
-                  </a:rPr>
-                  <a:t>주소 </a:t>
-                </a:r>
-                <a:r>
-                  <a:rPr lang="en-US" altLang="ko-KR">
-                    <a:latin typeface="+mj-ea"/>
-                    <a:ea typeface="+mj-ea"/>
-                  </a:rPr>
-                  <a:t>= 192.168.0.2</a:t>
-                </a:r>
-                <a:endParaRPr lang="ko-KR" altLang="en-US">
-                  <a:latin typeface="+mj-ea"/>
-                  <a:ea typeface="+mj-ea"/>
-                </a:endParaRPr>
-              </a:p>
-            </p:txBody>
-          </p:sp>
-        </p:grpSp>
-        <p:cxnSp>
-          <p:nvCxnSpPr>
-            <p:cNvPr id="82" name="직선 연결선 81"/>
-            <p:cNvCxnSpPr/>
-            <p:nvPr/>
-          </p:nvCxnSpPr>
-          <p:spPr>
-            <a:xfrm flipV="1">
-              <a:off x="5678338" y="3658502"/>
-              <a:ext cx="2178710" cy="133110"/>
-            </a:xfrm>
-            <a:prstGeom prst="line">
-              <a:avLst/>
-            </a:prstGeom>
-            <a:ln w="38100">
-              <a:prstDash val="sysDot"/>
-            </a:ln>
-          </p:spPr>
-          <p:style>
-            <a:lnRef idx="1">
-              <a:schemeClr val="accent1"/>
-            </a:lnRef>
-            <a:fillRef idx="0">
-              <a:schemeClr val="accent1"/>
-            </a:fillRef>
-            <a:effectRef idx="0">
-              <a:schemeClr val="accent1"/>
-            </a:effectRef>
-            <a:fontRef idx="minor">
-              <a:schemeClr val="tx1"/>
-            </a:fontRef>
-          </p:style>
-        </p:cxnSp>
-        <p:sp>
-          <p:nvSpPr>
-            <p:cNvPr id="95" name="TextBox 94"/>
-            <p:cNvSpPr txBox="1"/>
-            <p:nvPr/>
-          </p:nvSpPr>
-          <p:spPr>
-            <a:xfrm>
-              <a:off x="7387601" y="5550236"/>
-              <a:ext cx="2414444" cy="369332"/>
-            </a:xfrm>
-            <a:prstGeom prst="rect">
-              <a:avLst/>
-            </a:prstGeom>
-            <a:noFill/>
-          </p:spPr>
-          <p:txBody>
-            <a:bodyPr wrap="none" rtlCol="0">
-              <a:spAutoFit/>
-            </a:bodyPr>
-            <a:lstStyle/>
-            <a:p>
-              <a:r>
-                <a:rPr lang="en-US" altLang="ko-KR">
-                  <a:latin typeface="+mj-ea"/>
-                  <a:ea typeface="+mj-ea"/>
-                </a:rPr>
-                <a:t>IP </a:t>
-              </a:r>
-              <a:r>
-                <a:rPr lang="ko-KR" altLang="en-US">
-                  <a:latin typeface="+mj-ea"/>
-                  <a:ea typeface="+mj-ea"/>
-                </a:rPr>
-                <a:t>주소 </a:t>
-              </a:r>
-              <a:r>
-                <a:rPr lang="en-US" altLang="ko-KR">
-                  <a:latin typeface="+mj-ea"/>
-                  <a:ea typeface="+mj-ea"/>
-                </a:rPr>
-                <a:t>= 192.168.0.3</a:t>
-              </a:r>
-              <a:endParaRPr lang="ko-KR" altLang="en-US">
-                <a:latin typeface="+mj-ea"/>
-                <a:ea typeface="+mj-ea"/>
-              </a:endParaRPr>
-            </a:p>
-          </p:txBody>
-        </p:sp>
-        <p:pic>
-          <p:nvPicPr>
-            <p:cNvPr id="96" name="그림 95" descr="Laptop | Free Stock Photo | Illustration of a laptop computer | # 17116"/>
-            <p:cNvPicPr>
-              <a:picLocks noChangeAspect="1"/>
-            </p:cNvPicPr>
-            <p:nvPr/>
-          </p:nvPicPr>
-          <p:blipFill>
-            <a:blip r:embed="rId5" cstate="print">
-              <a:extLst>
-                <a:ext uri="{28A0092B-C50C-407E-A947-70E740481C1C}">
-                  <a14:useLocalDpi xmlns:a14="http://schemas.microsoft.com/office/drawing/2010/main" val="0"/>
-                </a:ext>
-              </a:extLst>
-            </a:blip>
-            <a:stretch>
-              <a:fillRect/>
-            </a:stretch>
-          </p:blipFill>
-          <p:spPr>
-            <a:xfrm>
-              <a:off x="8048558" y="4863840"/>
-              <a:ext cx="728320" cy="675102"/>
-            </a:xfrm>
-            <a:prstGeom prst="rect">
-              <a:avLst/>
-            </a:prstGeom>
-          </p:spPr>
-        </p:pic>
-        <p:sp>
-          <p:nvSpPr>
-            <p:cNvPr id="98" name="모서리가 둥근 직사각형 97"/>
-            <p:cNvSpPr/>
-            <p:nvPr/>
-          </p:nvSpPr>
-          <p:spPr>
-            <a:xfrm>
-              <a:off x="7168243" y="4536553"/>
-              <a:ext cx="3012621" cy="1547810"/>
-            </a:xfrm>
-            <a:prstGeom prst="roundRect">
-              <a:avLst/>
-            </a:prstGeom>
-            <a:noFill/>
-            <a:effectLst/>
-          </p:spPr>
-          <p:style>
-            <a:lnRef idx="1">
-              <a:schemeClr val="accent1"/>
-            </a:lnRef>
-            <a:fillRef idx="2">
-              <a:schemeClr val="accent1"/>
-            </a:fillRef>
-            <a:effectRef idx="1">
-              <a:schemeClr val="accent1"/>
-            </a:effectRef>
-            <a:fontRef idx="minor">
-              <a:schemeClr val="dk1"/>
-            </a:fontRef>
-          </p:style>
-          <p:txBody>
-            <a:bodyPr rot="0" spcFirstLastPara="0" vertOverflow="overflow" horzOverflow="overflow" vert="horz" wrap="square" lIns="91440" tIns="45720" rIns="91440" bIns="45720" numCol="1" spcCol="0" rtlCol="0" fromWordArt="0" anchor="ctr" anchorCtr="0" forceAA="0" compatLnSpc="1">
-              <a:prstTxWarp prst="textNoShape">
-                <a:avLst/>
-              </a:prstTxWarp>
-              <a:noAutofit/>
-            </a:bodyPr>
-            <a:lstStyle/>
-            <a:p>
-              <a:pPr algn="ctr"/>
-              <a:endParaRPr lang="ko-KR" altLang="en-US">
-                <a:latin typeface="+mj-ea"/>
-                <a:ea typeface="+mj-ea"/>
-              </a:endParaRPr>
-            </a:p>
-          </p:txBody>
-        </p:sp>
-        <p:sp>
-          <p:nvSpPr>
-            <p:cNvPr id="73" name="TextBox 72"/>
-            <p:cNvSpPr txBox="1"/>
-            <p:nvPr/>
-          </p:nvSpPr>
-          <p:spPr>
-            <a:xfrm>
-              <a:off x="3439251" y="4049920"/>
-              <a:ext cx="2266967" cy="369332"/>
-            </a:xfrm>
-            <a:prstGeom prst="rect">
-              <a:avLst/>
-            </a:prstGeom>
-            <a:noFill/>
-          </p:spPr>
-          <p:txBody>
-            <a:bodyPr wrap="none" rtlCol="0">
-              <a:spAutoFit/>
-            </a:bodyPr>
-            <a:lstStyle/>
-            <a:p>
-              <a:r>
-                <a:rPr lang="ko-KR" altLang="en-US">
-                  <a:latin typeface="+mj-ea"/>
-                  <a:ea typeface="+mj-ea"/>
-                </a:rPr>
-                <a:t>공유기 </a:t>
-              </a:r>
-              <a:r>
-                <a:rPr lang="en-US" altLang="ko-KR">
-                  <a:latin typeface="+mj-ea"/>
-                  <a:ea typeface="+mj-ea"/>
-                </a:rPr>
-                <a:t>(192.168.0.1)</a:t>
-              </a:r>
-              <a:endParaRPr lang="ko-KR" altLang="en-US">
-                <a:latin typeface="+mj-ea"/>
-                <a:ea typeface="+mj-ea"/>
-              </a:endParaRPr>
-            </a:p>
-          </p:txBody>
-        </p:sp>
-      </p:grpSp>
-      <p:cxnSp>
-        <p:nvCxnSpPr>
-          <p:cNvPr id="103" name="직선 연결선 102"/>
-          <p:cNvCxnSpPr/>
-          <p:nvPr/>
-        </p:nvCxnSpPr>
-        <p:spPr>
-          <a:xfrm>
-            <a:off x="5664465" y="3918571"/>
-            <a:ext cx="2384093" cy="1282820"/>
-          </a:xfrm>
-          <a:prstGeom prst="line">
-            <a:avLst/>
-          </a:prstGeom>
-          <a:ln w="38100">
-            <a:prstDash val="sysDot"/>
-          </a:ln>
-        </p:spPr>
-        <p:style>
-          <a:lnRef idx="1">
-            <a:schemeClr val="accent1"/>
-          </a:lnRef>
-          <a:fillRef idx="0">
-            <a:schemeClr val="accent1"/>
-          </a:fillRef>
-          <a:effectRef idx="0">
-            <a:schemeClr val="accent1"/>
-          </a:effectRef>
-          <a:fontRef idx="minor">
-            <a:schemeClr val="tx1"/>
-          </a:fontRef>
-        </p:style>
-      </p:cxnSp>
-      <p:grpSp>
-        <p:nvGrpSpPr>
-          <p:cNvPr id="23" name="그룹 22"/>
-          <p:cNvGrpSpPr/>
-          <p:nvPr/>
-        </p:nvGrpSpPr>
-        <p:grpSpPr>
-          <a:xfrm>
-            <a:off x="5555940" y="2388327"/>
-            <a:ext cx="1279361" cy="1270176"/>
-            <a:chOff x="5555940" y="2388327"/>
-            <a:chExt cx="1279361" cy="1270176"/>
-          </a:xfrm>
-        </p:grpSpPr>
-        <p:pic>
-          <p:nvPicPr>
-            <p:cNvPr id="47" name="그림 46" descr="Server Web Network - Free vector graphic on Pixabay"/>
-            <p:cNvPicPr>
-              <a:picLocks noChangeAspect="1"/>
-            </p:cNvPicPr>
-            <p:nvPr/>
-          </p:nvPicPr>
-          <p:blipFill>
-            <a:blip r:embed="rId3" cstate="print">
-              <a:extLst>
-                <a:ext uri="{28A0092B-C50C-407E-A947-70E740481C1C}">
-                  <a14:useLocalDpi xmlns:a14="http://schemas.microsoft.com/office/drawing/2010/main" val="0"/>
-                </a:ext>
-              </a:extLst>
-            </a:blip>
-            <a:stretch>
-              <a:fillRect/>
-            </a:stretch>
-          </p:blipFill>
-          <p:spPr>
-            <a:xfrm>
-              <a:off x="6059941" y="2390527"/>
-              <a:ext cx="374573" cy="713936"/>
-            </a:xfrm>
-            <a:prstGeom prst="rect">
-              <a:avLst/>
-            </a:prstGeom>
-          </p:spPr>
-        </p:pic>
-        <p:pic>
-          <p:nvPicPr>
-            <p:cNvPr id="48" name="Picture 20" descr="j0431566[1]"/>
-            <p:cNvPicPr>
-              <a:picLocks noChangeAspect="1" noChangeArrowheads="1"/>
-            </p:cNvPicPr>
-            <p:nvPr/>
-          </p:nvPicPr>
-          <p:blipFill>
-            <a:blip r:embed="rId4">
-              <a:extLst>
-                <a:ext uri="{28A0092B-C50C-407E-A947-70E740481C1C}">
-                  <a14:useLocalDpi xmlns:a14="http://schemas.microsoft.com/office/drawing/2010/main" val="0"/>
-                </a:ext>
-              </a:extLst>
-            </a:blip>
-            <a:srcRect/>
-            <a:stretch>
-              <a:fillRect/>
-            </a:stretch>
-          </p:blipFill>
-          <p:spPr bwMode="auto">
-            <a:xfrm>
-              <a:off x="6193312" y="2388327"/>
-              <a:ext cx="641989" cy="877350"/>
-            </a:xfrm>
-            <a:prstGeom prst="rect">
-              <a:avLst/>
-            </a:prstGeom>
-            <a:noFill/>
-            <a:ln>
-              <a:noFill/>
-            </a:ln>
-            <a:extLst>
-              <a:ext uri="{909E8E84-426E-40DD-AFC4-6F175D3DCCD1}">
-                <a14:hiddenFill xmlns:a14="http://schemas.microsoft.com/office/drawing/2010/main">
-                  <a:solidFill>
-                    <a:srgbClr val="FFFFFF"/>
-                  </a:solidFill>
-                </a14:hiddenFill>
-              </a:ext>
-              <a:ext uri="{91240B29-F687-4F45-9708-019B960494DF}">
-                <a14:hiddenLine xmlns:a14="http://schemas.microsoft.com/office/drawing/2010/main" w="9525">
-                  <a:solidFill>
-                    <a:srgbClr val="000000"/>
-                  </a:solidFill>
-                  <a:miter lim="800000"/>
-                  <a:headEnd/>
-                  <a:tailEnd/>
-                </a14:hiddenLine>
-              </a:ext>
-            </a:extLst>
-          </p:spPr>
-        </p:pic>
-        <p:cxnSp>
-          <p:nvCxnSpPr>
-            <p:cNvPr id="18" name="직선 연결선 17"/>
-            <p:cNvCxnSpPr/>
-            <p:nvPr/>
-          </p:nvCxnSpPr>
-          <p:spPr>
-            <a:xfrm flipV="1">
-              <a:off x="5555940" y="3074126"/>
-              <a:ext cx="566186" cy="584377"/>
-            </a:xfrm>
-            <a:prstGeom prst="line">
-              <a:avLst/>
-            </a:prstGeom>
-            <a:ln w="38100"/>
-          </p:spPr>
-          <p:style>
-            <a:lnRef idx="1">
-              <a:schemeClr val="accent1"/>
-            </a:lnRef>
-            <a:fillRef idx="0">
-              <a:schemeClr val="accent1"/>
-            </a:fillRef>
-            <a:effectRef idx="0">
-              <a:schemeClr val="accent1"/>
-            </a:effectRef>
-            <a:fontRef idx="minor">
-              <a:schemeClr val="tx1"/>
-            </a:fontRef>
-          </p:style>
-        </p:cxnSp>
-      </p:grpSp>
-      <p:pic>
-        <p:nvPicPr>
-          <p:cNvPr id="54" name="그림 53" descr="&lt;strong&gt;스마트폰&lt;/strong&gt; 터치 스크린 통신 · Pixabay의 무료 벡터 그래픽"/>
-          <p:cNvPicPr>
-            <a:picLocks noChangeAspect="1"/>
-          </p:cNvPicPr>
-          <p:nvPr/>
-        </p:nvPicPr>
-        <p:blipFill>
-          <a:blip r:embed="rId6" cstate="print">
-            <a:extLst>
-              <a:ext uri="{28A0092B-C50C-407E-A947-70E740481C1C}">
-                <a14:useLocalDpi xmlns:a14="http://schemas.microsoft.com/office/drawing/2010/main" val="0"/>
-              </a:ext>
-            </a:extLst>
-          </a:blip>
-          <a:stretch>
-            <a:fillRect/>
-          </a:stretch>
-        </p:blipFill>
-        <p:spPr>
-          <a:xfrm>
-            <a:off x="5103527" y="3503079"/>
-            <a:ext cx="380703" cy="577065"/>
-          </a:xfrm>
-          <a:prstGeom prst="rect">
-            <a:avLst/>
-          </a:prstGeom>
-        </p:spPr>
-      </p:pic>
-      <p:cxnSp>
-        <p:nvCxnSpPr>
-          <p:cNvPr id="31" name="직선 연결선 30"/>
-          <p:cNvCxnSpPr/>
-          <p:nvPr/>
-        </p:nvCxnSpPr>
-        <p:spPr>
-          <a:xfrm flipV="1">
-            <a:off x="3183263" y="3733427"/>
-            <a:ext cx="1836624" cy="15086"/>
-          </a:xfrm>
-          <a:prstGeom prst="line">
-            <a:avLst/>
-          </a:prstGeom>
-          <a:ln w="38100">
-            <a:prstDash val="sysDot"/>
-          </a:ln>
-        </p:spPr>
-        <p:style>
-          <a:lnRef idx="1">
-            <a:schemeClr val="accent1"/>
-          </a:lnRef>
-          <a:fillRef idx="0">
-            <a:schemeClr val="accent1"/>
-          </a:fillRef>
-          <a:effectRef idx="0">
-            <a:schemeClr val="accent1"/>
-          </a:effectRef>
-          <a:fontRef idx="minor">
-            <a:schemeClr val="tx1"/>
-          </a:fontRef>
-        </p:style>
-      </p:cxnSp>
-      <mc:AlternateContent xmlns:mc="http://schemas.openxmlformats.org/markup-compatibility/2006" xmlns:p14="http://schemas.microsoft.com/office/powerpoint/2010/main">
-        <mc:Choice Requires="p14">
-          <p:contentPart p14:bwMode="auto" r:id="rId7">
-            <p14:nvContentPartPr>
-              <p14:cNvPr id="168" name="잉크 167"/>
-              <p14:cNvContentPartPr/>
-              <p14:nvPr/>
-            </p14:nvContentPartPr>
-            <p14:xfrm>
-              <a:off x="4702616" y="3804660"/>
-              <a:ext cx="360" cy="360"/>
-            </p14:xfrm>
-          </p:contentPart>
-        </mc:Choice>
-        <mc:Fallback xmlns="">
-          <p:pic>
-            <p:nvPicPr>
-              <p:cNvPr id="168" name="잉크 167"/>
-              <p:cNvPicPr/>
-              <p:nvPr/>
-            </p:nvPicPr>
-            <p:blipFill>
-              <a:blip r:embed="rId44"/>
-              <a:stretch>
-                <a:fillRect/>
-              </a:stretch>
-            </p:blipFill>
-            <p:spPr>
-              <a:xfrm>
-                <a:off x="527336" y="1947420"/>
-                <a:ext cx="5918400" cy="4305240"/>
-              </a:xfrm>
-              <a:prstGeom prst="rect">
-                <a:avLst/>
-              </a:prstGeom>
-            </p:spPr>
-          </p:pic>
-        </mc:Fallback>
-      </mc:AlternateContent>
-    </p:spTree>
-    <p:extLst>
-      <p:ext uri="{BB962C8B-B14F-4D97-AF65-F5344CB8AC3E}">
-        <p14:creationId xmlns:p14="http://schemas.microsoft.com/office/powerpoint/2010/main" val="1132048743"/>
-      </p:ext>
-    </p:extLst>
-  </p:cSld>
-  <p:clrMapOvr>
-    <a:masterClrMapping/>
-  </p:clrMapOvr>
-</p:sld>
-</file>
-
-<file path=ppt/slides/slide4.xml><?xml version="1.0" encoding="utf-8"?>
-<p:sld xmlns:a="http://schemas.openxmlformats.org/drawingml/2006/main" xmlns:r="http://schemas.openxmlformats.org/officeDocument/2006/relationships" xmlns:p="http://schemas.openxmlformats.org/presentationml/2006/main">
-  <p:cSld>
-    <p:spTree>
-      <p:nvGrpSpPr>
-        <p:cNvPr id="1" name=""/>
-        <p:cNvGrpSpPr/>
-        <p:nvPr/>
-      </p:nvGrpSpPr>
-      <p:grpSpPr>
-        <a:xfrm>
-          <a:off x="0" y="0"/>
-          <a:ext cx="0" cy="0"/>
-          <a:chOff x="0" y="0"/>
-          <a:chExt cx="0" cy="0"/>
-        </a:xfrm>
-      </p:grpSpPr>
-      <p:sp>
-        <p:nvSpPr>
-          <p:cNvPr id="2" name="내용 개체 틀 1"/>
-          <p:cNvSpPr>
-            <a:spLocks noGrp="1"/>
-          </p:cNvSpPr>
-          <p:nvPr>
-            <p:ph idx="1"/>
-          </p:nvPr>
-        </p:nvSpPr>
-        <p:spPr/>
-        <p:txBody>
-          <a:bodyPr/>
-          <a:lstStyle/>
-          <a:p>
-            <a:r>
-              <a:rPr lang="ko-KR" altLang="en-US"/>
-              <a:t>공유기 사용 환경 예 </a:t>
-            </a:r>
-            <a:r>
-              <a:rPr lang="en-US" altLang="ko-KR"/>
-              <a:t>2 – KT </a:t>
-            </a:r>
-            <a:r>
-              <a:rPr lang="ko-KR" altLang="en-US"/>
-              <a:t>인터넷</a:t>
-            </a:r>
-            <a:r>
-              <a:rPr lang="en-US" altLang="ko-KR"/>
-              <a:t>, IPTV </a:t>
-            </a:r>
-            <a:r>
-              <a:rPr lang="ko-KR" altLang="en-US"/>
-              <a:t>사용</a:t>
-            </a:r>
-            <a:r>
-              <a:rPr lang="en-US" altLang="ko-KR"/>
-              <a:t>, IPTIME </a:t>
-            </a:r>
-            <a:r>
-              <a:rPr lang="ko-KR" altLang="en-US"/>
-              <a:t>공유기 사용</a:t>
-            </a:r>
-            <a:endParaRPr lang="en-US" altLang="ko-KR"/>
-          </a:p>
-          <a:p>
-            <a:pPr lvl="1"/>
-            <a:r>
-              <a:rPr lang="en-US" altLang="ko-KR"/>
-              <a:t>IPTIME </a:t>
-            </a:r>
-            <a:r>
-              <a:rPr lang="ko-KR" altLang="en-US"/>
-              <a:t>공유기로 모두 유</a:t>
-            </a:r>
-            <a:r>
-              <a:rPr lang="en-US" altLang="ko-KR"/>
-              <a:t>/</a:t>
-            </a:r>
-            <a:r>
-              <a:rPr lang="ko-KR" altLang="en-US"/>
-              <a:t>무선 연결 </a:t>
-            </a:r>
-            <a:endParaRPr lang="ko-KR" altLang="en-US" dirty="0"/>
-          </a:p>
-        </p:txBody>
-      </p:sp>
-      <p:sp>
-        <p:nvSpPr>
-          <p:cNvPr id="3" name="제목 2"/>
-          <p:cNvSpPr>
-            <a:spLocks noGrp="1"/>
-          </p:cNvSpPr>
-          <p:nvPr>
-            <p:ph type="title"/>
-          </p:nvPr>
-        </p:nvSpPr>
-        <p:spPr/>
-        <p:txBody>
-          <a:bodyPr>
-            <a:normAutofit fontScale="90000"/>
-          </a:bodyPr>
-          <a:lstStyle/>
-          <a:p>
-            <a:r>
-              <a:rPr lang="ko-KR" altLang="en-US"/>
-              <a:t>본인 집 환경 확인</a:t>
-            </a:r>
-            <a:endParaRPr lang="ko-KR" altLang="en-US" dirty="0"/>
-          </a:p>
-        </p:txBody>
-      </p:sp>
-      <p:grpSp>
-        <p:nvGrpSpPr>
-          <p:cNvPr id="100" name="그룹 99"/>
-          <p:cNvGrpSpPr/>
-          <p:nvPr/>
-        </p:nvGrpSpPr>
-        <p:grpSpPr>
-          <a:xfrm>
-            <a:off x="932633" y="2123855"/>
-            <a:ext cx="9552316" cy="4185465"/>
-            <a:chOff x="932633" y="2123855"/>
-            <a:chExt cx="9552316" cy="4185465"/>
-          </a:xfrm>
-        </p:grpSpPr>
-        <p:sp>
-          <p:nvSpPr>
-            <p:cNvPr id="65" name="타원 64"/>
-            <p:cNvSpPr/>
-            <p:nvPr/>
-          </p:nvSpPr>
-          <p:spPr>
-            <a:xfrm>
-              <a:off x="932633" y="3008337"/>
-              <a:ext cx="2196193" cy="1534887"/>
-            </a:xfrm>
-            <a:prstGeom prst="ellipse">
-              <a:avLst/>
-            </a:prstGeom>
-          </p:spPr>
-          <p:style>
-            <a:lnRef idx="2">
-              <a:schemeClr val="accent1"/>
-            </a:lnRef>
-            <a:fillRef idx="1">
-              <a:schemeClr val="lt1"/>
-            </a:fillRef>
-            <a:effectRef idx="0">
-              <a:schemeClr val="accent1"/>
-            </a:effectRef>
-            <a:fontRef idx="minor">
-              <a:schemeClr val="dk1"/>
-            </a:fontRef>
-          </p:style>
-          <p:txBody>
-            <a:bodyPr rtlCol="0" anchor="ctr"/>
-            <a:lstStyle/>
-            <a:p>
-              <a:pPr algn="ctr"/>
-              <a:r>
-                <a:rPr lang="en-US" altLang="ko-KR">
-                  <a:latin typeface="+mj-ea"/>
-                  <a:ea typeface="+mj-ea"/>
-                </a:rPr>
-                <a:t>KT</a:t>
-              </a:r>
-            </a:p>
-            <a:p>
-              <a:pPr algn="ctr"/>
-              <a:r>
-                <a:rPr lang="en-US" altLang="ko-KR">
-                  <a:latin typeface="+mj-ea"/>
-                  <a:ea typeface="+mj-ea"/>
-                </a:rPr>
-                <a:t>LGU+</a:t>
-              </a:r>
-            </a:p>
-            <a:p>
-              <a:pPr algn="ctr"/>
-              <a:r>
-                <a:rPr lang="en-US" altLang="ko-KR">
-                  <a:latin typeface="+mj-ea"/>
-                  <a:ea typeface="+mj-ea"/>
-                </a:rPr>
-                <a:t>SKT</a:t>
-              </a:r>
-            </a:p>
-          </p:txBody>
-        </p:sp>
-        <p:pic>
-          <p:nvPicPr>
-            <p:cNvPr id="66" name="그림 65"/>
-            <p:cNvPicPr>
-              <a:picLocks noChangeAspect="1"/>
-            </p:cNvPicPr>
-            <p:nvPr/>
-          </p:nvPicPr>
-          <p:blipFill>
-            <a:blip r:embed="rId2"/>
-            <a:stretch>
-              <a:fillRect/>
-            </a:stretch>
-          </p:blipFill>
-          <p:spPr>
-            <a:xfrm>
-              <a:off x="4166611" y="3304973"/>
-              <a:ext cx="941613" cy="941613"/>
-            </a:xfrm>
-            <a:prstGeom prst="rect">
-              <a:avLst/>
-            </a:prstGeom>
-          </p:spPr>
-        </p:pic>
-        <p:sp>
-          <p:nvSpPr>
-            <p:cNvPr id="67" name="모서리가 둥근 직사각형 66"/>
-            <p:cNvSpPr/>
-            <p:nvPr/>
-          </p:nvSpPr>
-          <p:spPr>
-            <a:xfrm>
-              <a:off x="3451859" y="2123855"/>
-              <a:ext cx="7033090" cy="4185465"/>
-            </a:xfrm>
-            <a:prstGeom prst="roundRect">
-              <a:avLst/>
-            </a:prstGeom>
-            <a:noFill/>
-          </p:spPr>
-          <p:style>
-            <a:lnRef idx="2">
-              <a:schemeClr val="accent1"/>
-            </a:lnRef>
-            <a:fillRef idx="1">
-              <a:schemeClr val="lt1"/>
-            </a:fillRef>
-            <a:effectRef idx="0">
-              <a:schemeClr val="accent1"/>
-            </a:effectRef>
-            <a:fontRef idx="minor">
-              <a:schemeClr val="dk1"/>
-            </a:fontRef>
-          </p:style>
-          <p:txBody>
-            <a:bodyPr rtlCol="0" anchor="ctr"/>
-            <a:lstStyle/>
-            <a:p>
-              <a:pPr algn="ctr"/>
-              <a:endParaRPr lang="ko-KR" altLang="en-US">
-                <a:latin typeface="+mj-ea"/>
-                <a:ea typeface="+mj-ea"/>
-              </a:endParaRPr>
-            </a:p>
-          </p:txBody>
-        </p:sp>
-        <p:sp>
-          <p:nvSpPr>
-            <p:cNvPr id="68" name="모서리가 둥근 직사각형 67"/>
-            <p:cNvSpPr/>
-            <p:nvPr/>
-          </p:nvSpPr>
-          <p:spPr>
-            <a:xfrm>
-              <a:off x="7197362" y="2698776"/>
-              <a:ext cx="3012621" cy="1547810"/>
-            </a:xfrm>
-            <a:prstGeom prst="roundRect">
-              <a:avLst/>
-            </a:prstGeom>
-            <a:noFill/>
-            <a:effectLst/>
-          </p:spPr>
-          <p:style>
-            <a:lnRef idx="1">
-              <a:schemeClr val="accent1"/>
-            </a:lnRef>
-            <a:fillRef idx="2">
-              <a:schemeClr val="accent1"/>
-            </a:fillRef>
-            <a:effectRef idx="1">
-              <a:schemeClr val="accent1"/>
-            </a:effectRef>
-            <a:fontRef idx="minor">
-              <a:schemeClr val="dk1"/>
-            </a:fontRef>
-          </p:style>
-          <p:txBody>
-            <a:bodyPr rot="0" spcFirstLastPara="0" vertOverflow="overflow" horzOverflow="overflow" vert="horz" wrap="square" lIns="91440" tIns="45720" rIns="91440" bIns="45720" numCol="1" spcCol="0" rtlCol="0" fromWordArt="0" anchor="ctr" anchorCtr="0" forceAA="0" compatLnSpc="1">
-              <a:prstTxWarp prst="textNoShape">
-                <a:avLst/>
-              </a:prstTxWarp>
-              <a:noAutofit/>
-            </a:bodyPr>
-            <a:lstStyle/>
-            <a:p>
-              <a:pPr algn="ctr"/>
-              <a:endParaRPr lang="ko-KR" altLang="en-US">
-                <a:latin typeface="+mj-ea"/>
-                <a:ea typeface="+mj-ea"/>
-              </a:endParaRPr>
-            </a:p>
-          </p:txBody>
-        </p:sp>
-        <p:cxnSp>
-          <p:nvCxnSpPr>
-            <p:cNvPr id="69" name="직선 연결선 68"/>
-            <p:cNvCxnSpPr>
-              <a:stCxn id="65" idx="6"/>
-              <a:endCxn id="66" idx="1"/>
-            </p:cNvCxnSpPr>
-            <p:nvPr/>
-          </p:nvCxnSpPr>
-          <p:spPr>
-            <a:xfrm flipV="1">
-              <a:off x="3128826" y="3775780"/>
-              <a:ext cx="1037785" cy="1"/>
-            </a:xfrm>
-            <a:prstGeom prst="line">
-              <a:avLst/>
-            </a:prstGeom>
-            <a:ln w="38100"/>
-          </p:spPr>
-          <p:style>
-            <a:lnRef idx="1">
-              <a:schemeClr val="accent1"/>
-            </a:lnRef>
-            <a:fillRef idx="0">
-              <a:schemeClr val="accent1"/>
-            </a:fillRef>
-            <a:effectRef idx="0">
-              <a:schemeClr val="accent1"/>
-            </a:effectRef>
-            <a:fontRef idx="minor">
-              <a:schemeClr val="tx1"/>
-            </a:fontRef>
-          </p:style>
-        </p:cxnSp>
-        <p:pic>
-          <p:nvPicPr>
-            <p:cNvPr id="70" name="그림 69"/>
-            <p:cNvPicPr>
-              <a:picLocks noChangeAspect="1"/>
-            </p:cNvPicPr>
-            <p:nvPr/>
-          </p:nvPicPr>
-          <p:blipFill>
-            <a:blip r:embed="rId3"/>
-            <a:stretch>
-              <a:fillRect/>
-            </a:stretch>
-          </p:blipFill>
-          <p:spPr>
-            <a:xfrm>
-              <a:off x="4787095" y="4132748"/>
-              <a:ext cx="956582" cy="867409"/>
-            </a:xfrm>
-            <a:prstGeom prst="rect">
-              <a:avLst/>
-            </a:prstGeom>
-          </p:spPr>
-        </p:pic>
-        <p:cxnSp>
-          <p:nvCxnSpPr>
-            <p:cNvPr id="71" name="직선 연결선 70"/>
-            <p:cNvCxnSpPr/>
-            <p:nvPr/>
-          </p:nvCxnSpPr>
-          <p:spPr>
-            <a:xfrm>
-              <a:off x="4637417" y="3865588"/>
-              <a:ext cx="269641" cy="771865"/>
-            </a:xfrm>
-            <a:prstGeom prst="line">
-              <a:avLst/>
-            </a:prstGeom>
-            <a:ln w="38100"/>
-          </p:spPr>
-          <p:style>
-            <a:lnRef idx="1">
-              <a:schemeClr val="accent1"/>
-            </a:lnRef>
-            <a:fillRef idx="0">
-              <a:schemeClr val="accent1"/>
-            </a:fillRef>
-            <a:effectRef idx="0">
-              <a:schemeClr val="accent1"/>
-            </a:effectRef>
-            <a:fontRef idx="minor">
-              <a:schemeClr val="tx1"/>
-            </a:fontRef>
-          </p:style>
-        </p:cxnSp>
-        <p:sp>
-          <p:nvSpPr>
-            <p:cNvPr id="72" name="TextBox 71"/>
-            <p:cNvSpPr txBox="1"/>
-            <p:nvPr/>
-          </p:nvSpPr>
-          <p:spPr>
-            <a:xfrm>
-              <a:off x="3912699" y="3221074"/>
-              <a:ext cx="1449436" cy="369332"/>
-            </a:xfrm>
-            <a:prstGeom prst="rect">
-              <a:avLst/>
-            </a:prstGeom>
-            <a:noFill/>
-          </p:spPr>
-          <p:txBody>
-            <a:bodyPr wrap="none" rtlCol="0">
-              <a:spAutoFit/>
-            </a:bodyPr>
-            <a:lstStyle/>
-            <a:p>
-              <a:r>
-                <a:rPr lang="en-US" altLang="ko-KR">
-                  <a:latin typeface="+mj-ea"/>
-                  <a:ea typeface="+mj-ea"/>
-                </a:rPr>
-                <a:t>KT </a:t>
-              </a:r>
-              <a:r>
-                <a:rPr lang="ko-KR" altLang="en-US">
-                  <a:latin typeface="+mj-ea"/>
-                  <a:ea typeface="+mj-ea"/>
-                </a:rPr>
-                <a:t>설치허브</a:t>
-              </a:r>
-            </a:p>
-          </p:txBody>
-        </p:sp>
-        <p:sp>
-          <p:nvSpPr>
-            <p:cNvPr id="75" name="TextBox 74"/>
-            <p:cNvSpPr txBox="1"/>
-            <p:nvPr/>
-          </p:nvSpPr>
-          <p:spPr>
-            <a:xfrm>
-              <a:off x="7282821" y="2750285"/>
-              <a:ext cx="415498" cy="369332"/>
-            </a:xfrm>
-            <a:prstGeom prst="rect">
-              <a:avLst/>
-            </a:prstGeom>
-            <a:noFill/>
-          </p:spPr>
-          <p:txBody>
-            <a:bodyPr wrap="none" rtlCol="0">
-              <a:spAutoFit/>
-            </a:bodyPr>
-            <a:lstStyle/>
-            <a:p>
-              <a:r>
-                <a:rPr lang="ko-KR" altLang="en-US">
-                  <a:latin typeface="+mj-ea"/>
-                  <a:ea typeface="+mj-ea"/>
-                </a:rPr>
-                <a:t>방</a:t>
-              </a:r>
-            </a:p>
-          </p:txBody>
-        </p:sp>
-        <p:sp>
-          <p:nvSpPr>
-            <p:cNvPr id="76" name="TextBox 75"/>
-            <p:cNvSpPr txBox="1"/>
-            <p:nvPr/>
-          </p:nvSpPr>
-          <p:spPr>
-            <a:xfrm>
-              <a:off x="4166611" y="2486145"/>
-              <a:ext cx="646331" cy="369332"/>
-            </a:xfrm>
-            <a:prstGeom prst="rect">
-              <a:avLst/>
-            </a:prstGeom>
-            <a:noFill/>
-          </p:spPr>
-          <p:txBody>
-            <a:bodyPr wrap="none" rtlCol="0">
-              <a:spAutoFit/>
-            </a:bodyPr>
-            <a:lstStyle/>
-            <a:p>
-              <a:r>
-                <a:rPr lang="ko-KR" altLang="en-US">
-                  <a:latin typeface="+mj-ea"/>
-                  <a:ea typeface="+mj-ea"/>
-                </a:rPr>
-                <a:t>거실</a:t>
-              </a:r>
-            </a:p>
-          </p:txBody>
-        </p:sp>
-        <p:grpSp>
-          <p:nvGrpSpPr>
-            <p:cNvPr id="11" name="그룹 10"/>
-            <p:cNvGrpSpPr/>
-            <p:nvPr/>
-          </p:nvGrpSpPr>
-          <p:grpSpPr>
-            <a:xfrm>
-              <a:off x="7377443" y="2980058"/>
-              <a:ext cx="2610010" cy="1233737"/>
-              <a:chOff x="7273249" y="2614877"/>
-              <a:chExt cx="2610010" cy="1233737"/>
-            </a:xfrm>
-          </p:grpSpPr>
-          <p:pic>
-            <p:nvPicPr>
-              <p:cNvPr id="78" name="그림 77"/>
-              <p:cNvPicPr>
-                <a:picLocks noChangeAspect="1"/>
-              </p:cNvPicPr>
-              <p:nvPr/>
-            </p:nvPicPr>
-            <p:blipFill>
-              <a:blip r:embed="rId4"/>
-              <a:stretch>
-                <a:fillRect/>
-              </a:stretch>
-            </p:blipFill>
-            <p:spPr>
-              <a:xfrm>
-                <a:off x="7638056" y="2934700"/>
-                <a:ext cx="470421" cy="470421"/>
-              </a:xfrm>
-              <a:prstGeom prst="rect">
-                <a:avLst/>
-              </a:prstGeom>
-            </p:spPr>
-          </p:pic>
-          <p:grpSp>
-            <p:nvGrpSpPr>
-              <p:cNvPr id="79" name="그룹 78"/>
-              <p:cNvGrpSpPr/>
-              <p:nvPr/>
-            </p:nvGrpSpPr>
-            <p:grpSpPr>
-              <a:xfrm>
-                <a:off x="8041274" y="2614877"/>
-                <a:ext cx="775360" cy="877350"/>
-                <a:chOff x="3286296" y="2894627"/>
-                <a:chExt cx="1722417" cy="1437963"/>
-              </a:xfrm>
-            </p:grpSpPr>
-            <p:pic>
-              <p:nvPicPr>
-                <p:cNvPr id="90" name="그림 89" descr="Server Web Network - Free vector graphic on Pixabay"/>
-                <p:cNvPicPr>
-                  <a:picLocks noChangeAspect="1"/>
-                </p:cNvPicPr>
-                <p:nvPr/>
-              </p:nvPicPr>
-              <p:blipFill>
-                <a:blip r:embed="rId5" cstate="print">
-                  <a:extLst>
-                    <a:ext uri="{28A0092B-C50C-407E-A947-70E740481C1C}">
-                      <a14:useLocalDpi xmlns:a14="http://schemas.microsoft.com/office/drawing/2010/main" val="0"/>
-                    </a:ext>
-                  </a:extLst>
-                </a:blip>
-                <a:stretch>
-                  <a:fillRect/>
-                </a:stretch>
-              </p:blipFill>
-              <p:spPr>
-                <a:xfrm>
-                  <a:off x="3286296" y="2898233"/>
-                  <a:ext cx="832092" cy="1170130"/>
-                </a:xfrm>
-                <a:prstGeom prst="rect">
-                  <a:avLst/>
-                </a:prstGeom>
-              </p:spPr>
-            </p:pic>
-            <p:pic>
-              <p:nvPicPr>
-                <p:cNvPr id="91" name="Picture 20" descr="j0431566[1]"/>
-                <p:cNvPicPr>
-                  <a:picLocks noChangeAspect="1" noChangeArrowheads="1"/>
-                </p:cNvPicPr>
-                <p:nvPr/>
-              </p:nvPicPr>
-              <p:blipFill>
-                <a:blip r:embed="rId6">
-                  <a:extLst>
-                    <a:ext uri="{28A0092B-C50C-407E-A947-70E740481C1C}">
-                      <a14:useLocalDpi xmlns:a14="http://schemas.microsoft.com/office/drawing/2010/main" val="0"/>
-                    </a:ext>
-                  </a:extLst>
-                </a:blip>
-                <a:srcRect/>
-                <a:stretch>
-                  <a:fillRect/>
-                </a:stretch>
-              </p:blipFill>
-              <p:spPr bwMode="auto">
-                <a:xfrm>
-                  <a:off x="3582572" y="2894627"/>
-                  <a:ext cx="1426141" cy="1437963"/>
-                </a:xfrm>
-                <a:prstGeom prst="rect">
-                  <a:avLst/>
-                </a:prstGeom>
-                <a:noFill/>
-                <a:ln>
-                  <a:noFill/>
-                </a:ln>
-                <a:extLst>
-                  <a:ext uri="{909E8E84-426E-40DD-AFC4-6F175D3DCCD1}">
-                    <a14:hiddenFill xmlns:a14="http://schemas.microsoft.com/office/drawing/2010/main">
-                      <a:solidFill>
-                        <a:srgbClr val="FFFFFF"/>
-                      </a:solidFill>
-                    </a14:hiddenFill>
-                  </a:ext>
-                  <a:ext uri="{91240B29-F687-4F45-9708-019B960494DF}">
-                    <a14:hiddenLine xmlns:a14="http://schemas.microsoft.com/office/drawing/2010/main" w="9525">
-                      <a:solidFill>
-                        <a:srgbClr val="000000"/>
-                      </a:solidFill>
-                      <a:miter lim="800000"/>
-                      <a:headEnd/>
-                      <a:tailEnd/>
-                    </a14:hiddenLine>
-                  </a:ext>
-                </a:extLst>
-              </p:spPr>
-            </p:pic>
-          </p:grpSp>
-          <p:sp>
-            <p:nvSpPr>
-              <p:cNvPr id="81" name="TextBox 80"/>
-              <p:cNvSpPr txBox="1"/>
-              <p:nvPr/>
-            </p:nvSpPr>
-            <p:spPr>
-              <a:xfrm>
-                <a:off x="7273249" y="3479282"/>
-                <a:ext cx="2610010" cy="369332"/>
-              </a:xfrm>
-              <a:prstGeom prst="rect">
-                <a:avLst/>
-              </a:prstGeom>
-              <a:noFill/>
-            </p:spPr>
-            <p:txBody>
-              <a:bodyPr wrap="none" rtlCol="0">
-                <a:spAutoFit/>
-              </a:bodyPr>
-              <a:lstStyle/>
-              <a:p>
-                <a:r>
-                  <a:rPr lang="en-US" altLang="ko-KR">
-                    <a:latin typeface="+mj-ea"/>
-                    <a:ea typeface="+mj-ea"/>
-                  </a:rPr>
-                  <a:t>IP </a:t>
-                </a:r>
-                <a:r>
-                  <a:rPr lang="ko-KR" altLang="en-US">
-                    <a:latin typeface="+mj-ea"/>
-                    <a:ea typeface="+mj-ea"/>
-                  </a:rPr>
-                  <a:t>주소 </a:t>
-                </a:r>
-                <a:r>
-                  <a:rPr lang="en-US" altLang="ko-KR">
-                    <a:latin typeface="+mj-ea"/>
-                    <a:ea typeface="+mj-ea"/>
-                  </a:rPr>
-                  <a:t>= 192.168.0.xxx</a:t>
-                </a:r>
-                <a:endParaRPr lang="ko-KR" altLang="en-US">
-                  <a:latin typeface="+mj-ea"/>
-                  <a:ea typeface="+mj-ea"/>
-                </a:endParaRPr>
-              </a:p>
-            </p:txBody>
-          </p:sp>
-        </p:grpSp>
-        <p:cxnSp>
-          <p:nvCxnSpPr>
-            <p:cNvPr id="82" name="직선 연결선 81"/>
-            <p:cNvCxnSpPr/>
-            <p:nvPr/>
-          </p:nvCxnSpPr>
-          <p:spPr>
-            <a:xfrm flipV="1">
-              <a:off x="5506207" y="3658499"/>
-              <a:ext cx="2350841" cy="941515"/>
-            </a:xfrm>
-            <a:prstGeom prst="line">
-              <a:avLst/>
-            </a:prstGeom>
-            <a:ln w="38100">
-              <a:prstDash val="sysDot"/>
-            </a:ln>
-          </p:spPr>
-          <p:style>
-            <a:lnRef idx="1">
-              <a:schemeClr val="accent1"/>
-            </a:lnRef>
-            <a:fillRef idx="0">
-              <a:schemeClr val="accent1"/>
-            </a:fillRef>
-            <a:effectRef idx="0">
-              <a:schemeClr val="accent1"/>
-            </a:effectRef>
-            <a:fontRef idx="minor">
-              <a:schemeClr val="tx1"/>
-            </a:fontRef>
-          </p:style>
-        </p:cxnSp>
-        <p:sp>
-          <p:nvSpPr>
-            <p:cNvPr id="84" name="TextBox 83"/>
-            <p:cNvSpPr txBox="1"/>
-            <p:nvPr/>
-          </p:nvSpPr>
-          <p:spPr>
-            <a:xfrm>
-              <a:off x="5968896" y="2991781"/>
-              <a:ext cx="549381" cy="307777"/>
-            </a:xfrm>
-            <a:prstGeom prst="rect">
-              <a:avLst/>
-            </a:prstGeom>
-            <a:solidFill>
-              <a:schemeClr val="bg1"/>
-            </a:solidFill>
-          </p:spPr>
-          <p:txBody>
-            <a:bodyPr wrap="none" rtlCol="0">
-              <a:spAutoFit/>
-            </a:bodyPr>
-            <a:lstStyle/>
-            <a:p>
-              <a:r>
-                <a:rPr lang="en-US" altLang="ko-KR" sz="1400">
-                  <a:latin typeface="+mn-ea"/>
-                  <a:ea typeface="+mn-ea"/>
-                </a:rPr>
-                <a:t>IPTV</a:t>
-              </a:r>
-              <a:endParaRPr lang="ko-KR" altLang="en-US" sz="1400">
-                <a:latin typeface="+mn-ea"/>
-                <a:ea typeface="+mn-ea"/>
-              </a:endParaRPr>
-            </a:p>
-          </p:txBody>
-        </p:sp>
-        <p:grpSp>
-          <p:nvGrpSpPr>
-            <p:cNvPr id="85" name="그룹 84"/>
-            <p:cNvGrpSpPr/>
-            <p:nvPr/>
-          </p:nvGrpSpPr>
-          <p:grpSpPr>
-            <a:xfrm>
-              <a:off x="5069329" y="2391228"/>
-              <a:ext cx="1208157" cy="1443315"/>
-              <a:chOff x="5040210" y="2166203"/>
-              <a:chExt cx="1208157" cy="1443315"/>
-            </a:xfrm>
-          </p:grpSpPr>
-          <p:pic>
-            <p:nvPicPr>
-              <p:cNvPr id="86" name="그림 85" descr="olleh tv"/>
-              <p:cNvPicPr>
-                <a:picLocks noChangeAspect="1"/>
-              </p:cNvPicPr>
-              <p:nvPr/>
-            </p:nvPicPr>
-            <p:blipFill>
-              <a:blip r:embed="rId7" cstate="print">
-                <a:extLst>
-                  <a:ext uri="{28A0092B-C50C-407E-A947-70E740481C1C}">
-                    <a14:useLocalDpi xmlns:a14="http://schemas.microsoft.com/office/drawing/2010/main" val="0"/>
-                  </a:ext>
-                </a:extLst>
-              </a:blip>
-              <a:stretch>
-                <a:fillRect/>
-              </a:stretch>
-            </p:blipFill>
-            <p:spPr>
-              <a:xfrm>
-                <a:off x="5349049" y="2996050"/>
-                <a:ext cx="899318" cy="613468"/>
-              </a:xfrm>
-              <a:prstGeom prst="rect">
-                <a:avLst/>
-              </a:prstGeom>
-            </p:spPr>
-          </p:pic>
-          <p:cxnSp>
-            <p:nvCxnSpPr>
-              <p:cNvPr id="87" name="직선 연결선 86"/>
-              <p:cNvCxnSpPr/>
-              <p:nvPr/>
-            </p:nvCxnSpPr>
-            <p:spPr>
-              <a:xfrm flipV="1">
-                <a:off x="5040210" y="3314734"/>
-                <a:ext cx="398064" cy="118740"/>
-              </a:xfrm>
-              <a:prstGeom prst="line">
-                <a:avLst/>
-              </a:prstGeom>
-              <a:ln w="38100"/>
-            </p:spPr>
-            <p:style>
-              <a:lnRef idx="1">
-                <a:schemeClr val="accent1"/>
-              </a:lnRef>
-              <a:fillRef idx="0">
-                <a:schemeClr val="accent1"/>
-              </a:fillRef>
-              <a:effectRef idx="0">
-                <a:schemeClr val="accent1"/>
-              </a:effectRef>
-              <a:fontRef idx="minor">
-                <a:schemeClr val="tx1"/>
-              </a:fontRef>
-            </p:style>
-          </p:cxnSp>
-          <p:pic>
-            <p:nvPicPr>
-              <p:cNvPr id="88" name="그림 87" descr="&lt;strong&gt;LG&lt;/strong&gt; LCD &lt;strong&gt;TV&lt;/strong&gt; (LH50_brown) | &lt;strong&gt;LG&lt;/strong&gt;전자 | Flickr"/>
-              <p:cNvPicPr>
-                <a:picLocks noChangeAspect="1"/>
-              </p:cNvPicPr>
-              <p:nvPr/>
-            </p:nvPicPr>
-            <p:blipFill>
-              <a:blip r:embed="rId8" cstate="print">
-                <a:extLst>
-                  <a:ext uri="{28A0092B-C50C-407E-A947-70E740481C1C}">
-                    <a14:useLocalDpi xmlns:a14="http://schemas.microsoft.com/office/drawing/2010/main" val="0"/>
-                  </a:ext>
-                </a:extLst>
-              </a:blip>
-              <a:stretch>
-                <a:fillRect/>
-              </a:stretch>
-            </p:blipFill>
-            <p:spPr>
-              <a:xfrm>
-                <a:off x="5234286" y="2166203"/>
-                <a:ext cx="922020" cy="678009"/>
-              </a:xfrm>
-              <a:prstGeom prst="rect">
-                <a:avLst/>
-              </a:prstGeom>
-            </p:spPr>
-          </p:pic>
-          <p:cxnSp>
-            <p:nvCxnSpPr>
-              <p:cNvPr id="89" name="직선 연결선 88"/>
-              <p:cNvCxnSpPr/>
-              <p:nvPr/>
-            </p:nvCxnSpPr>
-            <p:spPr>
-              <a:xfrm flipV="1">
-                <a:off x="5695296" y="2785345"/>
-                <a:ext cx="0" cy="280624"/>
-              </a:xfrm>
-              <a:prstGeom prst="line">
-                <a:avLst/>
-              </a:prstGeom>
-              <a:ln w="38100"/>
-            </p:spPr>
-            <p:style>
-              <a:lnRef idx="1">
-                <a:schemeClr val="accent1"/>
-              </a:lnRef>
-              <a:fillRef idx="0">
-                <a:schemeClr val="accent1"/>
-              </a:fillRef>
-              <a:effectRef idx="0">
-                <a:schemeClr val="accent1"/>
-              </a:effectRef>
-              <a:fontRef idx="minor">
-                <a:schemeClr val="tx1"/>
-              </a:fontRef>
-            </p:style>
-          </p:cxnSp>
-        </p:grpSp>
-        <p:sp>
-          <p:nvSpPr>
-            <p:cNvPr id="95" name="TextBox 94"/>
-            <p:cNvSpPr txBox="1"/>
-            <p:nvPr/>
-          </p:nvSpPr>
-          <p:spPr>
-            <a:xfrm>
-              <a:off x="7387601" y="5550236"/>
-              <a:ext cx="2610010" cy="369332"/>
-            </a:xfrm>
-            <a:prstGeom prst="rect">
-              <a:avLst/>
-            </a:prstGeom>
-            <a:noFill/>
-          </p:spPr>
-          <p:txBody>
-            <a:bodyPr wrap="none" rtlCol="0">
-              <a:spAutoFit/>
-            </a:bodyPr>
-            <a:lstStyle/>
-            <a:p>
-              <a:r>
-                <a:rPr lang="en-US" altLang="ko-KR">
-                  <a:latin typeface="+mj-ea"/>
-                  <a:ea typeface="+mj-ea"/>
-                </a:rPr>
-                <a:t>IP </a:t>
-              </a:r>
-              <a:r>
-                <a:rPr lang="ko-KR" altLang="en-US">
-                  <a:latin typeface="+mj-ea"/>
-                  <a:ea typeface="+mj-ea"/>
-                </a:rPr>
-                <a:t>주소 </a:t>
-              </a:r>
-              <a:r>
-                <a:rPr lang="en-US" altLang="ko-KR">
-                  <a:latin typeface="+mj-ea"/>
-                  <a:ea typeface="+mj-ea"/>
-                </a:rPr>
-                <a:t>= 192.168.0.xxx</a:t>
-              </a:r>
-              <a:endParaRPr lang="ko-KR" altLang="en-US">
-                <a:latin typeface="+mj-ea"/>
-                <a:ea typeface="+mj-ea"/>
-              </a:endParaRPr>
-            </a:p>
-          </p:txBody>
-        </p:sp>
-        <p:pic>
-          <p:nvPicPr>
-            <p:cNvPr id="96" name="그림 95" descr="Laptop | Free Stock Photo | Illustration of a laptop computer | # 17116"/>
-            <p:cNvPicPr>
-              <a:picLocks noChangeAspect="1"/>
-            </p:cNvPicPr>
-            <p:nvPr/>
-          </p:nvPicPr>
-          <p:blipFill>
-            <a:blip r:embed="rId9" cstate="print">
-              <a:extLst>
-                <a:ext uri="{28A0092B-C50C-407E-A947-70E740481C1C}">
-                  <a14:useLocalDpi xmlns:a14="http://schemas.microsoft.com/office/drawing/2010/main" val="0"/>
-                </a:ext>
-              </a:extLst>
-            </a:blip>
-            <a:stretch>
-              <a:fillRect/>
-            </a:stretch>
-          </p:blipFill>
-          <p:spPr>
-            <a:xfrm>
-              <a:off x="8048558" y="4863840"/>
-              <a:ext cx="728320" cy="675102"/>
-            </a:xfrm>
-            <a:prstGeom prst="rect">
-              <a:avLst/>
-            </a:prstGeom>
-          </p:spPr>
-        </p:pic>
-        <p:sp>
-          <p:nvSpPr>
-            <p:cNvPr id="98" name="모서리가 둥근 직사각형 97"/>
-            <p:cNvSpPr/>
-            <p:nvPr/>
-          </p:nvSpPr>
-          <p:spPr>
-            <a:xfrm>
-              <a:off x="7168243" y="4536553"/>
-              <a:ext cx="3012621" cy="1547810"/>
-            </a:xfrm>
-            <a:prstGeom prst="roundRect">
-              <a:avLst/>
-            </a:prstGeom>
-            <a:noFill/>
-            <a:effectLst/>
-          </p:spPr>
-          <p:style>
-            <a:lnRef idx="1">
-              <a:schemeClr val="accent1"/>
-            </a:lnRef>
-            <a:fillRef idx="2">
-              <a:schemeClr val="accent1"/>
-            </a:fillRef>
-            <a:effectRef idx="1">
-              <a:schemeClr val="accent1"/>
-            </a:effectRef>
-            <a:fontRef idx="minor">
-              <a:schemeClr val="dk1"/>
-            </a:fontRef>
-          </p:style>
-          <p:txBody>
-            <a:bodyPr rot="0" spcFirstLastPara="0" vertOverflow="overflow" horzOverflow="overflow" vert="horz" wrap="square" lIns="91440" tIns="45720" rIns="91440" bIns="45720" numCol="1" spcCol="0" rtlCol="0" fromWordArt="0" anchor="ctr" anchorCtr="0" forceAA="0" compatLnSpc="1">
-              <a:prstTxWarp prst="textNoShape">
-                <a:avLst/>
-              </a:prstTxWarp>
-              <a:noAutofit/>
-            </a:bodyPr>
-            <a:lstStyle/>
-            <a:p>
-              <a:pPr algn="ctr"/>
-              <a:endParaRPr lang="ko-KR" altLang="en-US">
-                <a:latin typeface="+mj-ea"/>
-                <a:ea typeface="+mj-ea"/>
-              </a:endParaRPr>
-            </a:p>
-          </p:txBody>
-        </p:sp>
-        <p:sp>
-          <p:nvSpPr>
-            <p:cNvPr id="73" name="TextBox 72"/>
-            <p:cNvSpPr txBox="1"/>
-            <p:nvPr/>
-          </p:nvSpPr>
-          <p:spPr>
-            <a:xfrm>
-              <a:off x="3461905" y="4958632"/>
-              <a:ext cx="2266967" cy="369332"/>
-            </a:xfrm>
-            <a:prstGeom prst="rect">
-              <a:avLst/>
-            </a:prstGeom>
-            <a:noFill/>
-          </p:spPr>
-          <p:txBody>
-            <a:bodyPr wrap="none" rtlCol="0">
-              <a:spAutoFit/>
-            </a:bodyPr>
-            <a:lstStyle/>
-            <a:p>
-              <a:r>
-                <a:rPr lang="ko-KR" altLang="en-US">
-                  <a:latin typeface="+mj-ea"/>
-                  <a:ea typeface="+mj-ea"/>
-                </a:rPr>
-                <a:t>공유기 </a:t>
-              </a:r>
-              <a:r>
-                <a:rPr lang="en-US" altLang="ko-KR">
-                  <a:latin typeface="+mj-ea"/>
-                  <a:ea typeface="+mj-ea"/>
-                </a:rPr>
-                <a:t>(192.168.0.1)</a:t>
-              </a:r>
-              <a:endParaRPr lang="ko-KR" altLang="en-US">
-                <a:latin typeface="+mj-ea"/>
-                <a:ea typeface="+mj-ea"/>
-              </a:endParaRPr>
-            </a:p>
-          </p:txBody>
-        </p:sp>
-      </p:grpSp>
-      <p:cxnSp>
-        <p:nvCxnSpPr>
-          <p:cNvPr id="103" name="직선 연결선 102"/>
-          <p:cNvCxnSpPr/>
-          <p:nvPr/>
-        </p:nvCxnSpPr>
-        <p:spPr>
-          <a:xfrm>
-            <a:off x="5600945" y="4779150"/>
-            <a:ext cx="2447613" cy="422241"/>
-          </a:xfrm>
-          <a:prstGeom prst="line">
-            <a:avLst/>
-          </a:prstGeom>
-          <a:ln w="38100">
-            <a:prstDash val="sysDot"/>
-          </a:ln>
-        </p:spPr>
-        <p:style>
-          <a:lnRef idx="1">
-            <a:schemeClr val="accent1"/>
-          </a:lnRef>
-          <a:fillRef idx="0">
-            <a:schemeClr val="accent1"/>
-          </a:fillRef>
-          <a:effectRef idx="0">
-            <a:schemeClr val="accent1"/>
-          </a:effectRef>
-          <a:fontRef idx="minor">
-            <a:schemeClr val="tx1"/>
-          </a:fontRef>
-        </p:style>
-      </p:cxnSp>
-      <p:sp>
-        <p:nvSpPr>
-          <p:cNvPr id="104" name="TextBox 103"/>
-          <p:cNvSpPr txBox="1"/>
-          <p:nvPr/>
-        </p:nvSpPr>
-        <p:spPr>
-          <a:xfrm>
-            <a:off x="3456486" y="4333114"/>
-            <a:ext cx="1478290" cy="307777"/>
-          </a:xfrm>
-          <a:prstGeom prst="rect">
-            <a:avLst/>
-          </a:prstGeom>
-          <a:noFill/>
-        </p:spPr>
-        <p:txBody>
-          <a:bodyPr wrap="none" rtlCol="0">
-            <a:spAutoFit/>
-          </a:bodyPr>
-          <a:lstStyle/>
-          <a:p>
-            <a:r>
-              <a:rPr lang="en-US" altLang="ko-KR" sz="1400">
-                <a:latin typeface="+mn-ea"/>
-                <a:ea typeface="+mn-ea"/>
-              </a:rPr>
-              <a:t>IP=14.38.xxx.xxx</a:t>
-            </a:r>
-            <a:endParaRPr lang="ko-KR" altLang="en-US" sz="1400">
-              <a:latin typeface="+mn-ea"/>
-              <a:ea typeface="+mn-ea"/>
-            </a:endParaRPr>
-          </a:p>
-        </p:txBody>
-      </p:sp>
-      <p:pic>
-        <p:nvPicPr>
-          <p:cNvPr id="105" name="그림 104" descr="&lt;strong&gt;스마트폰&lt;/strong&gt; 터치 스크린 통신 · Pixabay의 무료 벡터 그래픽"/>
-          <p:cNvPicPr>
-            <a:picLocks noChangeAspect="1"/>
-          </p:cNvPicPr>
-          <p:nvPr/>
-        </p:nvPicPr>
-        <p:blipFill>
-          <a:blip r:embed="rId10" cstate="print">
-            <a:extLst>
-              <a:ext uri="{28A0092B-C50C-407E-A947-70E740481C1C}">
-                <a14:useLocalDpi xmlns:a14="http://schemas.microsoft.com/office/drawing/2010/main" val="0"/>
-              </a:ext>
-            </a:extLst>
-          </a:blip>
-          <a:stretch>
-            <a:fillRect/>
-          </a:stretch>
-        </p:blipFill>
-        <p:spPr>
-          <a:xfrm>
-            <a:off x="6320808" y="5442683"/>
-            <a:ext cx="380703" cy="577065"/>
-          </a:xfrm>
-          <a:prstGeom prst="rect">
-            <a:avLst/>
-          </a:prstGeom>
-        </p:spPr>
-      </p:pic>
-      <p:cxnSp>
-        <p:nvCxnSpPr>
-          <p:cNvPr id="106" name="직선 연결선 105"/>
-          <p:cNvCxnSpPr>
-            <a:endCxn id="105" idx="0"/>
-          </p:cNvCxnSpPr>
-          <p:nvPr/>
-        </p:nvCxnSpPr>
-        <p:spPr>
-          <a:xfrm>
-            <a:off x="5378168" y="4863840"/>
-            <a:ext cx="1132992" cy="578843"/>
-          </a:xfrm>
-          <a:prstGeom prst="line">
-            <a:avLst/>
-          </a:prstGeom>
-          <a:ln w="38100">
-            <a:prstDash val="sysDot"/>
-          </a:ln>
-        </p:spPr>
-        <p:style>
-          <a:lnRef idx="1">
-            <a:schemeClr val="accent1"/>
-          </a:lnRef>
-          <a:fillRef idx="0">
-            <a:schemeClr val="accent1"/>
-          </a:fillRef>
-          <a:effectRef idx="0">
-            <a:schemeClr val="accent1"/>
-          </a:effectRef>
-          <a:fontRef idx="minor">
-            <a:schemeClr val="tx1"/>
-          </a:fontRef>
-        </p:style>
-      </p:cxnSp>
-      <p:grpSp>
-        <p:nvGrpSpPr>
-          <p:cNvPr id="108" name="그룹 107"/>
-          <p:cNvGrpSpPr/>
-          <p:nvPr/>
-        </p:nvGrpSpPr>
-        <p:grpSpPr>
-          <a:xfrm>
-            <a:off x="4910502" y="4876511"/>
-            <a:ext cx="775360" cy="1439839"/>
-            <a:chOff x="6059941" y="1825838"/>
-            <a:chExt cx="775360" cy="1439839"/>
-          </a:xfrm>
-        </p:grpSpPr>
-        <p:pic>
-          <p:nvPicPr>
-            <p:cNvPr id="109" name="그림 108" descr="Server Web Network - Free vector graphic on Pixabay"/>
-            <p:cNvPicPr>
-              <a:picLocks noChangeAspect="1"/>
-            </p:cNvPicPr>
-            <p:nvPr/>
-          </p:nvPicPr>
-          <p:blipFill>
-            <a:blip r:embed="rId5" cstate="print">
-              <a:extLst>
-                <a:ext uri="{28A0092B-C50C-407E-A947-70E740481C1C}">
-                  <a14:useLocalDpi xmlns:a14="http://schemas.microsoft.com/office/drawing/2010/main" val="0"/>
-                </a:ext>
-              </a:extLst>
-            </a:blip>
-            <a:stretch>
-              <a:fillRect/>
-            </a:stretch>
-          </p:blipFill>
-          <p:spPr>
-            <a:xfrm>
-              <a:off x="6059941" y="2390527"/>
-              <a:ext cx="374573" cy="713936"/>
-            </a:xfrm>
-            <a:prstGeom prst="rect">
-              <a:avLst/>
-            </a:prstGeom>
-          </p:spPr>
-        </p:pic>
-        <p:pic>
-          <p:nvPicPr>
-            <p:cNvPr id="110" name="Picture 20" descr="j0431566[1]"/>
-            <p:cNvPicPr>
-              <a:picLocks noChangeAspect="1" noChangeArrowheads="1"/>
-            </p:cNvPicPr>
-            <p:nvPr/>
-          </p:nvPicPr>
-          <p:blipFill>
-            <a:blip r:embed="rId6">
-              <a:extLst>
-                <a:ext uri="{28A0092B-C50C-407E-A947-70E740481C1C}">
-                  <a14:useLocalDpi xmlns:a14="http://schemas.microsoft.com/office/drawing/2010/main" val="0"/>
-                </a:ext>
-              </a:extLst>
-            </a:blip>
-            <a:srcRect/>
-            <a:stretch>
-              <a:fillRect/>
-            </a:stretch>
-          </p:blipFill>
-          <p:spPr bwMode="auto">
-            <a:xfrm>
-              <a:off x="6193312" y="2388327"/>
-              <a:ext cx="641989" cy="877350"/>
-            </a:xfrm>
-            <a:prstGeom prst="rect">
-              <a:avLst/>
-            </a:prstGeom>
-            <a:noFill/>
-            <a:ln>
-              <a:noFill/>
-            </a:ln>
-            <a:extLst>
-              <a:ext uri="{909E8E84-426E-40DD-AFC4-6F175D3DCCD1}">
-                <a14:hiddenFill xmlns:a14="http://schemas.microsoft.com/office/drawing/2010/main">
-                  <a:solidFill>
-                    <a:srgbClr val="FFFFFF"/>
-                  </a:solidFill>
-                </a14:hiddenFill>
-              </a:ext>
-              <a:ext uri="{91240B29-F687-4F45-9708-019B960494DF}">
-                <a14:hiddenLine xmlns:a14="http://schemas.microsoft.com/office/drawing/2010/main" w="9525">
-                  <a:solidFill>
-                    <a:srgbClr val="000000"/>
-                  </a:solidFill>
-                  <a:miter lim="800000"/>
-                  <a:headEnd/>
-                  <a:tailEnd/>
-                </a14:hiddenLine>
-              </a:ext>
-            </a:extLst>
-          </p:spPr>
-        </p:pic>
-        <p:cxnSp>
-          <p:nvCxnSpPr>
-            <p:cNvPr id="111" name="직선 연결선 110"/>
-            <p:cNvCxnSpPr/>
-            <p:nvPr/>
-          </p:nvCxnSpPr>
-          <p:spPr>
-            <a:xfrm flipH="1">
-              <a:off x="6339749" y="1825838"/>
-              <a:ext cx="73095" cy="592472"/>
-            </a:xfrm>
-            <a:prstGeom prst="line">
-              <a:avLst/>
-            </a:prstGeom>
-            <a:ln w="38100"/>
-          </p:spPr>
-          <p:style>
-            <a:lnRef idx="1">
-              <a:schemeClr val="accent1"/>
-            </a:lnRef>
-            <a:fillRef idx="0">
-              <a:schemeClr val="accent1"/>
-            </a:fillRef>
-            <a:effectRef idx="0">
-              <a:schemeClr val="accent1"/>
-            </a:effectRef>
-            <a:fontRef idx="minor">
-              <a:schemeClr val="tx1"/>
-            </a:fontRef>
-          </p:style>
-        </p:cxnSp>
-      </p:grpSp>
-    </p:spTree>
-    <p:extLst>
-      <p:ext uri="{BB962C8B-B14F-4D97-AF65-F5344CB8AC3E}">
-        <p14:creationId xmlns:p14="http://schemas.microsoft.com/office/powerpoint/2010/main" val="962414951"/>
-      </p:ext>
-    </p:extLst>
-  </p:cSld>
-  <p:clrMapOvr>
-    <a:masterClrMapping/>
-  </p:clrMapOvr>
-</p:sld>
-</file>
-
-<file path=ppt/slides/slide5.xml><?xml version="1.0" encoding="utf-8"?>
-<p:sld xmlns:a="http://schemas.openxmlformats.org/drawingml/2006/main" xmlns:r="http://schemas.openxmlformats.org/officeDocument/2006/relationships" xmlns:p="http://schemas.openxmlformats.org/presentationml/2006/main">
-  <p:cSld>
-    <p:spTree>
-      <p:nvGrpSpPr>
-        <p:cNvPr id="1" name=""/>
-        <p:cNvGrpSpPr/>
-        <p:nvPr/>
-      </p:nvGrpSpPr>
-      <p:grpSpPr>
-        <a:xfrm>
-          <a:off x="0" y="0"/>
-          <a:ext cx="0" cy="0"/>
-          <a:chOff x="0" y="0"/>
-          <a:chExt cx="0" cy="0"/>
-        </a:xfrm>
-      </p:grpSpPr>
-      <p:sp>
-        <p:nvSpPr>
-          <p:cNvPr id="2" name="내용 개체 틀 1"/>
-          <p:cNvSpPr>
-            <a:spLocks noGrp="1"/>
-          </p:cNvSpPr>
-          <p:nvPr>
-            <p:ph idx="1"/>
-          </p:nvPr>
-        </p:nvSpPr>
-        <p:spPr/>
-        <p:txBody>
-          <a:bodyPr/>
-          <a:lstStyle/>
-          <a:p>
-            <a:r>
-              <a:rPr lang="ko-KR" altLang="en-US"/>
-              <a:t>공유기 사용 환경 예 </a:t>
-            </a:r>
-            <a:r>
-              <a:rPr lang="en-US" altLang="ko-KR"/>
-              <a:t>3 – KT </a:t>
-            </a:r>
-            <a:r>
-              <a:rPr lang="ko-KR" altLang="en-US"/>
-              <a:t>인터넷</a:t>
-            </a:r>
-            <a:r>
-              <a:rPr lang="en-US" altLang="ko-KR"/>
-              <a:t>, IPTV </a:t>
-            </a:r>
-            <a:r>
-              <a:rPr lang="ko-KR" altLang="en-US"/>
-              <a:t>사용</a:t>
-            </a:r>
-            <a:r>
-              <a:rPr lang="en-US" altLang="ko-KR"/>
-              <a:t>, IPTIME </a:t>
-            </a:r>
-            <a:r>
-              <a:rPr lang="ko-KR" altLang="en-US"/>
-              <a:t>공유기 사용</a:t>
-            </a:r>
-            <a:endParaRPr lang="en-US" altLang="ko-KR"/>
-          </a:p>
-          <a:p>
-            <a:pPr lvl="1"/>
-            <a:r>
-              <a:rPr lang="en-US" altLang="ko-KR">
-                <a:solidFill>
-                  <a:srgbClr val="FF3300"/>
-                </a:solidFill>
-              </a:rPr>
-              <a:t>PC</a:t>
-            </a:r>
-            <a:r>
-              <a:rPr lang="ko-KR" altLang="en-US">
-                <a:solidFill>
-                  <a:srgbClr val="FF3300"/>
-                </a:solidFill>
-              </a:rPr>
-              <a:t>는 유선 </a:t>
-            </a:r>
-            <a:r>
-              <a:rPr lang="en-US" altLang="ko-KR">
-                <a:solidFill>
-                  <a:srgbClr val="FF3300"/>
-                </a:solidFill>
-              </a:rPr>
-              <a:t>KT </a:t>
-            </a:r>
-            <a:r>
-              <a:rPr lang="ko-KR" altLang="en-US">
-                <a:solidFill>
-                  <a:srgbClr val="FF3300"/>
-                </a:solidFill>
-              </a:rPr>
-              <a:t>연결</a:t>
-            </a:r>
-            <a:r>
-              <a:rPr lang="en-US" altLang="ko-KR"/>
-              <a:t>, IPTIME </a:t>
-            </a:r>
-            <a:r>
-              <a:rPr lang="ko-KR" altLang="en-US"/>
-              <a:t>공유기에 유</a:t>
-            </a:r>
-            <a:r>
-              <a:rPr lang="en-US" altLang="ko-KR"/>
-              <a:t>/</a:t>
-            </a:r>
-            <a:r>
-              <a:rPr lang="ko-KR" altLang="en-US"/>
-              <a:t>무선으로 </a:t>
-            </a:r>
-            <a:r>
-              <a:rPr lang="en-US" altLang="ko-KR"/>
-              <a:t>PC, </a:t>
-            </a:r>
-            <a:r>
-              <a:rPr lang="ko-KR" altLang="en-US"/>
-              <a:t>노트북</a:t>
-            </a:r>
-            <a:r>
-              <a:rPr lang="en-US" altLang="ko-KR"/>
-              <a:t>, </a:t>
-            </a:r>
-            <a:r>
-              <a:rPr lang="ko-KR" altLang="en-US"/>
-              <a:t>스마트폰</a:t>
-            </a:r>
-            <a:endParaRPr lang="ko-KR" altLang="en-US" dirty="0"/>
-          </a:p>
-        </p:txBody>
-      </p:sp>
-      <p:sp>
-        <p:nvSpPr>
-          <p:cNvPr id="3" name="제목 2"/>
-          <p:cNvSpPr>
-            <a:spLocks noGrp="1"/>
-          </p:cNvSpPr>
-          <p:nvPr>
-            <p:ph type="title"/>
-          </p:nvPr>
-        </p:nvSpPr>
-        <p:spPr/>
-        <p:txBody>
-          <a:bodyPr>
-            <a:normAutofit fontScale="90000"/>
-          </a:bodyPr>
-          <a:lstStyle/>
-          <a:p>
-            <a:r>
-              <a:rPr lang="ko-KR" altLang="en-US"/>
-              <a:t>본인 집 환경 확인</a:t>
-            </a:r>
-            <a:endParaRPr lang="ko-KR" altLang="en-US" dirty="0"/>
-          </a:p>
-        </p:txBody>
-      </p:sp>
-      <p:grpSp>
-        <p:nvGrpSpPr>
-          <p:cNvPr id="122" name="그룹 121"/>
-          <p:cNvGrpSpPr/>
-          <p:nvPr/>
-        </p:nvGrpSpPr>
-        <p:grpSpPr>
-          <a:xfrm>
-            <a:off x="932633" y="2123855"/>
-            <a:ext cx="9552316" cy="4185465"/>
-            <a:chOff x="932633" y="2123855"/>
-            <a:chExt cx="9552316" cy="4185465"/>
-          </a:xfrm>
-        </p:grpSpPr>
-        <p:sp>
-          <p:nvSpPr>
-            <p:cNvPr id="123" name="타원 122"/>
-            <p:cNvSpPr/>
-            <p:nvPr/>
-          </p:nvSpPr>
-          <p:spPr>
-            <a:xfrm>
-              <a:off x="932633" y="3008337"/>
-              <a:ext cx="2196193" cy="1534887"/>
-            </a:xfrm>
-            <a:prstGeom prst="ellipse">
-              <a:avLst/>
-            </a:prstGeom>
-          </p:spPr>
-          <p:style>
-            <a:lnRef idx="2">
-              <a:schemeClr val="accent1"/>
-            </a:lnRef>
-            <a:fillRef idx="1">
-              <a:schemeClr val="lt1"/>
-            </a:fillRef>
-            <a:effectRef idx="0">
-              <a:schemeClr val="accent1"/>
-            </a:effectRef>
-            <a:fontRef idx="minor">
-              <a:schemeClr val="dk1"/>
-            </a:fontRef>
-          </p:style>
-          <p:txBody>
-            <a:bodyPr rtlCol="0" anchor="ctr"/>
-            <a:lstStyle/>
-            <a:p>
-              <a:pPr algn="ctr"/>
-              <a:r>
-                <a:rPr lang="en-US" altLang="ko-KR">
-                  <a:latin typeface="+mj-ea"/>
-                  <a:ea typeface="+mj-ea"/>
-                </a:rPr>
-                <a:t>KT</a:t>
-              </a:r>
-            </a:p>
-            <a:p>
-              <a:pPr algn="ctr"/>
-              <a:r>
-                <a:rPr lang="en-US" altLang="ko-KR">
-                  <a:latin typeface="+mj-ea"/>
-                  <a:ea typeface="+mj-ea"/>
-                </a:rPr>
-                <a:t>LGU+</a:t>
-              </a:r>
-            </a:p>
-            <a:p>
-              <a:pPr algn="ctr"/>
-              <a:r>
-                <a:rPr lang="en-US" altLang="ko-KR">
-                  <a:latin typeface="+mj-ea"/>
-                  <a:ea typeface="+mj-ea"/>
-                </a:rPr>
-                <a:t>SKT</a:t>
-              </a:r>
-            </a:p>
-          </p:txBody>
-        </p:sp>
-        <p:pic>
-          <p:nvPicPr>
-            <p:cNvPr id="124" name="그림 123"/>
-            <p:cNvPicPr>
-              <a:picLocks noChangeAspect="1"/>
-            </p:cNvPicPr>
-            <p:nvPr/>
-          </p:nvPicPr>
-          <p:blipFill>
-            <a:blip r:embed="rId2"/>
-            <a:stretch>
-              <a:fillRect/>
-            </a:stretch>
-          </p:blipFill>
-          <p:spPr>
-            <a:xfrm>
-              <a:off x="4166611" y="3304973"/>
-              <a:ext cx="941613" cy="941613"/>
-            </a:xfrm>
-            <a:prstGeom prst="rect">
-              <a:avLst/>
-            </a:prstGeom>
-          </p:spPr>
-        </p:pic>
-        <p:sp>
-          <p:nvSpPr>
-            <p:cNvPr id="125" name="모서리가 둥근 직사각형 124"/>
-            <p:cNvSpPr/>
-            <p:nvPr/>
-          </p:nvSpPr>
-          <p:spPr>
-            <a:xfrm>
-              <a:off x="3451859" y="2123855"/>
-              <a:ext cx="7033090" cy="4185465"/>
-            </a:xfrm>
-            <a:prstGeom prst="roundRect">
-              <a:avLst/>
-            </a:prstGeom>
-            <a:noFill/>
-          </p:spPr>
-          <p:style>
-            <a:lnRef idx="2">
-              <a:schemeClr val="accent1"/>
-            </a:lnRef>
-            <a:fillRef idx="1">
-              <a:schemeClr val="lt1"/>
-            </a:fillRef>
-            <a:effectRef idx="0">
-              <a:schemeClr val="accent1"/>
-            </a:effectRef>
-            <a:fontRef idx="minor">
-              <a:schemeClr val="dk1"/>
-            </a:fontRef>
-          </p:style>
-          <p:txBody>
-            <a:bodyPr rtlCol="0" anchor="ctr"/>
-            <a:lstStyle/>
-            <a:p>
-              <a:pPr algn="ctr"/>
-              <a:endParaRPr lang="ko-KR" altLang="en-US">
-                <a:latin typeface="+mj-ea"/>
-                <a:ea typeface="+mj-ea"/>
-              </a:endParaRPr>
-            </a:p>
-          </p:txBody>
-        </p:sp>
-        <p:sp>
-          <p:nvSpPr>
-            <p:cNvPr id="126" name="모서리가 둥근 직사각형 125"/>
-            <p:cNvSpPr/>
-            <p:nvPr/>
-          </p:nvSpPr>
-          <p:spPr>
-            <a:xfrm>
-              <a:off x="7197362" y="2698776"/>
-              <a:ext cx="3012621" cy="1547810"/>
-            </a:xfrm>
-            <a:prstGeom prst="roundRect">
-              <a:avLst/>
-            </a:prstGeom>
-            <a:noFill/>
-            <a:effectLst/>
-          </p:spPr>
-          <p:style>
-            <a:lnRef idx="1">
-              <a:schemeClr val="accent1"/>
-            </a:lnRef>
-            <a:fillRef idx="2">
-              <a:schemeClr val="accent1"/>
-            </a:fillRef>
-            <a:effectRef idx="1">
-              <a:schemeClr val="accent1"/>
-            </a:effectRef>
-            <a:fontRef idx="minor">
-              <a:schemeClr val="dk1"/>
-            </a:fontRef>
-          </p:style>
-          <p:txBody>
-            <a:bodyPr rot="0" spcFirstLastPara="0" vertOverflow="overflow" horzOverflow="overflow" vert="horz" wrap="square" lIns="91440" tIns="45720" rIns="91440" bIns="45720" numCol="1" spcCol="0" rtlCol="0" fromWordArt="0" anchor="ctr" anchorCtr="0" forceAA="0" compatLnSpc="1">
-              <a:prstTxWarp prst="textNoShape">
-                <a:avLst/>
-              </a:prstTxWarp>
-              <a:noAutofit/>
-            </a:bodyPr>
-            <a:lstStyle/>
-            <a:p>
-              <a:pPr algn="ctr"/>
-              <a:endParaRPr lang="ko-KR" altLang="en-US">
-                <a:latin typeface="+mj-ea"/>
-                <a:ea typeface="+mj-ea"/>
-              </a:endParaRPr>
-            </a:p>
-          </p:txBody>
-        </p:sp>
-        <p:cxnSp>
-          <p:nvCxnSpPr>
-            <p:cNvPr id="127" name="직선 연결선 126"/>
-            <p:cNvCxnSpPr>
-              <a:stCxn id="123" idx="6"/>
-              <a:endCxn id="124" idx="1"/>
-            </p:cNvCxnSpPr>
-            <p:nvPr/>
-          </p:nvCxnSpPr>
-          <p:spPr>
-            <a:xfrm flipV="1">
-              <a:off x="3128826" y="3775780"/>
-              <a:ext cx="1037785" cy="1"/>
-            </a:xfrm>
-            <a:prstGeom prst="line">
-              <a:avLst/>
-            </a:prstGeom>
-            <a:ln w="38100"/>
-          </p:spPr>
-          <p:style>
-            <a:lnRef idx="1">
-              <a:schemeClr val="accent1"/>
-            </a:lnRef>
-            <a:fillRef idx="0">
-              <a:schemeClr val="accent1"/>
-            </a:fillRef>
-            <a:effectRef idx="0">
-              <a:schemeClr val="accent1"/>
-            </a:effectRef>
-            <a:fontRef idx="minor">
-              <a:schemeClr val="tx1"/>
-            </a:fontRef>
-          </p:style>
-        </p:cxnSp>
-        <p:pic>
-          <p:nvPicPr>
-            <p:cNvPr id="128" name="그림 127"/>
-            <p:cNvPicPr>
-              <a:picLocks noChangeAspect="1"/>
-            </p:cNvPicPr>
-            <p:nvPr/>
-          </p:nvPicPr>
-          <p:blipFill>
-            <a:blip r:embed="rId3"/>
-            <a:stretch>
-              <a:fillRect/>
-            </a:stretch>
-          </p:blipFill>
-          <p:spPr>
-            <a:xfrm>
-              <a:off x="4787095" y="4132748"/>
-              <a:ext cx="956582" cy="867409"/>
-            </a:xfrm>
-            <a:prstGeom prst="rect">
-              <a:avLst/>
-            </a:prstGeom>
-          </p:spPr>
-        </p:pic>
-        <p:cxnSp>
-          <p:nvCxnSpPr>
-            <p:cNvPr id="129" name="직선 연결선 128"/>
-            <p:cNvCxnSpPr/>
-            <p:nvPr/>
-          </p:nvCxnSpPr>
-          <p:spPr>
-            <a:xfrm>
-              <a:off x="4637417" y="3865588"/>
-              <a:ext cx="269641" cy="771865"/>
-            </a:xfrm>
-            <a:prstGeom prst="line">
-              <a:avLst/>
-            </a:prstGeom>
-            <a:ln w="38100"/>
-          </p:spPr>
-          <p:style>
-            <a:lnRef idx="1">
-              <a:schemeClr val="accent1"/>
-            </a:lnRef>
-            <a:fillRef idx="0">
-              <a:schemeClr val="accent1"/>
-            </a:fillRef>
-            <a:effectRef idx="0">
-              <a:schemeClr val="accent1"/>
-            </a:effectRef>
-            <a:fontRef idx="minor">
-              <a:schemeClr val="tx1"/>
-            </a:fontRef>
-          </p:style>
-        </p:cxnSp>
-        <p:sp>
-          <p:nvSpPr>
-            <p:cNvPr id="130" name="TextBox 129"/>
-            <p:cNvSpPr txBox="1"/>
-            <p:nvPr/>
-          </p:nvSpPr>
-          <p:spPr>
-            <a:xfrm>
-              <a:off x="3912699" y="3221074"/>
-              <a:ext cx="1449436" cy="369332"/>
-            </a:xfrm>
-            <a:prstGeom prst="rect">
-              <a:avLst/>
-            </a:prstGeom>
-            <a:noFill/>
-          </p:spPr>
-          <p:txBody>
-            <a:bodyPr wrap="none" rtlCol="0">
-              <a:spAutoFit/>
-            </a:bodyPr>
-            <a:lstStyle/>
-            <a:p>
-              <a:r>
-                <a:rPr lang="en-US" altLang="ko-KR">
-                  <a:latin typeface="+mj-ea"/>
-                  <a:ea typeface="+mj-ea"/>
-                </a:rPr>
-                <a:t>KT </a:t>
-              </a:r>
-              <a:r>
-                <a:rPr lang="ko-KR" altLang="en-US">
-                  <a:latin typeface="+mj-ea"/>
-                  <a:ea typeface="+mj-ea"/>
-                </a:rPr>
-                <a:t>설치허브</a:t>
-              </a:r>
-            </a:p>
-          </p:txBody>
-        </p:sp>
-        <p:sp>
-          <p:nvSpPr>
-            <p:cNvPr id="132" name="TextBox 131"/>
-            <p:cNvSpPr txBox="1"/>
-            <p:nvPr/>
-          </p:nvSpPr>
-          <p:spPr>
-            <a:xfrm>
-              <a:off x="7282821" y="2750285"/>
-              <a:ext cx="415498" cy="369332"/>
-            </a:xfrm>
-            <a:prstGeom prst="rect">
-              <a:avLst/>
-            </a:prstGeom>
-            <a:noFill/>
-          </p:spPr>
-          <p:txBody>
-            <a:bodyPr wrap="none" rtlCol="0">
-              <a:spAutoFit/>
-            </a:bodyPr>
-            <a:lstStyle/>
-            <a:p>
-              <a:r>
-                <a:rPr lang="ko-KR" altLang="en-US">
-                  <a:latin typeface="+mj-ea"/>
-                  <a:ea typeface="+mj-ea"/>
-                </a:rPr>
-                <a:t>방</a:t>
-              </a:r>
-            </a:p>
-          </p:txBody>
-        </p:sp>
-        <p:sp>
-          <p:nvSpPr>
-            <p:cNvPr id="133" name="TextBox 132"/>
-            <p:cNvSpPr txBox="1"/>
-            <p:nvPr/>
-          </p:nvSpPr>
-          <p:spPr>
-            <a:xfrm>
-              <a:off x="4166611" y="2486145"/>
-              <a:ext cx="646331" cy="369332"/>
-            </a:xfrm>
-            <a:prstGeom prst="rect">
-              <a:avLst/>
-            </a:prstGeom>
-            <a:noFill/>
-          </p:spPr>
-          <p:txBody>
-            <a:bodyPr wrap="none" rtlCol="0">
-              <a:spAutoFit/>
-            </a:bodyPr>
-            <a:lstStyle/>
-            <a:p>
-              <a:r>
-                <a:rPr lang="ko-KR" altLang="en-US">
-                  <a:latin typeface="+mj-ea"/>
-                  <a:ea typeface="+mj-ea"/>
-                </a:rPr>
-                <a:t>거실</a:t>
-              </a:r>
-            </a:p>
-          </p:txBody>
-        </p:sp>
-        <p:grpSp>
-          <p:nvGrpSpPr>
-            <p:cNvPr id="134" name="그룹 133"/>
-            <p:cNvGrpSpPr/>
-            <p:nvPr/>
-          </p:nvGrpSpPr>
-          <p:grpSpPr>
-            <a:xfrm>
-              <a:off x="7377443" y="2980058"/>
-              <a:ext cx="2552302" cy="1233737"/>
-              <a:chOff x="7273249" y="2614877"/>
-              <a:chExt cx="2552302" cy="1233737"/>
-            </a:xfrm>
-          </p:grpSpPr>
-          <p:grpSp>
-            <p:nvGrpSpPr>
-              <p:cNvPr id="147" name="그룹 146"/>
-              <p:cNvGrpSpPr/>
-              <p:nvPr/>
-            </p:nvGrpSpPr>
-            <p:grpSpPr>
-              <a:xfrm>
-                <a:off x="8041274" y="2614877"/>
-                <a:ext cx="775360" cy="877350"/>
-                <a:chOff x="3286296" y="2894627"/>
-                <a:chExt cx="1722417" cy="1437963"/>
-              </a:xfrm>
-            </p:grpSpPr>
-            <p:pic>
-              <p:nvPicPr>
-                <p:cNvPr id="149" name="그림 148" descr="Server Web Network - Free vector graphic on Pixabay"/>
-                <p:cNvPicPr>
-                  <a:picLocks noChangeAspect="1"/>
-                </p:cNvPicPr>
-                <p:nvPr/>
-              </p:nvPicPr>
-              <p:blipFill>
-                <a:blip r:embed="rId4" cstate="print">
-                  <a:extLst>
-                    <a:ext uri="{28A0092B-C50C-407E-A947-70E740481C1C}">
-                      <a14:useLocalDpi xmlns:a14="http://schemas.microsoft.com/office/drawing/2010/main" val="0"/>
-                    </a:ext>
-                  </a:extLst>
-                </a:blip>
-                <a:stretch>
-                  <a:fillRect/>
-                </a:stretch>
-              </p:blipFill>
-              <p:spPr>
-                <a:xfrm>
-                  <a:off x="3286296" y="2898233"/>
-                  <a:ext cx="832092" cy="1170130"/>
-                </a:xfrm>
-                <a:prstGeom prst="rect">
-                  <a:avLst/>
-                </a:prstGeom>
-              </p:spPr>
-            </p:pic>
-            <p:pic>
-              <p:nvPicPr>
-                <p:cNvPr id="150" name="Picture 20" descr="j0431566[1]"/>
-                <p:cNvPicPr>
-                  <a:picLocks noChangeAspect="1" noChangeArrowheads="1"/>
-                </p:cNvPicPr>
-                <p:nvPr/>
-              </p:nvPicPr>
-              <p:blipFill>
-                <a:blip r:embed="rId5">
-                  <a:extLst>
-                    <a:ext uri="{28A0092B-C50C-407E-A947-70E740481C1C}">
-                      <a14:useLocalDpi xmlns:a14="http://schemas.microsoft.com/office/drawing/2010/main" val="0"/>
-                    </a:ext>
-                  </a:extLst>
-                </a:blip>
-                <a:srcRect/>
-                <a:stretch>
-                  <a:fillRect/>
-                </a:stretch>
-              </p:blipFill>
-              <p:spPr bwMode="auto">
-                <a:xfrm>
-                  <a:off x="3582572" y="2894627"/>
-                  <a:ext cx="1426141" cy="1437963"/>
-                </a:xfrm>
-                <a:prstGeom prst="rect">
-                  <a:avLst/>
-                </a:prstGeom>
-                <a:noFill/>
-                <a:ln>
-                  <a:noFill/>
-                </a:ln>
-                <a:extLst>
-                  <a:ext uri="{909E8E84-426E-40DD-AFC4-6F175D3DCCD1}">
-                    <a14:hiddenFill xmlns:a14="http://schemas.microsoft.com/office/drawing/2010/main">
-                      <a:solidFill>
-                        <a:srgbClr val="FFFFFF"/>
-                      </a:solidFill>
-                    </a14:hiddenFill>
-                  </a:ext>
-                  <a:ext uri="{91240B29-F687-4F45-9708-019B960494DF}">
-                    <a14:hiddenLine xmlns:a14="http://schemas.microsoft.com/office/drawing/2010/main" w="9525">
-                      <a:solidFill>
-                        <a:srgbClr val="000000"/>
-                      </a:solidFill>
-                      <a:miter lim="800000"/>
-                      <a:headEnd/>
-                      <a:tailEnd/>
-                    </a14:hiddenLine>
-                  </a:ext>
-                </a:extLst>
-              </p:spPr>
-            </p:pic>
-          </p:grpSp>
-          <p:sp>
-            <p:nvSpPr>
-              <p:cNvPr id="148" name="TextBox 147"/>
-              <p:cNvSpPr txBox="1"/>
-              <p:nvPr/>
-            </p:nvSpPr>
-            <p:spPr>
-              <a:xfrm>
-                <a:off x="7273249" y="3479282"/>
-                <a:ext cx="2552302" cy="369332"/>
-              </a:xfrm>
-              <a:prstGeom prst="rect">
-                <a:avLst/>
-              </a:prstGeom>
-              <a:noFill/>
-            </p:spPr>
-            <p:txBody>
-              <a:bodyPr wrap="none" rtlCol="0">
-                <a:spAutoFit/>
-              </a:bodyPr>
-              <a:lstStyle/>
-              <a:p>
-                <a:r>
-                  <a:rPr lang="en-US" altLang="ko-KR">
-                    <a:latin typeface="+mj-ea"/>
-                    <a:ea typeface="+mj-ea"/>
-                  </a:rPr>
-                  <a:t>IP </a:t>
-                </a:r>
-                <a:r>
-                  <a:rPr lang="ko-KR" altLang="en-US">
-                    <a:latin typeface="+mj-ea"/>
-                    <a:ea typeface="+mj-ea"/>
-                  </a:rPr>
-                  <a:t>주소 </a:t>
-                </a:r>
-                <a:r>
-                  <a:rPr lang="en-US" altLang="ko-KR">
-                    <a:latin typeface="+mj-ea"/>
-                    <a:ea typeface="+mj-ea"/>
-                  </a:rPr>
-                  <a:t>= 14.38.xxx.xxx</a:t>
-                </a:r>
-                <a:endParaRPr lang="ko-KR" altLang="en-US">
-                  <a:latin typeface="+mj-ea"/>
-                  <a:ea typeface="+mj-ea"/>
-                </a:endParaRPr>
-              </a:p>
-            </p:txBody>
-          </p:sp>
-        </p:grpSp>
-        <p:sp>
-          <p:nvSpPr>
-            <p:cNvPr id="136" name="TextBox 135"/>
-            <p:cNvSpPr txBox="1"/>
-            <p:nvPr/>
-          </p:nvSpPr>
-          <p:spPr>
-            <a:xfrm>
-              <a:off x="5968896" y="2991781"/>
-              <a:ext cx="549381" cy="307777"/>
-            </a:xfrm>
-            <a:prstGeom prst="rect">
-              <a:avLst/>
-            </a:prstGeom>
-            <a:solidFill>
-              <a:schemeClr val="bg1"/>
-            </a:solidFill>
-          </p:spPr>
-          <p:txBody>
-            <a:bodyPr wrap="none" rtlCol="0">
-              <a:spAutoFit/>
-            </a:bodyPr>
-            <a:lstStyle/>
-            <a:p>
-              <a:r>
-                <a:rPr lang="en-US" altLang="ko-KR" sz="1400">
-                  <a:latin typeface="+mn-ea"/>
-                  <a:ea typeface="+mn-ea"/>
-                </a:rPr>
-                <a:t>IPTV</a:t>
-              </a:r>
-              <a:endParaRPr lang="ko-KR" altLang="en-US" sz="1400">
-                <a:latin typeface="+mn-ea"/>
-                <a:ea typeface="+mn-ea"/>
-              </a:endParaRPr>
-            </a:p>
-          </p:txBody>
-        </p:sp>
-        <p:grpSp>
-          <p:nvGrpSpPr>
-            <p:cNvPr id="137" name="그룹 136"/>
-            <p:cNvGrpSpPr/>
-            <p:nvPr/>
-          </p:nvGrpSpPr>
-          <p:grpSpPr>
-            <a:xfrm>
-              <a:off x="5069329" y="2391228"/>
-              <a:ext cx="1208157" cy="1443315"/>
-              <a:chOff x="5040210" y="2166203"/>
-              <a:chExt cx="1208157" cy="1443315"/>
-            </a:xfrm>
-          </p:grpSpPr>
-          <p:pic>
-            <p:nvPicPr>
-              <p:cNvPr id="142" name="그림 141" descr="olleh tv"/>
-              <p:cNvPicPr>
-                <a:picLocks noChangeAspect="1"/>
-              </p:cNvPicPr>
-              <p:nvPr/>
-            </p:nvPicPr>
-            <p:blipFill>
-              <a:blip r:embed="rId6" cstate="print">
-                <a:extLst>
-                  <a:ext uri="{28A0092B-C50C-407E-A947-70E740481C1C}">
-                    <a14:useLocalDpi xmlns:a14="http://schemas.microsoft.com/office/drawing/2010/main" val="0"/>
-                  </a:ext>
-                </a:extLst>
-              </a:blip>
-              <a:stretch>
-                <a:fillRect/>
-              </a:stretch>
-            </p:blipFill>
-            <p:spPr>
-              <a:xfrm>
-                <a:off x="5349049" y="2996050"/>
-                <a:ext cx="899318" cy="613468"/>
-              </a:xfrm>
-              <a:prstGeom prst="rect">
-                <a:avLst/>
-              </a:prstGeom>
-            </p:spPr>
-          </p:pic>
-          <p:cxnSp>
-            <p:nvCxnSpPr>
-              <p:cNvPr id="143" name="직선 연결선 142"/>
-              <p:cNvCxnSpPr/>
-              <p:nvPr/>
-            </p:nvCxnSpPr>
-            <p:spPr>
-              <a:xfrm flipV="1">
-                <a:off x="5040210" y="3314734"/>
-                <a:ext cx="398064" cy="118740"/>
-              </a:xfrm>
-              <a:prstGeom prst="line">
-                <a:avLst/>
-              </a:prstGeom>
-              <a:ln w="38100"/>
-            </p:spPr>
-            <p:style>
-              <a:lnRef idx="1">
-                <a:schemeClr val="accent1"/>
-              </a:lnRef>
-              <a:fillRef idx="0">
-                <a:schemeClr val="accent1"/>
-              </a:fillRef>
-              <a:effectRef idx="0">
-                <a:schemeClr val="accent1"/>
-              </a:effectRef>
-              <a:fontRef idx="minor">
-                <a:schemeClr val="tx1"/>
-              </a:fontRef>
-            </p:style>
-          </p:cxnSp>
-          <p:pic>
-            <p:nvPicPr>
-              <p:cNvPr id="144" name="그림 143" descr="&lt;strong&gt;LG&lt;/strong&gt; LCD &lt;strong&gt;TV&lt;/strong&gt; (LH50_brown) | &lt;strong&gt;LG&lt;/strong&gt;전자 | Flickr"/>
-              <p:cNvPicPr>
-                <a:picLocks noChangeAspect="1"/>
-              </p:cNvPicPr>
-              <p:nvPr/>
-            </p:nvPicPr>
-            <p:blipFill>
-              <a:blip r:embed="rId7" cstate="print">
-                <a:extLst>
-                  <a:ext uri="{28A0092B-C50C-407E-A947-70E740481C1C}">
-                    <a14:useLocalDpi xmlns:a14="http://schemas.microsoft.com/office/drawing/2010/main" val="0"/>
-                  </a:ext>
-                </a:extLst>
-              </a:blip>
-              <a:stretch>
-                <a:fillRect/>
-              </a:stretch>
-            </p:blipFill>
-            <p:spPr>
-              <a:xfrm>
-                <a:off x="5234286" y="2166203"/>
-                <a:ext cx="922020" cy="678009"/>
-              </a:xfrm>
-              <a:prstGeom prst="rect">
-                <a:avLst/>
-              </a:prstGeom>
-            </p:spPr>
-          </p:pic>
-          <p:cxnSp>
-            <p:nvCxnSpPr>
-              <p:cNvPr id="145" name="직선 연결선 144"/>
-              <p:cNvCxnSpPr/>
-              <p:nvPr/>
-            </p:nvCxnSpPr>
-            <p:spPr>
-              <a:xfrm flipV="1">
-                <a:off x="5695296" y="2785345"/>
-                <a:ext cx="0" cy="280624"/>
-              </a:xfrm>
-              <a:prstGeom prst="line">
-                <a:avLst/>
-              </a:prstGeom>
-              <a:ln w="38100"/>
-            </p:spPr>
-            <p:style>
-              <a:lnRef idx="1">
-                <a:schemeClr val="accent1"/>
-              </a:lnRef>
-              <a:fillRef idx="0">
-                <a:schemeClr val="accent1"/>
-              </a:fillRef>
-              <a:effectRef idx="0">
-                <a:schemeClr val="accent1"/>
-              </a:effectRef>
-              <a:fontRef idx="minor">
-                <a:schemeClr val="tx1"/>
-              </a:fontRef>
-            </p:style>
-          </p:cxnSp>
-        </p:grpSp>
-        <p:sp>
-          <p:nvSpPr>
-            <p:cNvPr id="138" name="TextBox 137"/>
-            <p:cNvSpPr txBox="1"/>
-            <p:nvPr/>
-          </p:nvSpPr>
-          <p:spPr>
-            <a:xfrm>
-              <a:off x="7387601" y="5550236"/>
-              <a:ext cx="2610010" cy="369332"/>
-            </a:xfrm>
-            <a:prstGeom prst="rect">
-              <a:avLst/>
-            </a:prstGeom>
-            <a:noFill/>
-          </p:spPr>
-          <p:txBody>
-            <a:bodyPr wrap="none" rtlCol="0">
-              <a:spAutoFit/>
-            </a:bodyPr>
-            <a:lstStyle/>
-            <a:p>
-              <a:r>
-                <a:rPr lang="en-US" altLang="ko-KR">
-                  <a:latin typeface="+mj-ea"/>
-                  <a:ea typeface="+mj-ea"/>
-                </a:rPr>
-                <a:t>IP </a:t>
-              </a:r>
-              <a:r>
-                <a:rPr lang="ko-KR" altLang="en-US">
-                  <a:latin typeface="+mj-ea"/>
-                  <a:ea typeface="+mj-ea"/>
-                </a:rPr>
-                <a:t>주소 </a:t>
-              </a:r>
-              <a:r>
-                <a:rPr lang="en-US" altLang="ko-KR">
-                  <a:latin typeface="+mj-ea"/>
-                  <a:ea typeface="+mj-ea"/>
-                </a:rPr>
-                <a:t>= 192.168.0.xxx</a:t>
-              </a:r>
-              <a:endParaRPr lang="ko-KR" altLang="en-US">
-                <a:latin typeface="+mj-ea"/>
-                <a:ea typeface="+mj-ea"/>
-              </a:endParaRPr>
-            </a:p>
-          </p:txBody>
-        </p:sp>
-        <p:pic>
-          <p:nvPicPr>
-            <p:cNvPr id="139" name="그림 138" descr="Laptop | Free Stock Photo | Illustration of a laptop computer | # 17116"/>
-            <p:cNvPicPr>
-              <a:picLocks noChangeAspect="1"/>
-            </p:cNvPicPr>
-            <p:nvPr/>
-          </p:nvPicPr>
-          <p:blipFill>
-            <a:blip r:embed="rId8" cstate="print">
-              <a:extLst>
-                <a:ext uri="{28A0092B-C50C-407E-A947-70E740481C1C}">
-                  <a14:useLocalDpi xmlns:a14="http://schemas.microsoft.com/office/drawing/2010/main" val="0"/>
-                </a:ext>
-              </a:extLst>
-            </a:blip>
-            <a:stretch>
-              <a:fillRect/>
-            </a:stretch>
-          </p:blipFill>
-          <p:spPr>
-            <a:xfrm>
-              <a:off x="8048558" y="4863840"/>
-              <a:ext cx="728320" cy="675102"/>
-            </a:xfrm>
-            <a:prstGeom prst="rect">
-              <a:avLst/>
-            </a:prstGeom>
-          </p:spPr>
-        </p:pic>
-        <p:sp>
-          <p:nvSpPr>
-            <p:cNvPr id="140" name="모서리가 둥근 직사각형 139"/>
-            <p:cNvSpPr/>
-            <p:nvPr/>
-          </p:nvSpPr>
-          <p:spPr>
-            <a:xfrm>
-              <a:off x="7168243" y="4536553"/>
-              <a:ext cx="3012621" cy="1547810"/>
-            </a:xfrm>
-            <a:prstGeom prst="roundRect">
-              <a:avLst/>
-            </a:prstGeom>
-            <a:noFill/>
-            <a:effectLst/>
-          </p:spPr>
-          <p:style>
-            <a:lnRef idx="1">
-              <a:schemeClr val="accent1"/>
-            </a:lnRef>
-            <a:fillRef idx="2">
-              <a:schemeClr val="accent1"/>
-            </a:fillRef>
-            <a:effectRef idx="1">
-              <a:schemeClr val="accent1"/>
-            </a:effectRef>
-            <a:fontRef idx="minor">
-              <a:schemeClr val="dk1"/>
-            </a:fontRef>
-          </p:style>
-          <p:txBody>
-            <a:bodyPr rot="0" spcFirstLastPara="0" vertOverflow="overflow" horzOverflow="overflow" vert="horz" wrap="square" lIns="91440" tIns="45720" rIns="91440" bIns="45720" numCol="1" spcCol="0" rtlCol="0" fromWordArt="0" anchor="ctr" anchorCtr="0" forceAA="0" compatLnSpc="1">
-              <a:prstTxWarp prst="textNoShape">
-                <a:avLst/>
-              </a:prstTxWarp>
-              <a:noAutofit/>
-            </a:bodyPr>
-            <a:lstStyle/>
-            <a:p>
-              <a:pPr algn="ctr"/>
-              <a:endParaRPr lang="ko-KR" altLang="en-US">
-                <a:latin typeface="+mj-ea"/>
-                <a:ea typeface="+mj-ea"/>
-              </a:endParaRPr>
-            </a:p>
-          </p:txBody>
-        </p:sp>
-      </p:grpSp>
-      <p:cxnSp>
-        <p:nvCxnSpPr>
-          <p:cNvPr id="152" name="꺾인 연결선 151"/>
-          <p:cNvCxnSpPr/>
-          <p:nvPr/>
-        </p:nvCxnSpPr>
-        <p:spPr>
-          <a:xfrm flipV="1">
-            <a:off x="4925870" y="3519010"/>
-            <a:ext cx="3195355" cy="360040"/>
-          </a:xfrm>
-          <a:prstGeom prst="bentConnector3">
-            <a:avLst/>
-          </a:prstGeom>
-          <a:ln w="38100"/>
-        </p:spPr>
-        <p:style>
-          <a:lnRef idx="1">
-            <a:schemeClr val="accent1"/>
-          </a:lnRef>
-          <a:fillRef idx="0">
-            <a:schemeClr val="accent1"/>
-          </a:fillRef>
-          <a:effectRef idx="0">
-            <a:schemeClr val="accent1"/>
-          </a:effectRef>
-          <a:fontRef idx="minor">
-            <a:schemeClr val="tx1"/>
-          </a:fontRef>
-        </p:style>
-      </p:cxnSp>
-      <p:cxnSp>
-        <p:nvCxnSpPr>
-          <p:cNvPr id="154" name="직선 연결선 153"/>
-          <p:cNvCxnSpPr/>
-          <p:nvPr/>
-        </p:nvCxnSpPr>
-        <p:spPr>
-          <a:xfrm>
-            <a:off x="5600945" y="4779150"/>
-            <a:ext cx="2447613" cy="422241"/>
-          </a:xfrm>
-          <a:prstGeom prst="line">
-            <a:avLst/>
-          </a:prstGeom>
-          <a:ln w="38100">
-            <a:prstDash val="sysDot"/>
-          </a:ln>
-        </p:spPr>
-        <p:style>
-          <a:lnRef idx="1">
-            <a:schemeClr val="accent1"/>
-          </a:lnRef>
-          <a:fillRef idx="0">
-            <a:schemeClr val="accent1"/>
-          </a:fillRef>
-          <a:effectRef idx="0">
-            <a:schemeClr val="accent1"/>
-          </a:effectRef>
-          <a:fontRef idx="minor">
-            <a:schemeClr val="tx1"/>
-          </a:fontRef>
-        </p:style>
-      </p:cxnSp>
-      <p:sp>
-        <p:nvSpPr>
-          <p:cNvPr id="159" name="TextBox 158"/>
-          <p:cNvSpPr txBox="1"/>
-          <p:nvPr/>
-        </p:nvSpPr>
-        <p:spPr>
-          <a:xfrm>
-            <a:off x="3456486" y="4333114"/>
-            <a:ext cx="1478290" cy="307777"/>
-          </a:xfrm>
-          <a:prstGeom prst="rect">
-            <a:avLst/>
-          </a:prstGeom>
-          <a:noFill/>
-        </p:spPr>
-        <p:txBody>
-          <a:bodyPr wrap="none" rtlCol="0">
-            <a:spAutoFit/>
-          </a:bodyPr>
-          <a:lstStyle/>
-          <a:p>
-            <a:r>
-              <a:rPr lang="en-US" altLang="ko-KR" sz="1400">
-                <a:latin typeface="+mn-ea"/>
-                <a:ea typeface="+mn-ea"/>
-              </a:rPr>
-              <a:t>IP=14.38.xxx.xxx</a:t>
-            </a:r>
-            <a:endParaRPr lang="ko-KR" altLang="en-US" sz="1400">
-              <a:latin typeface="+mn-ea"/>
-              <a:ea typeface="+mn-ea"/>
-            </a:endParaRPr>
-          </a:p>
-        </p:txBody>
-      </p:sp>
-      <p:pic>
-        <p:nvPicPr>
-          <p:cNvPr id="160" name="그림 159" descr="&lt;strong&gt;스마트폰&lt;/strong&gt; 터치 스크린 통신 · Pixabay의 무료 벡터 그래픽"/>
-          <p:cNvPicPr>
-            <a:picLocks noChangeAspect="1"/>
-          </p:cNvPicPr>
-          <p:nvPr/>
-        </p:nvPicPr>
-        <p:blipFill>
-          <a:blip r:embed="rId9" cstate="print">
-            <a:extLst>
-              <a:ext uri="{28A0092B-C50C-407E-A947-70E740481C1C}">
-                <a14:useLocalDpi xmlns:a14="http://schemas.microsoft.com/office/drawing/2010/main" val="0"/>
-              </a:ext>
-            </a:extLst>
-          </a:blip>
-          <a:stretch>
-            <a:fillRect/>
-          </a:stretch>
-        </p:blipFill>
-        <p:spPr>
-          <a:xfrm>
-            <a:off x="6320808" y="5442683"/>
-            <a:ext cx="380703" cy="577065"/>
-          </a:xfrm>
-          <a:prstGeom prst="rect">
-            <a:avLst/>
-          </a:prstGeom>
-        </p:spPr>
-      </p:pic>
-      <p:cxnSp>
-        <p:nvCxnSpPr>
-          <p:cNvPr id="161" name="직선 연결선 160"/>
-          <p:cNvCxnSpPr>
-            <a:endCxn id="160" idx="0"/>
-          </p:cNvCxnSpPr>
-          <p:nvPr/>
-        </p:nvCxnSpPr>
-        <p:spPr>
-          <a:xfrm>
-            <a:off x="5467393" y="4799056"/>
-            <a:ext cx="1043767" cy="643627"/>
-          </a:xfrm>
-          <a:prstGeom prst="line">
-            <a:avLst/>
-          </a:prstGeom>
-          <a:ln w="38100">
-            <a:prstDash val="sysDot"/>
-          </a:ln>
-        </p:spPr>
-        <p:style>
-          <a:lnRef idx="1">
-            <a:schemeClr val="accent1"/>
-          </a:lnRef>
-          <a:fillRef idx="0">
-            <a:schemeClr val="accent1"/>
-          </a:fillRef>
-          <a:effectRef idx="0">
-            <a:schemeClr val="accent1"/>
-          </a:effectRef>
-          <a:fontRef idx="minor">
-            <a:schemeClr val="tx1"/>
-          </a:fontRef>
-        </p:style>
-      </p:cxnSp>
-      <p:grpSp>
-        <p:nvGrpSpPr>
-          <p:cNvPr id="164" name="그룹 163"/>
-          <p:cNvGrpSpPr/>
-          <p:nvPr/>
-        </p:nvGrpSpPr>
-        <p:grpSpPr>
-          <a:xfrm>
-            <a:off x="4910502" y="4876511"/>
-            <a:ext cx="775360" cy="1439839"/>
-            <a:chOff x="6059941" y="1825838"/>
-            <a:chExt cx="775360" cy="1439839"/>
-          </a:xfrm>
-        </p:grpSpPr>
-        <p:pic>
-          <p:nvPicPr>
-            <p:cNvPr id="165" name="그림 164" descr="Server Web Network - Free vector graphic on Pixabay"/>
-            <p:cNvPicPr>
-              <a:picLocks noChangeAspect="1"/>
-            </p:cNvPicPr>
-            <p:nvPr/>
-          </p:nvPicPr>
-          <p:blipFill>
-            <a:blip r:embed="rId4" cstate="print">
-              <a:extLst>
-                <a:ext uri="{28A0092B-C50C-407E-A947-70E740481C1C}">
-                  <a14:useLocalDpi xmlns:a14="http://schemas.microsoft.com/office/drawing/2010/main" val="0"/>
-                </a:ext>
-              </a:extLst>
-            </a:blip>
-            <a:stretch>
-              <a:fillRect/>
-            </a:stretch>
-          </p:blipFill>
-          <p:spPr>
-            <a:xfrm>
-              <a:off x="6059941" y="2390527"/>
-              <a:ext cx="374573" cy="713936"/>
-            </a:xfrm>
-            <a:prstGeom prst="rect">
-              <a:avLst/>
-            </a:prstGeom>
-          </p:spPr>
-        </p:pic>
-        <p:pic>
-          <p:nvPicPr>
-            <p:cNvPr id="166" name="Picture 20" descr="j0431566[1]"/>
-            <p:cNvPicPr>
-              <a:picLocks noChangeAspect="1" noChangeArrowheads="1"/>
-            </p:cNvPicPr>
-            <p:nvPr/>
-          </p:nvPicPr>
-          <p:blipFill>
-            <a:blip r:embed="rId5">
-              <a:extLst>
-                <a:ext uri="{28A0092B-C50C-407E-A947-70E740481C1C}">
-                  <a14:useLocalDpi xmlns:a14="http://schemas.microsoft.com/office/drawing/2010/main" val="0"/>
-                </a:ext>
-              </a:extLst>
-            </a:blip>
-            <a:srcRect/>
-            <a:stretch>
-              <a:fillRect/>
-            </a:stretch>
-          </p:blipFill>
-          <p:spPr bwMode="auto">
-            <a:xfrm>
-              <a:off x="6193312" y="2388327"/>
-              <a:ext cx="641989" cy="877350"/>
-            </a:xfrm>
-            <a:prstGeom prst="rect">
-              <a:avLst/>
-            </a:prstGeom>
-            <a:noFill/>
-            <a:ln>
-              <a:noFill/>
-            </a:ln>
-            <a:extLst>
-              <a:ext uri="{909E8E84-426E-40DD-AFC4-6F175D3DCCD1}">
-                <a14:hiddenFill xmlns:a14="http://schemas.microsoft.com/office/drawing/2010/main">
-                  <a:solidFill>
-                    <a:srgbClr val="FFFFFF"/>
-                  </a:solidFill>
-                </a14:hiddenFill>
-              </a:ext>
-              <a:ext uri="{91240B29-F687-4F45-9708-019B960494DF}">
-                <a14:hiddenLine xmlns:a14="http://schemas.microsoft.com/office/drawing/2010/main" w="9525">
-                  <a:solidFill>
-                    <a:srgbClr val="000000"/>
-                  </a:solidFill>
-                  <a:miter lim="800000"/>
-                  <a:headEnd/>
-                  <a:tailEnd/>
-                </a14:hiddenLine>
-              </a:ext>
-            </a:extLst>
-          </p:spPr>
-        </p:pic>
-        <p:cxnSp>
-          <p:nvCxnSpPr>
-            <p:cNvPr id="167" name="직선 연결선 166"/>
-            <p:cNvCxnSpPr/>
-            <p:nvPr/>
-          </p:nvCxnSpPr>
-          <p:spPr>
-            <a:xfrm flipH="1">
-              <a:off x="6339749" y="1825838"/>
-              <a:ext cx="73095" cy="592472"/>
-            </a:xfrm>
-            <a:prstGeom prst="line">
-              <a:avLst/>
-            </a:prstGeom>
-            <a:ln w="38100"/>
-          </p:spPr>
-          <p:style>
-            <a:lnRef idx="1">
-              <a:schemeClr val="accent1"/>
-            </a:lnRef>
-            <a:fillRef idx="0">
-              <a:schemeClr val="accent1"/>
-            </a:fillRef>
-            <a:effectRef idx="0">
-              <a:schemeClr val="accent1"/>
-            </a:effectRef>
-            <a:fontRef idx="minor">
-              <a:schemeClr val="tx1"/>
-            </a:fontRef>
-          </p:style>
-        </p:cxnSp>
-      </p:grpSp>
-      <p:sp>
-        <p:nvSpPr>
-          <p:cNvPr id="168" name="TextBox 167"/>
-          <p:cNvSpPr txBox="1"/>
-          <p:nvPr/>
-        </p:nvSpPr>
-        <p:spPr>
-          <a:xfrm>
-            <a:off x="3461905" y="4958632"/>
-            <a:ext cx="2266967" cy="369332"/>
-          </a:xfrm>
-          <a:prstGeom prst="rect">
-            <a:avLst/>
-          </a:prstGeom>
-          <a:noFill/>
-        </p:spPr>
-        <p:txBody>
-          <a:bodyPr wrap="none" rtlCol="0">
-            <a:spAutoFit/>
-          </a:bodyPr>
-          <a:lstStyle/>
-          <a:p>
-            <a:r>
-              <a:rPr lang="ko-KR" altLang="en-US">
-                <a:latin typeface="+mj-ea"/>
-                <a:ea typeface="+mj-ea"/>
-              </a:rPr>
-              <a:t>공유기 </a:t>
-            </a:r>
-            <a:r>
-              <a:rPr lang="en-US" altLang="ko-KR">
-                <a:latin typeface="+mj-ea"/>
-                <a:ea typeface="+mj-ea"/>
-              </a:rPr>
-              <a:t>(192.168.0.1)</a:t>
-            </a:r>
-            <a:endParaRPr lang="ko-KR" altLang="en-US">
-              <a:latin typeface="+mj-ea"/>
-              <a:ea typeface="+mj-ea"/>
-            </a:endParaRPr>
-          </a:p>
-        </p:txBody>
-      </p:sp>
-    </p:spTree>
-    <p:extLst>
-      <p:ext uri="{BB962C8B-B14F-4D97-AF65-F5344CB8AC3E}">
-        <p14:creationId xmlns:p14="http://schemas.microsoft.com/office/powerpoint/2010/main" val="1213981352"/>
-      </p:ext>
-    </p:extLst>
-  </p:cSld>
-  <p:clrMapOvr>
-    <a:masterClrMapping/>
-  </p:clrMapOvr>
-</p:sld>
-</file>
-
-<file path=ppt/slides/slide6.xml><?xml version="1.0" encoding="utf-8"?>
-<p:sld xmlns:a="http://schemas.openxmlformats.org/drawingml/2006/main" xmlns:r="http://schemas.openxmlformats.org/officeDocument/2006/relationships" xmlns:p="http://schemas.openxmlformats.org/presentationml/2006/main">
-  <p:cSld>
-    <p:spTree>
-      <p:nvGrpSpPr>
-        <p:cNvPr id="1" name=""/>
-        <p:cNvGrpSpPr/>
-        <p:nvPr/>
-      </p:nvGrpSpPr>
-      <p:grpSpPr>
-        <a:xfrm>
-          <a:off x="0" y="0"/>
-          <a:ext cx="0" cy="0"/>
-          <a:chOff x="0" y="0"/>
-          <a:chExt cx="0" cy="0"/>
-        </a:xfrm>
-      </p:grpSpPr>
-      <p:pic>
-        <p:nvPicPr>
-          <p:cNvPr id="72" name="그림 71"/>
-          <p:cNvPicPr>
-            <a:picLocks noChangeAspect="1"/>
-          </p:cNvPicPr>
-          <p:nvPr/>
-        </p:nvPicPr>
-        <p:blipFill>
-          <a:blip r:embed="rId2"/>
-          <a:stretch>
-            <a:fillRect/>
-          </a:stretch>
-        </p:blipFill>
-        <p:spPr>
-          <a:xfrm>
-            <a:off x="7753763" y="3188078"/>
-            <a:ext cx="470421" cy="470421"/>
-          </a:xfrm>
-          <a:prstGeom prst="rect">
-            <a:avLst/>
-          </a:prstGeom>
-          <a:noFill/>
-        </p:spPr>
-      </p:pic>
-      <p:sp>
-        <p:nvSpPr>
-          <p:cNvPr id="2" name="내용 개체 틀 1"/>
-          <p:cNvSpPr>
-            <a:spLocks noGrp="1"/>
-          </p:cNvSpPr>
-          <p:nvPr>
-            <p:ph idx="1"/>
-          </p:nvPr>
-        </p:nvSpPr>
-        <p:spPr/>
-        <p:txBody>
-          <a:bodyPr/>
-          <a:lstStyle/>
-          <a:p>
-            <a:r>
-              <a:rPr lang="ko-KR" altLang="en-US"/>
-              <a:t>공유기 사용 환경 예 </a:t>
-            </a:r>
-            <a:r>
-              <a:rPr lang="en-US" altLang="ko-KR"/>
-              <a:t>4 – KT </a:t>
-            </a:r>
-            <a:r>
-              <a:rPr lang="ko-KR" altLang="en-US"/>
-              <a:t>인터넷</a:t>
-            </a:r>
-            <a:r>
-              <a:rPr lang="en-US" altLang="ko-KR"/>
-              <a:t>, IPTV </a:t>
-            </a:r>
-            <a:r>
-              <a:rPr lang="ko-KR" altLang="en-US"/>
-              <a:t>사용</a:t>
-            </a:r>
-            <a:r>
-              <a:rPr lang="en-US" altLang="ko-KR"/>
-              <a:t>, KT </a:t>
-            </a:r>
-            <a:r>
-              <a:rPr lang="ko-KR" altLang="en-US"/>
-              <a:t>공유기 사용</a:t>
-            </a:r>
-            <a:endParaRPr lang="en-US" altLang="ko-KR"/>
-          </a:p>
-          <a:p>
-            <a:pPr lvl="1"/>
-            <a:r>
-              <a:rPr lang="en-US" altLang="ko-KR">
-                <a:solidFill>
-                  <a:srgbClr val="FF3300"/>
-                </a:solidFill>
-              </a:rPr>
-              <a:t>KT </a:t>
-            </a:r>
-            <a:r>
-              <a:rPr lang="ko-KR" altLang="en-US">
-                <a:solidFill>
-                  <a:srgbClr val="FF3300"/>
-                </a:solidFill>
-              </a:rPr>
-              <a:t>공유기</a:t>
-            </a:r>
-            <a:r>
-              <a:rPr lang="ko-KR" altLang="en-US"/>
-              <a:t>에 </a:t>
-            </a:r>
-            <a:r>
-              <a:rPr lang="en-US" altLang="ko-KR"/>
-              <a:t>PC</a:t>
-            </a:r>
-            <a:r>
-              <a:rPr lang="ko-KR" altLang="en-US"/>
-              <a:t>는 유</a:t>
-            </a:r>
-            <a:r>
-              <a:rPr lang="en-US" altLang="ko-KR"/>
-              <a:t>/</a:t>
-            </a:r>
-            <a:r>
-              <a:rPr lang="ko-KR" altLang="en-US"/>
-              <a:t>무선 연결</a:t>
-            </a:r>
-            <a:r>
-              <a:rPr lang="en-US" altLang="ko-KR"/>
-              <a:t>, </a:t>
-            </a:r>
-            <a:r>
-              <a:rPr lang="ko-KR" altLang="en-US"/>
-              <a:t>노트북</a:t>
-            </a:r>
-            <a:r>
-              <a:rPr lang="en-US" altLang="ko-KR"/>
-              <a:t>, </a:t>
-            </a:r>
-            <a:r>
-              <a:rPr lang="ko-KR" altLang="en-US"/>
-              <a:t>스마트폰은 무선 연결</a:t>
-            </a:r>
-            <a:endParaRPr lang="ko-KR" altLang="en-US" dirty="0"/>
-          </a:p>
-        </p:txBody>
-      </p:sp>
-      <p:sp>
-        <p:nvSpPr>
-          <p:cNvPr id="3" name="제목 2"/>
-          <p:cNvSpPr>
-            <a:spLocks noGrp="1"/>
-          </p:cNvSpPr>
-          <p:nvPr>
-            <p:ph type="title"/>
-          </p:nvPr>
-        </p:nvSpPr>
-        <p:spPr/>
-        <p:txBody>
-          <a:bodyPr>
-            <a:normAutofit fontScale="90000"/>
-          </a:bodyPr>
-          <a:lstStyle/>
-          <a:p>
-            <a:r>
-              <a:rPr lang="en-US" altLang="ko-KR"/>
-              <a:t>TCP/IP </a:t>
-            </a:r>
-            <a:r>
-              <a:rPr lang="ko-KR" altLang="en-US"/>
-              <a:t>본인 집 환경 확인 </a:t>
-            </a:r>
-            <a:r>
-              <a:rPr lang="ko-KR" altLang="en-US" dirty="0"/>
-              <a:t>이해</a:t>
-            </a:r>
-          </a:p>
-        </p:txBody>
-      </p:sp>
-      <p:grpSp>
-        <p:nvGrpSpPr>
-          <p:cNvPr id="40" name="그룹 39"/>
-          <p:cNvGrpSpPr/>
-          <p:nvPr/>
-        </p:nvGrpSpPr>
-        <p:grpSpPr>
-          <a:xfrm>
-            <a:off x="932633" y="2123855"/>
-            <a:ext cx="9552316" cy="4185465"/>
-            <a:chOff x="932633" y="2123855"/>
-            <a:chExt cx="9552316" cy="4185465"/>
-          </a:xfrm>
-        </p:grpSpPr>
-        <p:sp>
-          <p:nvSpPr>
-            <p:cNvPr id="41" name="타원 40"/>
-            <p:cNvSpPr/>
-            <p:nvPr/>
-          </p:nvSpPr>
-          <p:spPr>
-            <a:xfrm>
-              <a:off x="932633" y="3008337"/>
-              <a:ext cx="2196193" cy="1534887"/>
-            </a:xfrm>
-            <a:prstGeom prst="ellipse">
-              <a:avLst/>
-            </a:prstGeom>
-          </p:spPr>
-          <p:style>
-            <a:lnRef idx="2">
-              <a:schemeClr val="accent1"/>
-            </a:lnRef>
-            <a:fillRef idx="1">
-              <a:schemeClr val="lt1"/>
-            </a:fillRef>
-            <a:effectRef idx="0">
-              <a:schemeClr val="accent1"/>
-            </a:effectRef>
-            <a:fontRef idx="minor">
-              <a:schemeClr val="dk1"/>
-            </a:fontRef>
-          </p:style>
-          <p:txBody>
-            <a:bodyPr rtlCol="0" anchor="ctr"/>
-            <a:lstStyle/>
-            <a:p>
-              <a:pPr algn="ctr"/>
-              <a:r>
-                <a:rPr lang="en-US" altLang="ko-KR">
-                  <a:latin typeface="+mj-ea"/>
-                  <a:ea typeface="+mj-ea"/>
-                </a:rPr>
-                <a:t>KT</a:t>
-              </a:r>
-            </a:p>
-            <a:p>
-              <a:pPr algn="ctr"/>
-              <a:r>
-                <a:rPr lang="en-US" altLang="ko-KR">
-                  <a:latin typeface="+mj-ea"/>
-                  <a:ea typeface="+mj-ea"/>
-                </a:rPr>
-                <a:t>LGU+</a:t>
-              </a:r>
-            </a:p>
-            <a:p>
-              <a:pPr algn="ctr"/>
-              <a:r>
-                <a:rPr lang="en-US" altLang="ko-KR">
-                  <a:latin typeface="+mj-ea"/>
-                  <a:ea typeface="+mj-ea"/>
-                </a:rPr>
-                <a:t>SKT</a:t>
-              </a:r>
-            </a:p>
-          </p:txBody>
-        </p:sp>
-        <p:pic>
-          <p:nvPicPr>
-            <p:cNvPr id="42" name="그림 41"/>
-            <p:cNvPicPr>
-              <a:picLocks noChangeAspect="1"/>
-            </p:cNvPicPr>
-            <p:nvPr/>
-          </p:nvPicPr>
-          <p:blipFill>
-            <a:blip r:embed="rId3"/>
-            <a:stretch>
-              <a:fillRect/>
-            </a:stretch>
-          </p:blipFill>
-          <p:spPr>
-            <a:xfrm>
-              <a:off x="4166611" y="3304973"/>
-              <a:ext cx="941613" cy="941613"/>
-            </a:xfrm>
-            <a:prstGeom prst="rect">
-              <a:avLst/>
-            </a:prstGeom>
-          </p:spPr>
-        </p:pic>
-        <p:sp>
-          <p:nvSpPr>
-            <p:cNvPr id="43" name="모서리가 둥근 직사각형 42"/>
-            <p:cNvSpPr/>
-            <p:nvPr/>
-          </p:nvSpPr>
-          <p:spPr>
-            <a:xfrm>
-              <a:off x="3451859" y="2123855"/>
-              <a:ext cx="7033090" cy="4185465"/>
-            </a:xfrm>
-            <a:prstGeom prst="roundRect">
-              <a:avLst/>
-            </a:prstGeom>
-            <a:noFill/>
-          </p:spPr>
-          <p:style>
-            <a:lnRef idx="2">
-              <a:schemeClr val="accent1"/>
-            </a:lnRef>
-            <a:fillRef idx="1">
-              <a:schemeClr val="lt1"/>
-            </a:fillRef>
-            <a:effectRef idx="0">
-              <a:schemeClr val="accent1"/>
-            </a:effectRef>
-            <a:fontRef idx="minor">
-              <a:schemeClr val="dk1"/>
-            </a:fontRef>
-          </p:style>
-          <p:txBody>
-            <a:bodyPr rtlCol="0" anchor="ctr"/>
-            <a:lstStyle/>
-            <a:p>
-              <a:pPr algn="ctr"/>
-              <a:endParaRPr lang="ko-KR" altLang="en-US">
-                <a:latin typeface="+mj-ea"/>
-                <a:ea typeface="+mj-ea"/>
-              </a:endParaRPr>
-            </a:p>
-          </p:txBody>
-        </p:sp>
-        <p:sp>
-          <p:nvSpPr>
-            <p:cNvPr id="44" name="모서리가 둥근 직사각형 43"/>
-            <p:cNvSpPr/>
-            <p:nvPr/>
-          </p:nvSpPr>
-          <p:spPr>
-            <a:xfrm>
-              <a:off x="7197362" y="2698776"/>
-              <a:ext cx="3012621" cy="1547810"/>
-            </a:xfrm>
-            <a:prstGeom prst="roundRect">
-              <a:avLst/>
-            </a:prstGeom>
-            <a:noFill/>
-            <a:effectLst/>
-          </p:spPr>
-          <p:style>
-            <a:lnRef idx="1">
-              <a:schemeClr val="accent1"/>
-            </a:lnRef>
-            <a:fillRef idx="2">
-              <a:schemeClr val="accent1"/>
-            </a:fillRef>
-            <a:effectRef idx="1">
-              <a:schemeClr val="accent1"/>
-            </a:effectRef>
-            <a:fontRef idx="minor">
-              <a:schemeClr val="dk1"/>
-            </a:fontRef>
-          </p:style>
-          <p:txBody>
-            <a:bodyPr rot="0" spcFirstLastPara="0" vertOverflow="overflow" horzOverflow="overflow" vert="horz" wrap="square" lIns="91440" tIns="45720" rIns="91440" bIns="45720" numCol="1" spcCol="0" rtlCol="0" fromWordArt="0" anchor="ctr" anchorCtr="0" forceAA="0" compatLnSpc="1">
-              <a:prstTxWarp prst="textNoShape">
-                <a:avLst/>
-              </a:prstTxWarp>
-              <a:noAutofit/>
-            </a:bodyPr>
-            <a:lstStyle/>
-            <a:p>
-              <a:pPr algn="ctr"/>
-              <a:endParaRPr lang="ko-KR" altLang="en-US">
-                <a:latin typeface="+mj-ea"/>
-                <a:ea typeface="+mj-ea"/>
-              </a:endParaRPr>
-            </a:p>
-          </p:txBody>
-        </p:sp>
-        <p:cxnSp>
-          <p:nvCxnSpPr>
-            <p:cNvPr id="45" name="직선 연결선 44"/>
-            <p:cNvCxnSpPr>
-              <a:stCxn id="41" idx="6"/>
-              <a:endCxn id="42" idx="1"/>
-            </p:cNvCxnSpPr>
-            <p:nvPr/>
-          </p:nvCxnSpPr>
-          <p:spPr>
-            <a:xfrm flipV="1">
-              <a:off x="3128826" y="3775780"/>
-              <a:ext cx="1037785" cy="1"/>
-            </a:xfrm>
-            <a:prstGeom prst="line">
-              <a:avLst/>
-            </a:prstGeom>
-            <a:ln w="38100"/>
-          </p:spPr>
-          <p:style>
-            <a:lnRef idx="1">
-              <a:schemeClr val="accent1"/>
-            </a:lnRef>
-            <a:fillRef idx="0">
-              <a:schemeClr val="accent1"/>
-            </a:fillRef>
-            <a:effectRef idx="0">
-              <a:schemeClr val="accent1"/>
-            </a:effectRef>
-            <a:fontRef idx="minor">
-              <a:schemeClr val="tx1"/>
-            </a:fontRef>
-          </p:style>
-        </p:cxnSp>
-        <p:cxnSp>
-          <p:nvCxnSpPr>
-            <p:cNvPr id="47" name="직선 연결선 46"/>
-            <p:cNvCxnSpPr/>
-            <p:nvPr/>
-          </p:nvCxnSpPr>
-          <p:spPr>
-            <a:xfrm>
-              <a:off x="4637417" y="3865588"/>
-              <a:ext cx="269641" cy="771865"/>
-            </a:xfrm>
-            <a:prstGeom prst="line">
-              <a:avLst/>
-            </a:prstGeom>
-            <a:ln w="38100"/>
-          </p:spPr>
-          <p:style>
-            <a:lnRef idx="1">
-              <a:schemeClr val="accent1"/>
-            </a:lnRef>
-            <a:fillRef idx="0">
-              <a:schemeClr val="accent1"/>
-            </a:fillRef>
-            <a:effectRef idx="0">
-              <a:schemeClr val="accent1"/>
-            </a:effectRef>
-            <a:fontRef idx="minor">
-              <a:schemeClr val="tx1"/>
-            </a:fontRef>
-          </p:style>
-        </p:cxnSp>
-        <p:sp>
-          <p:nvSpPr>
-            <p:cNvPr id="49" name="TextBox 48"/>
-            <p:cNvSpPr txBox="1"/>
-            <p:nvPr/>
-          </p:nvSpPr>
-          <p:spPr>
-            <a:xfrm>
-              <a:off x="3912699" y="3221074"/>
-              <a:ext cx="1449436" cy="369332"/>
-            </a:xfrm>
-            <a:prstGeom prst="rect">
-              <a:avLst/>
-            </a:prstGeom>
-            <a:noFill/>
-          </p:spPr>
-          <p:txBody>
-            <a:bodyPr wrap="none" rtlCol="0">
-              <a:spAutoFit/>
-            </a:bodyPr>
-            <a:lstStyle/>
-            <a:p>
-              <a:r>
-                <a:rPr lang="en-US" altLang="ko-KR">
-                  <a:latin typeface="+mj-ea"/>
-                  <a:ea typeface="+mj-ea"/>
-                </a:rPr>
-                <a:t>KT </a:t>
-              </a:r>
-              <a:r>
-                <a:rPr lang="ko-KR" altLang="en-US">
-                  <a:latin typeface="+mj-ea"/>
-                  <a:ea typeface="+mj-ea"/>
-                </a:rPr>
-                <a:t>설치허브</a:t>
-              </a:r>
-            </a:p>
-          </p:txBody>
-        </p:sp>
-        <p:sp>
-          <p:nvSpPr>
-            <p:cNvPr id="51" name="TextBox 50"/>
-            <p:cNvSpPr txBox="1"/>
-            <p:nvPr/>
-          </p:nvSpPr>
-          <p:spPr>
-            <a:xfrm>
-              <a:off x="7282821" y="2750285"/>
-              <a:ext cx="415498" cy="369332"/>
-            </a:xfrm>
-            <a:prstGeom prst="rect">
-              <a:avLst/>
-            </a:prstGeom>
-            <a:noFill/>
-          </p:spPr>
-          <p:txBody>
-            <a:bodyPr wrap="none" rtlCol="0">
-              <a:spAutoFit/>
-            </a:bodyPr>
-            <a:lstStyle/>
-            <a:p>
-              <a:r>
-                <a:rPr lang="ko-KR" altLang="en-US">
-                  <a:latin typeface="+mj-ea"/>
-                  <a:ea typeface="+mj-ea"/>
-                </a:rPr>
-                <a:t>방</a:t>
-              </a:r>
-            </a:p>
-          </p:txBody>
-        </p:sp>
-        <p:sp>
-          <p:nvSpPr>
-            <p:cNvPr id="52" name="TextBox 51"/>
-            <p:cNvSpPr txBox="1"/>
-            <p:nvPr/>
-          </p:nvSpPr>
-          <p:spPr>
-            <a:xfrm>
-              <a:off x="4166611" y="2486145"/>
-              <a:ext cx="646331" cy="369332"/>
-            </a:xfrm>
-            <a:prstGeom prst="rect">
-              <a:avLst/>
-            </a:prstGeom>
-            <a:noFill/>
-          </p:spPr>
-          <p:txBody>
-            <a:bodyPr wrap="none" rtlCol="0">
-              <a:spAutoFit/>
-            </a:bodyPr>
-            <a:lstStyle/>
-            <a:p>
-              <a:r>
-                <a:rPr lang="ko-KR" altLang="en-US">
-                  <a:latin typeface="+mj-ea"/>
-                  <a:ea typeface="+mj-ea"/>
-                </a:rPr>
-                <a:t>거실</a:t>
-              </a:r>
-            </a:p>
-          </p:txBody>
-        </p:sp>
-        <p:grpSp>
-          <p:nvGrpSpPr>
-            <p:cNvPr id="53" name="그룹 52"/>
-            <p:cNvGrpSpPr/>
-            <p:nvPr/>
-          </p:nvGrpSpPr>
-          <p:grpSpPr>
-            <a:xfrm>
-              <a:off x="6919114" y="2980058"/>
-              <a:ext cx="2872773" cy="1233737"/>
-              <a:chOff x="6814920" y="2614877"/>
-              <a:chExt cx="2872773" cy="1233737"/>
-            </a:xfrm>
-          </p:grpSpPr>
-          <p:grpSp>
-            <p:nvGrpSpPr>
-              <p:cNvPr id="66" name="그룹 65"/>
-              <p:cNvGrpSpPr/>
-              <p:nvPr/>
-            </p:nvGrpSpPr>
-            <p:grpSpPr>
-              <a:xfrm>
-                <a:off x="8041274" y="2614877"/>
-                <a:ext cx="775360" cy="877350"/>
-                <a:chOff x="3286296" y="2894627"/>
-                <a:chExt cx="1722417" cy="1437963"/>
-              </a:xfrm>
-            </p:grpSpPr>
-            <p:pic>
-              <p:nvPicPr>
-                <p:cNvPr id="68" name="그림 67" descr="Server Web Network - Free vector graphic on Pixabay"/>
-                <p:cNvPicPr>
-                  <a:picLocks noChangeAspect="1"/>
-                </p:cNvPicPr>
-                <p:nvPr/>
-              </p:nvPicPr>
-              <p:blipFill>
-                <a:blip r:embed="rId4" cstate="print">
-                  <a:extLst>
-                    <a:ext uri="{28A0092B-C50C-407E-A947-70E740481C1C}">
-                      <a14:useLocalDpi xmlns:a14="http://schemas.microsoft.com/office/drawing/2010/main" val="0"/>
-                    </a:ext>
-                  </a:extLst>
-                </a:blip>
-                <a:stretch>
-                  <a:fillRect/>
-                </a:stretch>
-              </p:blipFill>
-              <p:spPr>
-                <a:xfrm>
-                  <a:off x="3286296" y="2898233"/>
-                  <a:ext cx="832092" cy="1170130"/>
-                </a:xfrm>
-                <a:prstGeom prst="rect">
-                  <a:avLst/>
-                </a:prstGeom>
-              </p:spPr>
-            </p:pic>
-            <p:pic>
-              <p:nvPicPr>
-                <p:cNvPr id="69" name="Picture 20" descr="j0431566[1]"/>
-                <p:cNvPicPr>
-                  <a:picLocks noChangeAspect="1" noChangeArrowheads="1"/>
-                </p:cNvPicPr>
-                <p:nvPr/>
-              </p:nvPicPr>
-              <p:blipFill>
-                <a:blip r:embed="rId5">
-                  <a:extLst>
-                    <a:ext uri="{28A0092B-C50C-407E-A947-70E740481C1C}">
-                      <a14:useLocalDpi xmlns:a14="http://schemas.microsoft.com/office/drawing/2010/main" val="0"/>
-                    </a:ext>
-                  </a:extLst>
-                </a:blip>
-                <a:srcRect/>
-                <a:stretch>
-                  <a:fillRect/>
-                </a:stretch>
-              </p:blipFill>
-              <p:spPr bwMode="auto">
-                <a:xfrm>
-                  <a:off x="3582572" y="2894627"/>
-                  <a:ext cx="1426141" cy="1437963"/>
-                </a:xfrm>
-                <a:prstGeom prst="rect">
-                  <a:avLst/>
-                </a:prstGeom>
-                <a:noFill/>
-                <a:ln>
-                  <a:noFill/>
-                </a:ln>
-                <a:extLst>
-                  <a:ext uri="{909E8E84-426E-40DD-AFC4-6F175D3DCCD1}">
-                    <a14:hiddenFill xmlns:a14="http://schemas.microsoft.com/office/drawing/2010/main">
-                      <a:solidFill>
-                        <a:srgbClr val="FFFFFF"/>
-                      </a:solidFill>
-                    </a14:hiddenFill>
-                  </a:ext>
-                  <a:ext uri="{91240B29-F687-4F45-9708-019B960494DF}">
-                    <a14:hiddenLine xmlns:a14="http://schemas.microsoft.com/office/drawing/2010/main" w="9525">
-                      <a:solidFill>
-                        <a:srgbClr val="000000"/>
-                      </a:solidFill>
-                      <a:miter lim="800000"/>
-                      <a:headEnd/>
-                      <a:tailEnd/>
-                    </a14:hiddenLine>
-                  </a:ext>
-                </a:extLst>
-              </p:spPr>
-            </p:pic>
-          </p:grpSp>
-          <p:sp>
-            <p:nvSpPr>
-              <p:cNvPr id="67" name="TextBox 66"/>
-              <p:cNvSpPr txBox="1"/>
-              <p:nvPr/>
-            </p:nvSpPr>
-            <p:spPr>
-              <a:xfrm>
-                <a:off x="7273249" y="3479282"/>
-                <a:ext cx="2414444" cy="369332"/>
-              </a:xfrm>
-              <a:prstGeom prst="rect">
-                <a:avLst/>
-              </a:prstGeom>
-              <a:noFill/>
-            </p:spPr>
-            <p:txBody>
-              <a:bodyPr wrap="none" rtlCol="0">
-                <a:spAutoFit/>
-              </a:bodyPr>
-              <a:lstStyle/>
-              <a:p>
-                <a:r>
-                  <a:rPr lang="en-US" altLang="ko-KR">
-                    <a:latin typeface="+mj-ea"/>
-                    <a:ea typeface="+mj-ea"/>
-                  </a:rPr>
-                  <a:t>IP </a:t>
-                </a:r>
-                <a:r>
-                  <a:rPr lang="ko-KR" altLang="en-US">
-                    <a:latin typeface="+mj-ea"/>
-                    <a:ea typeface="+mj-ea"/>
-                  </a:rPr>
-                  <a:t>주소 </a:t>
-                </a:r>
-                <a:r>
-                  <a:rPr lang="en-US" altLang="ko-KR">
-                    <a:latin typeface="+mj-ea"/>
-                    <a:ea typeface="+mj-ea"/>
-                  </a:rPr>
-                  <a:t>= 172.30.1.33</a:t>
-                </a:r>
-                <a:endParaRPr lang="ko-KR" altLang="en-US">
-                  <a:latin typeface="+mj-ea"/>
-                  <a:ea typeface="+mj-ea"/>
-                </a:endParaRPr>
-              </a:p>
-            </p:txBody>
-          </p:sp>
-          <p:sp>
-            <p:nvSpPr>
-              <p:cNvPr id="74" name="TextBox 73"/>
-              <p:cNvSpPr txBox="1"/>
-              <p:nvPr/>
-            </p:nvSpPr>
-            <p:spPr>
-              <a:xfrm>
-                <a:off x="6814920" y="2886154"/>
-                <a:ext cx="1000595" cy="307777"/>
-              </a:xfrm>
-              <a:prstGeom prst="rect">
-                <a:avLst/>
-              </a:prstGeom>
-              <a:noFill/>
-            </p:spPr>
-            <p:txBody>
-              <a:bodyPr wrap="none" rtlCol="0">
-                <a:spAutoFit/>
-              </a:bodyPr>
-              <a:lstStyle/>
-              <a:p>
-                <a:r>
-                  <a:rPr lang="en-US" altLang="ko-KR" sz="1400">
-                    <a:latin typeface="+mj-ea"/>
-                    <a:ea typeface="+mj-ea"/>
-                  </a:rPr>
-                  <a:t>172.19.1.1</a:t>
-                </a:r>
-                <a:endParaRPr lang="ko-KR" altLang="en-US" sz="1400">
-                  <a:latin typeface="+mj-ea"/>
-                  <a:ea typeface="+mj-ea"/>
-                </a:endParaRPr>
-              </a:p>
-            </p:txBody>
-          </p:sp>
-        </p:grpSp>
-        <p:sp>
-          <p:nvSpPr>
-            <p:cNvPr id="55" name="TextBox 54"/>
-            <p:cNvSpPr txBox="1"/>
-            <p:nvPr/>
-          </p:nvSpPr>
-          <p:spPr>
-            <a:xfrm>
-              <a:off x="5968896" y="2991781"/>
-              <a:ext cx="549381" cy="307777"/>
-            </a:xfrm>
-            <a:prstGeom prst="rect">
-              <a:avLst/>
-            </a:prstGeom>
-            <a:solidFill>
-              <a:schemeClr val="bg1"/>
-            </a:solidFill>
-          </p:spPr>
-          <p:txBody>
-            <a:bodyPr wrap="none" rtlCol="0">
-              <a:spAutoFit/>
-            </a:bodyPr>
-            <a:lstStyle/>
-            <a:p>
-              <a:r>
-                <a:rPr lang="en-US" altLang="ko-KR" sz="1400">
-                  <a:latin typeface="+mn-ea"/>
-                  <a:ea typeface="+mn-ea"/>
-                </a:rPr>
-                <a:t>IPTV</a:t>
-              </a:r>
-              <a:endParaRPr lang="ko-KR" altLang="en-US" sz="1400">
-                <a:latin typeface="+mn-ea"/>
-                <a:ea typeface="+mn-ea"/>
-              </a:endParaRPr>
-            </a:p>
-          </p:txBody>
-        </p:sp>
-        <p:grpSp>
-          <p:nvGrpSpPr>
-            <p:cNvPr id="56" name="그룹 55"/>
-            <p:cNvGrpSpPr/>
-            <p:nvPr/>
-          </p:nvGrpSpPr>
-          <p:grpSpPr>
-            <a:xfrm>
-              <a:off x="5069329" y="2391228"/>
-              <a:ext cx="1208157" cy="1443315"/>
-              <a:chOff x="5040210" y="2166203"/>
-              <a:chExt cx="1208157" cy="1443315"/>
-            </a:xfrm>
-          </p:grpSpPr>
-          <p:pic>
-            <p:nvPicPr>
-              <p:cNvPr id="61" name="그림 60" descr="olleh tv"/>
-              <p:cNvPicPr>
-                <a:picLocks noChangeAspect="1"/>
-              </p:cNvPicPr>
-              <p:nvPr/>
-            </p:nvPicPr>
-            <p:blipFill>
-              <a:blip r:embed="rId6" cstate="print">
-                <a:extLst>
-                  <a:ext uri="{28A0092B-C50C-407E-A947-70E740481C1C}">
-                    <a14:useLocalDpi xmlns:a14="http://schemas.microsoft.com/office/drawing/2010/main" val="0"/>
-                  </a:ext>
-                </a:extLst>
-              </a:blip>
-              <a:stretch>
-                <a:fillRect/>
-              </a:stretch>
-            </p:blipFill>
-            <p:spPr>
-              <a:xfrm>
-                <a:off x="5349049" y="2996050"/>
-                <a:ext cx="899318" cy="613468"/>
-              </a:xfrm>
-              <a:prstGeom prst="rect">
-                <a:avLst/>
-              </a:prstGeom>
-            </p:spPr>
-          </p:pic>
-          <p:cxnSp>
-            <p:nvCxnSpPr>
-              <p:cNvPr id="62" name="직선 연결선 61"/>
-              <p:cNvCxnSpPr/>
-              <p:nvPr/>
-            </p:nvCxnSpPr>
-            <p:spPr>
-              <a:xfrm flipV="1">
-                <a:off x="5040210" y="3314734"/>
-                <a:ext cx="398064" cy="118740"/>
-              </a:xfrm>
-              <a:prstGeom prst="line">
-                <a:avLst/>
-              </a:prstGeom>
-              <a:ln w="38100"/>
-            </p:spPr>
-            <p:style>
-              <a:lnRef idx="1">
-                <a:schemeClr val="accent1"/>
-              </a:lnRef>
-              <a:fillRef idx="0">
-                <a:schemeClr val="accent1"/>
-              </a:fillRef>
-              <a:effectRef idx="0">
-                <a:schemeClr val="accent1"/>
-              </a:effectRef>
-              <a:fontRef idx="minor">
-                <a:schemeClr val="tx1"/>
-              </a:fontRef>
-            </p:style>
-          </p:cxnSp>
-          <p:pic>
-            <p:nvPicPr>
-              <p:cNvPr id="63" name="그림 62" descr="&lt;strong&gt;LG&lt;/strong&gt; LCD &lt;strong&gt;TV&lt;/strong&gt; (LH50_brown) | &lt;strong&gt;LG&lt;/strong&gt;전자 | Flickr"/>
-              <p:cNvPicPr>
-                <a:picLocks noChangeAspect="1"/>
-              </p:cNvPicPr>
-              <p:nvPr/>
-            </p:nvPicPr>
-            <p:blipFill>
-              <a:blip r:embed="rId7" cstate="print">
-                <a:extLst>
-                  <a:ext uri="{28A0092B-C50C-407E-A947-70E740481C1C}">
-                    <a14:useLocalDpi xmlns:a14="http://schemas.microsoft.com/office/drawing/2010/main" val="0"/>
-                  </a:ext>
-                </a:extLst>
-              </a:blip>
-              <a:stretch>
-                <a:fillRect/>
-              </a:stretch>
-            </p:blipFill>
-            <p:spPr>
-              <a:xfrm>
-                <a:off x="5234286" y="2166203"/>
-                <a:ext cx="922020" cy="678009"/>
-              </a:xfrm>
-              <a:prstGeom prst="rect">
-                <a:avLst/>
-              </a:prstGeom>
-            </p:spPr>
-          </p:pic>
-          <p:cxnSp>
-            <p:nvCxnSpPr>
-              <p:cNvPr id="64" name="직선 연결선 63"/>
-              <p:cNvCxnSpPr/>
-              <p:nvPr/>
-            </p:nvCxnSpPr>
-            <p:spPr>
-              <a:xfrm flipV="1">
-                <a:off x="5695296" y="2785345"/>
-                <a:ext cx="0" cy="280624"/>
-              </a:xfrm>
-              <a:prstGeom prst="line">
-                <a:avLst/>
-              </a:prstGeom>
-              <a:ln w="38100"/>
-            </p:spPr>
-            <p:style>
-              <a:lnRef idx="1">
-                <a:schemeClr val="accent1"/>
-              </a:lnRef>
-              <a:fillRef idx="0">
-                <a:schemeClr val="accent1"/>
-              </a:fillRef>
-              <a:effectRef idx="0">
-                <a:schemeClr val="accent1"/>
-              </a:effectRef>
-              <a:fontRef idx="minor">
-                <a:schemeClr val="tx1"/>
-              </a:fontRef>
-            </p:style>
-          </p:cxnSp>
-        </p:grpSp>
-        <p:sp>
-          <p:nvSpPr>
-            <p:cNvPr id="57" name="TextBox 56"/>
-            <p:cNvSpPr txBox="1"/>
-            <p:nvPr/>
-          </p:nvSpPr>
-          <p:spPr>
-            <a:xfrm>
-              <a:off x="7387601" y="5550236"/>
-              <a:ext cx="2414444" cy="369332"/>
-            </a:xfrm>
-            <a:prstGeom prst="rect">
-              <a:avLst/>
-            </a:prstGeom>
-            <a:noFill/>
-          </p:spPr>
-          <p:txBody>
-            <a:bodyPr wrap="none" rtlCol="0">
-              <a:spAutoFit/>
-            </a:bodyPr>
-            <a:lstStyle/>
-            <a:p>
-              <a:r>
-                <a:rPr lang="en-US" altLang="ko-KR">
-                  <a:latin typeface="+mj-ea"/>
-                  <a:ea typeface="+mj-ea"/>
-                </a:rPr>
-                <a:t>IP </a:t>
-              </a:r>
-              <a:r>
-                <a:rPr lang="ko-KR" altLang="en-US">
-                  <a:latin typeface="+mj-ea"/>
-                  <a:ea typeface="+mj-ea"/>
-                </a:rPr>
-                <a:t>주소 </a:t>
-              </a:r>
-              <a:r>
-                <a:rPr lang="en-US" altLang="ko-KR">
-                  <a:latin typeface="+mj-ea"/>
-                  <a:ea typeface="+mj-ea"/>
-                </a:rPr>
-                <a:t>= 172.30.1.30</a:t>
-              </a:r>
-              <a:endParaRPr lang="ko-KR" altLang="en-US">
-                <a:latin typeface="+mj-ea"/>
-                <a:ea typeface="+mj-ea"/>
-              </a:endParaRPr>
-            </a:p>
-          </p:txBody>
-        </p:sp>
-        <p:pic>
-          <p:nvPicPr>
-            <p:cNvPr id="58" name="그림 57" descr="Laptop | Free Stock Photo | Illustration of a laptop computer | # 17116"/>
-            <p:cNvPicPr>
-              <a:picLocks noChangeAspect="1"/>
-            </p:cNvPicPr>
-            <p:nvPr/>
-          </p:nvPicPr>
-          <p:blipFill>
-            <a:blip r:embed="rId8" cstate="print">
-              <a:extLst>
-                <a:ext uri="{28A0092B-C50C-407E-A947-70E740481C1C}">
-                  <a14:useLocalDpi xmlns:a14="http://schemas.microsoft.com/office/drawing/2010/main" val="0"/>
-                </a:ext>
-              </a:extLst>
-            </a:blip>
-            <a:stretch>
-              <a:fillRect/>
-            </a:stretch>
-          </p:blipFill>
-          <p:spPr>
-            <a:xfrm>
-              <a:off x="8048558" y="4863840"/>
-              <a:ext cx="728320" cy="675102"/>
-            </a:xfrm>
-            <a:prstGeom prst="rect">
-              <a:avLst/>
-            </a:prstGeom>
-          </p:spPr>
-        </p:pic>
-        <p:sp>
-          <p:nvSpPr>
-            <p:cNvPr id="59" name="모서리가 둥근 직사각형 58"/>
-            <p:cNvSpPr/>
-            <p:nvPr/>
-          </p:nvSpPr>
-          <p:spPr>
-            <a:xfrm>
-              <a:off x="7168243" y="4536553"/>
-              <a:ext cx="3012621" cy="1547810"/>
-            </a:xfrm>
-            <a:prstGeom prst="roundRect">
-              <a:avLst/>
-            </a:prstGeom>
-            <a:noFill/>
-            <a:effectLst/>
-          </p:spPr>
-          <p:style>
-            <a:lnRef idx="1">
-              <a:schemeClr val="accent1"/>
-            </a:lnRef>
-            <a:fillRef idx="2">
-              <a:schemeClr val="accent1"/>
-            </a:fillRef>
-            <a:effectRef idx="1">
-              <a:schemeClr val="accent1"/>
-            </a:effectRef>
-            <a:fontRef idx="minor">
-              <a:schemeClr val="dk1"/>
-            </a:fontRef>
-          </p:style>
-          <p:txBody>
-            <a:bodyPr rot="0" spcFirstLastPara="0" vertOverflow="overflow" horzOverflow="overflow" vert="horz" wrap="square" lIns="91440" tIns="45720" rIns="91440" bIns="45720" numCol="1" spcCol="0" rtlCol="0" fromWordArt="0" anchor="ctr" anchorCtr="0" forceAA="0" compatLnSpc="1">
-              <a:prstTxWarp prst="textNoShape">
-                <a:avLst/>
-              </a:prstTxWarp>
-              <a:noAutofit/>
-            </a:bodyPr>
-            <a:lstStyle/>
-            <a:p>
-              <a:pPr algn="ctr"/>
-              <a:endParaRPr lang="ko-KR" altLang="en-US">
-                <a:latin typeface="+mj-ea"/>
-                <a:ea typeface="+mj-ea"/>
-              </a:endParaRPr>
-            </a:p>
-          </p:txBody>
-        </p:sp>
-      </p:grpSp>
-      <p:cxnSp>
-        <p:nvCxnSpPr>
-          <p:cNvPr id="70" name="직선 연결선 69"/>
-          <p:cNvCxnSpPr/>
-          <p:nvPr/>
-        </p:nvCxnSpPr>
-        <p:spPr>
-          <a:xfrm>
-            <a:off x="5477691" y="4753732"/>
-            <a:ext cx="2570867" cy="447659"/>
-          </a:xfrm>
-          <a:prstGeom prst="line">
-            <a:avLst/>
-          </a:prstGeom>
-          <a:ln w="38100">
-            <a:prstDash val="sysDot"/>
-          </a:ln>
-        </p:spPr>
-        <p:style>
-          <a:lnRef idx="1">
-            <a:schemeClr val="accent1"/>
-          </a:lnRef>
-          <a:fillRef idx="0">
-            <a:schemeClr val="accent1"/>
-          </a:fillRef>
-          <a:effectRef idx="0">
-            <a:schemeClr val="accent1"/>
-          </a:effectRef>
-          <a:fontRef idx="minor">
-            <a:schemeClr val="tx1"/>
-          </a:fontRef>
-        </p:style>
-      </p:cxnSp>
-      <p:sp>
-        <p:nvSpPr>
-          <p:cNvPr id="75" name="TextBox 74"/>
-          <p:cNvSpPr txBox="1"/>
-          <p:nvPr/>
-        </p:nvSpPr>
-        <p:spPr>
-          <a:xfrm>
-            <a:off x="3456486" y="4333114"/>
-            <a:ext cx="1478290" cy="307777"/>
-          </a:xfrm>
-          <a:prstGeom prst="rect">
-            <a:avLst/>
-          </a:prstGeom>
-          <a:noFill/>
-        </p:spPr>
-        <p:txBody>
-          <a:bodyPr wrap="none" rtlCol="0">
-            <a:spAutoFit/>
-          </a:bodyPr>
-          <a:lstStyle/>
-          <a:p>
-            <a:r>
-              <a:rPr lang="en-US" altLang="ko-KR" sz="1400">
-                <a:latin typeface="+mn-ea"/>
-                <a:ea typeface="+mn-ea"/>
-              </a:rPr>
-              <a:t>IP=14.38.xxx.xxx</a:t>
-            </a:r>
-            <a:endParaRPr lang="ko-KR" altLang="en-US" sz="1400">
-              <a:latin typeface="+mn-ea"/>
-              <a:ea typeface="+mn-ea"/>
-            </a:endParaRPr>
-          </a:p>
-        </p:txBody>
-      </p:sp>
-      <p:pic>
-        <p:nvPicPr>
-          <p:cNvPr id="76" name="그림 75" descr="&lt;strong&gt;스마트폰&lt;/strong&gt; 터치 스크린 통신 · Pixabay의 무료 벡터 그래픽"/>
-          <p:cNvPicPr>
-            <a:picLocks noChangeAspect="1"/>
-          </p:cNvPicPr>
-          <p:nvPr/>
-        </p:nvPicPr>
-        <p:blipFill>
-          <a:blip r:embed="rId9" cstate="print">
-            <a:extLst>
-              <a:ext uri="{28A0092B-C50C-407E-A947-70E740481C1C}">
-                <a14:useLocalDpi xmlns:a14="http://schemas.microsoft.com/office/drawing/2010/main" val="0"/>
-              </a:ext>
-            </a:extLst>
-          </a:blip>
-          <a:stretch>
-            <a:fillRect/>
-          </a:stretch>
-        </p:blipFill>
-        <p:spPr>
-          <a:xfrm>
-            <a:off x="6320808" y="5442683"/>
-            <a:ext cx="380703" cy="577065"/>
-          </a:xfrm>
-          <a:prstGeom prst="rect">
-            <a:avLst/>
-          </a:prstGeom>
-        </p:spPr>
-      </p:pic>
-      <p:cxnSp>
-        <p:nvCxnSpPr>
-          <p:cNvPr id="77" name="직선 연결선 76"/>
-          <p:cNvCxnSpPr>
-            <a:endCxn id="76" idx="0"/>
-          </p:cNvCxnSpPr>
-          <p:nvPr/>
-        </p:nvCxnSpPr>
-        <p:spPr>
-          <a:xfrm>
-            <a:off x="5477691" y="4863840"/>
-            <a:ext cx="1033469" cy="578843"/>
-          </a:xfrm>
-          <a:prstGeom prst="line">
-            <a:avLst/>
-          </a:prstGeom>
-          <a:ln w="38100">
-            <a:prstDash val="sysDot"/>
-          </a:ln>
-        </p:spPr>
-        <p:style>
-          <a:lnRef idx="1">
-            <a:schemeClr val="accent1"/>
-          </a:lnRef>
-          <a:fillRef idx="0">
-            <a:schemeClr val="accent1"/>
-          </a:fillRef>
-          <a:effectRef idx="0">
-            <a:schemeClr val="accent1"/>
-          </a:effectRef>
-          <a:fontRef idx="minor">
-            <a:schemeClr val="tx1"/>
-          </a:fontRef>
-        </p:style>
-      </p:cxnSp>
-      <p:grpSp>
-        <p:nvGrpSpPr>
-          <p:cNvPr id="84" name="그룹 83"/>
-          <p:cNvGrpSpPr/>
-          <p:nvPr/>
-        </p:nvGrpSpPr>
-        <p:grpSpPr>
-          <a:xfrm>
-            <a:off x="4910502" y="4876511"/>
-            <a:ext cx="775360" cy="1439839"/>
-            <a:chOff x="6059941" y="1825838"/>
-            <a:chExt cx="775360" cy="1439839"/>
-          </a:xfrm>
-        </p:grpSpPr>
-        <p:pic>
-          <p:nvPicPr>
-            <p:cNvPr id="85" name="그림 84" descr="Server Web Network - Free vector graphic on Pixabay"/>
-            <p:cNvPicPr>
-              <a:picLocks noChangeAspect="1"/>
-            </p:cNvPicPr>
-            <p:nvPr/>
-          </p:nvPicPr>
-          <p:blipFill>
-            <a:blip r:embed="rId4" cstate="print">
-              <a:extLst>
-                <a:ext uri="{28A0092B-C50C-407E-A947-70E740481C1C}">
-                  <a14:useLocalDpi xmlns:a14="http://schemas.microsoft.com/office/drawing/2010/main" val="0"/>
-                </a:ext>
-              </a:extLst>
-            </a:blip>
-            <a:stretch>
-              <a:fillRect/>
-            </a:stretch>
-          </p:blipFill>
-          <p:spPr>
-            <a:xfrm>
-              <a:off x="6059941" y="2390527"/>
-              <a:ext cx="374573" cy="713936"/>
-            </a:xfrm>
-            <a:prstGeom prst="rect">
-              <a:avLst/>
-            </a:prstGeom>
-          </p:spPr>
-        </p:pic>
-        <p:pic>
-          <p:nvPicPr>
-            <p:cNvPr id="86" name="Picture 20" descr="j0431566[1]"/>
-            <p:cNvPicPr>
-              <a:picLocks noChangeAspect="1" noChangeArrowheads="1"/>
-            </p:cNvPicPr>
-            <p:nvPr/>
-          </p:nvPicPr>
-          <p:blipFill>
-            <a:blip r:embed="rId5">
-              <a:extLst>
-                <a:ext uri="{28A0092B-C50C-407E-A947-70E740481C1C}">
-                  <a14:useLocalDpi xmlns:a14="http://schemas.microsoft.com/office/drawing/2010/main" val="0"/>
-                </a:ext>
-              </a:extLst>
-            </a:blip>
-            <a:srcRect/>
-            <a:stretch>
-              <a:fillRect/>
-            </a:stretch>
-          </p:blipFill>
-          <p:spPr bwMode="auto">
-            <a:xfrm>
-              <a:off x="6193312" y="2388327"/>
-              <a:ext cx="641989" cy="877350"/>
-            </a:xfrm>
-            <a:prstGeom prst="rect">
-              <a:avLst/>
-            </a:prstGeom>
-            <a:noFill/>
-            <a:ln>
-              <a:noFill/>
-            </a:ln>
-            <a:extLst>
-              <a:ext uri="{909E8E84-426E-40DD-AFC4-6F175D3DCCD1}">
-                <a14:hiddenFill xmlns:a14="http://schemas.microsoft.com/office/drawing/2010/main">
-                  <a:solidFill>
-                    <a:srgbClr val="FFFFFF"/>
-                  </a:solidFill>
-                </a14:hiddenFill>
-              </a:ext>
-              <a:ext uri="{91240B29-F687-4F45-9708-019B960494DF}">
-                <a14:hiddenLine xmlns:a14="http://schemas.microsoft.com/office/drawing/2010/main" w="9525">
-                  <a:solidFill>
-                    <a:srgbClr val="000000"/>
-                  </a:solidFill>
-                  <a:miter lim="800000"/>
-                  <a:headEnd/>
-                  <a:tailEnd/>
-                </a14:hiddenLine>
-              </a:ext>
-            </a:extLst>
-          </p:spPr>
-        </p:pic>
-        <p:cxnSp>
-          <p:nvCxnSpPr>
-            <p:cNvPr id="87" name="직선 연결선 86"/>
-            <p:cNvCxnSpPr/>
-            <p:nvPr/>
-          </p:nvCxnSpPr>
-          <p:spPr>
-            <a:xfrm flipH="1">
-              <a:off x="6339749" y="1825838"/>
-              <a:ext cx="73095" cy="592472"/>
-            </a:xfrm>
-            <a:prstGeom prst="line">
-              <a:avLst/>
-            </a:prstGeom>
-            <a:ln w="38100"/>
-          </p:spPr>
-          <p:style>
-            <a:lnRef idx="1">
-              <a:schemeClr val="accent1"/>
-            </a:lnRef>
-            <a:fillRef idx="0">
-              <a:schemeClr val="accent1"/>
-            </a:fillRef>
-            <a:effectRef idx="0">
-              <a:schemeClr val="accent1"/>
-            </a:effectRef>
-            <a:fontRef idx="minor">
-              <a:schemeClr val="tx1"/>
-            </a:fontRef>
-          </p:style>
-        </p:cxnSp>
-      </p:grpSp>
-      <p:sp>
-        <p:nvSpPr>
-          <p:cNvPr id="88" name="TextBox 87"/>
-          <p:cNvSpPr txBox="1"/>
-          <p:nvPr/>
-        </p:nvSpPr>
-        <p:spPr>
-          <a:xfrm>
-            <a:off x="3461905" y="4958632"/>
-            <a:ext cx="2735044" cy="369332"/>
-          </a:xfrm>
-          <a:prstGeom prst="rect">
-            <a:avLst/>
-          </a:prstGeom>
-          <a:noFill/>
-        </p:spPr>
-        <p:txBody>
-          <a:bodyPr wrap="none" rtlCol="0">
-            <a:spAutoFit/>
-          </a:bodyPr>
-          <a:lstStyle/>
-          <a:p>
-            <a:r>
-              <a:rPr lang="en-US" altLang="ko-KR">
-                <a:latin typeface="+mj-ea"/>
-                <a:ea typeface="+mj-ea"/>
-              </a:rPr>
-              <a:t>KT </a:t>
-            </a:r>
-            <a:r>
-              <a:rPr lang="ko-KR" altLang="en-US">
-                <a:latin typeface="+mj-ea"/>
-                <a:ea typeface="+mj-ea"/>
-              </a:rPr>
-              <a:t>공유기 </a:t>
-            </a:r>
-            <a:r>
-              <a:rPr lang="en-US" altLang="ko-KR">
-                <a:latin typeface="+mj-ea"/>
-                <a:ea typeface="+mj-ea"/>
-              </a:rPr>
-              <a:t>(</a:t>
-            </a:r>
-            <a:r>
-              <a:rPr lang="en-US" altLang="ko-KR">
-                <a:solidFill>
-                  <a:srgbClr val="FF3300"/>
-                </a:solidFill>
-                <a:latin typeface="+mj-ea"/>
-                <a:ea typeface="+mj-ea"/>
-              </a:rPr>
-              <a:t>172.30.1.254</a:t>
-            </a:r>
-            <a:r>
-              <a:rPr lang="en-US" altLang="ko-KR">
-                <a:latin typeface="+mj-ea"/>
-                <a:ea typeface="+mj-ea"/>
-              </a:rPr>
-              <a:t>)</a:t>
-            </a:r>
-            <a:endParaRPr lang="ko-KR" altLang="en-US">
-              <a:latin typeface="+mj-ea"/>
-              <a:ea typeface="+mj-ea"/>
-            </a:endParaRPr>
-          </a:p>
-        </p:txBody>
-      </p:sp>
-      <p:pic>
-        <p:nvPicPr>
-          <p:cNvPr id="39" name="그림 38"/>
-          <p:cNvPicPr>
-            <a:picLocks noChangeAspect="1"/>
-          </p:cNvPicPr>
-          <p:nvPr/>
-        </p:nvPicPr>
-        <p:blipFill>
-          <a:blip r:embed="rId10">
-            <a:extLst>
-              <a:ext uri="{BEBA8EAE-BF5A-486C-A8C5-ECC9F3942E4B}">
-                <a14:imgProps xmlns:a14="http://schemas.microsoft.com/office/drawing/2010/main">
-                  <a14:imgLayer r:embed="rId11">
-                    <a14:imgEffect>
-                      <a14:backgroundRemoval t="0" b="93443" l="26182" r="83273"/>
-                    </a14:imgEffect>
-                    <a14:imgEffect>
-                      <a14:brightnessContrast bright="20000" contrast="40000"/>
-                    </a14:imgEffect>
-                  </a14:imgLayer>
-                </a14:imgProps>
-              </a:ext>
-            </a:extLst>
-          </a:blip>
-          <a:stretch>
-            <a:fillRect/>
-          </a:stretch>
-        </p:blipFill>
-        <p:spPr>
-          <a:xfrm>
-            <a:off x="4424705" y="4022541"/>
-            <a:ext cx="1500409" cy="998454"/>
-          </a:xfrm>
-          <a:prstGeom prst="rect">
-            <a:avLst/>
-          </a:prstGeom>
-        </p:spPr>
-      </p:pic>
-      <p:cxnSp>
-        <p:nvCxnSpPr>
-          <p:cNvPr id="73" name="직선 연결선 72"/>
-          <p:cNvCxnSpPr/>
-          <p:nvPr/>
-        </p:nvCxnSpPr>
-        <p:spPr>
-          <a:xfrm flipV="1">
-            <a:off x="5458908" y="3539759"/>
-            <a:ext cx="2411594" cy="927621"/>
-          </a:xfrm>
-          <a:prstGeom prst="line">
-            <a:avLst/>
-          </a:prstGeom>
-          <a:ln w="38100">
-            <a:prstDash val="sysDot"/>
-          </a:ln>
-        </p:spPr>
-        <p:style>
-          <a:lnRef idx="1">
-            <a:schemeClr val="accent1"/>
-          </a:lnRef>
-          <a:fillRef idx="0">
-            <a:schemeClr val="accent1"/>
-          </a:fillRef>
-          <a:effectRef idx="0">
-            <a:schemeClr val="accent1"/>
-          </a:effectRef>
-          <a:fontRef idx="minor">
-            <a:schemeClr val="tx1"/>
-          </a:fontRef>
-        </p:style>
-      </p:cxnSp>
-      <p:sp>
-        <p:nvSpPr>
-          <p:cNvPr id="17" name="자유형 16"/>
-          <p:cNvSpPr/>
-          <p:nvPr/>
-        </p:nvSpPr>
-        <p:spPr>
-          <a:xfrm>
-            <a:off x="5486400" y="3657600"/>
-            <a:ext cx="2899954" cy="931817"/>
-          </a:xfrm>
-          <a:custGeom>
-            <a:avLst/>
-            <a:gdLst>
-              <a:gd name="connsiteX0" fmla="*/ 0 w 2899954"/>
-              <a:gd name="connsiteY0" fmla="*/ 931817 h 931817"/>
-              <a:gd name="connsiteX1" fmla="*/ 2899954 w 2899954"/>
-              <a:gd name="connsiteY1" fmla="*/ 661851 h 931817"/>
-              <a:gd name="connsiteX2" fmla="*/ 2899954 w 2899954"/>
-              <a:gd name="connsiteY2" fmla="*/ 0 h 931817"/>
-            </a:gdLst>
-            <a:ahLst/>
-            <a:cxnLst>
-              <a:cxn ang="0">
-                <a:pos x="connsiteX0" y="connsiteY0"/>
-              </a:cxn>
-              <a:cxn ang="0">
-                <a:pos x="connsiteX1" y="connsiteY1"/>
-              </a:cxn>
-              <a:cxn ang="0">
-                <a:pos x="connsiteX2" y="connsiteY2"/>
-              </a:cxn>
-            </a:cxnLst>
-            <a:rect l="l" t="t" r="r" b="b"/>
-            <a:pathLst>
-              <a:path w="2899954" h="931817">
-                <a:moveTo>
-                  <a:pt x="0" y="931817"/>
-                </a:moveTo>
-                <a:lnTo>
-                  <a:pt x="2899954" y="661851"/>
-                </a:lnTo>
-                <a:lnTo>
-                  <a:pt x="2899954" y="0"/>
-                </a:lnTo>
-              </a:path>
-            </a:pathLst>
-          </a:custGeom>
-          <a:noFill/>
-          <a:ln w="38100"/>
-          <a:effectLst/>
-        </p:spPr>
-        <p:style>
-          <a:lnRef idx="1">
-            <a:schemeClr val="accent1"/>
-          </a:lnRef>
-          <a:fillRef idx="2">
-            <a:schemeClr val="accent1"/>
-          </a:fillRef>
-          <a:effectRef idx="1">
-            <a:schemeClr val="accent1"/>
-          </a:effectRef>
-          <a:fontRef idx="minor">
-            <a:schemeClr val="dk1"/>
-          </a:fontRef>
-        </p:style>
-        <p:txBody>
-          <a:bodyPr rtlCol="0" anchor="ctr"/>
-          <a:lstStyle/>
-          <a:p>
-            <a:pPr algn="ctr"/>
-            <a:endParaRPr lang="ko-KR" altLang="en-US"/>
-          </a:p>
-        </p:txBody>
-      </p:sp>
-    </p:spTree>
-    <p:extLst>
-      <p:ext uri="{BB962C8B-B14F-4D97-AF65-F5344CB8AC3E}">
-        <p14:creationId xmlns:p14="http://schemas.microsoft.com/office/powerpoint/2010/main" val="2819194457"/>
-      </p:ext>
-    </p:extLst>
-  </p:cSld>
-  <p:clrMapOvr>
-    <a:masterClrMapping/>
-  </p:clrMapOvr>
-</p:sld>
-</file>
-
-<file path=ppt/slides/slide7.xml><?xml version="1.0" encoding="utf-8"?>
 <p:sld xmlns:a="http://schemas.openxmlformats.org/drawingml/2006/main" xmlns:r="http://schemas.openxmlformats.org/officeDocument/2006/relationships" xmlns:p="http://schemas.openxmlformats.org/presentationml/2006/main">
   <p:cSld>
     <p:spTree>
@@ -10873,38 +5194,6 @@
       </p:cxnSp>
       <p:sp>
         <p:nvSpPr>
-          <p:cNvPr id="2" name="내용 개체 틀 1"/>
-          <p:cNvSpPr>
-            <a:spLocks noGrp="1"/>
-          </p:cNvSpPr>
-          <p:nvPr>
-            <p:ph idx="1"/>
-          </p:nvPr>
-        </p:nvSpPr>
-        <p:spPr>
-          <a:xfrm>
-            <a:off x="609600" y="1043735"/>
-            <a:ext cx="10972800" cy="511631"/>
-          </a:xfrm>
-        </p:spPr>
-        <p:txBody>
-          <a:bodyPr/>
-          <a:lstStyle/>
-          <a:p>
-            <a:r>
-              <a:rPr lang="en-US" altLang="ko-KR"/>
-              <a:t>1 ~ 4 </a:t>
-            </a:r>
-            <a:r>
-              <a:rPr lang="ko-KR" altLang="en-US"/>
-              <a:t>경우가 아니라면 직접 작성할 것</a:t>
-            </a:r>
-            <a:endParaRPr lang="en-US" altLang="ko-KR" dirty="0"/>
-          </a:p>
-        </p:txBody>
-      </p:sp>
-      <p:sp>
-        <p:nvSpPr>
           <p:cNvPr id="3" name="제목 2"/>
           <p:cNvSpPr>
             <a:spLocks noGrp="1"/>
@@ -10928,105 +5217,6 @@
           </a:p>
         </p:txBody>
       </p:sp>
-      <p:grpSp>
-        <p:nvGrpSpPr>
-          <p:cNvPr id="4" name="그룹 3"/>
-          <p:cNvGrpSpPr/>
-          <p:nvPr/>
-        </p:nvGrpSpPr>
-        <p:grpSpPr>
-          <a:xfrm>
-            <a:off x="415866" y="1812122"/>
-            <a:ext cx="1239880" cy="1035115"/>
-            <a:chOff x="2727204" y="3107822"/>
-            <a:chExt cx="1722417" cy="1437962"/>
-          </a:xfrm>
-        </p:grpSpPr>
-        <p:pic>
-          <p:nvPicPr>
-            <p:cNvPr id="5" name="그림 4" descr="Server Web Network - Free vector graphic on Pixabay"/>
-            <p:cNvPicPr>
-              <a:picLocks noChangeAspect="1"/>
-            </p:cNvPicPr>
-            <p:nvPr/>
-          </p:nvPicPr>
-          <p:blipFill>
-            <a:blip r:embed="rId4" cstate="print">
-              <a:extLst>
-                <a:ext uri="{28A0092B-C50C-407E-A947-70E740481C1C}">
-                  <a14:useLocalDpi xmlns:a14="http://schemas.microsoft.com/office/drawing/2010/main" val="0"/>
-                </a:ext>
-              </a:extLst>
-            </a:blip>
-            <a:stretch>
-              <a:fillRect/>
-            </a:stretch>
-          </p:blipFill>
-          <p:spPr>
-            <a:xfrm>
-              <a:off x="2727204" y="3111429"/>
-              <a:ext cx="832092" cy="1170130"/>
-            </a:xfrm>
-            <a:prstGeom prst="rect">
-              <a:avLst/>
-            </a:prstGeom>
-          </p:spPr>
-        </p:pic>
-        <p:pic>
-          <p:nvPicPr>
-            <p:cNvPr id="6" name="Picture 20" descr="j0431566[1]"/>
-            <p:cNvPicPr>
-              <a:picLocks noChangeAspect="1" noChangeArrowheads="1"/>
-            </p:cNvPicPr>
-            <p:nvPr/>
-          </p:nvPicPr>
-          <p:blipFill>
-            <a:blip r:embed="rId5">
-              <a:extLst>
-                <a:ext uri="{28A0092B-C50C-407E-A947-70E740481C1C}">
-                  <a14:useLocalDpi xmlns:a14="http://schemas.microsoft.com/office/drawing/2010/main" val="0"/>
-                </a:ext>
-              </a:extLst>
-            </a:blip>
-            <a:srcRect/>
-            <a:stretch>
-              <a:fillRect/>
-            </a:stretch>
-          </p:blipFill>
-          <p:spPr bwMode="auto">
-            <a:xfrm>
-              <a:off x="3023481" y="3107822"/>
-              <a:ext cx="1426140" cy="1437962"/>
-            </a:xfrm>
-            <a:prstGeom prst="rect">
-              <a:avLst/>
-            </a:prstGeom>
-            <a:noFill/>
-            <a:ln>
-              <a:noFill/>
-            </a:ln>
-            <a:extLst>
-              <a:ext uri="{909E8E84-426E-40DD-AFC4-6F175D3DCCD1}">
-                <a14:hiddenFill xmlns:a14="http://schemas.microsoft.com/office/drawing/2010/main">
-                  <a:solidFill>
-                    <a:srgbClr val="FFFFFF"/>
-                  </a:solidFill>
-                </a14:hiddenFill>
-              </a:ext>
-              <a:ext uri="{91240B29-F687-4F45-9708-019B960494DF}">
-                <a14:hiddenLine xmlns:a14="http://schemas.microsoft.com/office/drawing/2010/main" w="9525">
-                  <a:solidFill>
-                    <a:srgbClr val="000000"/>
-                  </a:solidFill>
-                  <a:miter lim="800000"/>
-                  <a:headEnd/>
-                  <a:tailEnd/>
-                </a14:hiddenLine>
-              </a:ext>
-            </a:extLst>
-          </p:spPr>
-        </p:pic>
-      </p:grpSp>
       <p:pic>
         <p:nvPicPr>
           <p:cNvPr id="9" name="그림 8"/>
@@ -11036,11 +5226,11 @@
           <p:nvPr/>
         </p:nvPicPr>
         <p:blipFill>
-          <a:blip r:embed="rId6">
+          <a:blip r:embed="rId4">
             <a:extLst>
               <a:ext uri="{BEBA8EAE-BF5A-486C-A8C5-ECC9F3942E4B}">
                 <a14:imgProps xmlns:a14="http://schemas.microsoft.com/office/drawing/2010/main">
-                  <a14:imgLayer r:embed="rId7">
+                  <a14:imgLayer r:embed="rId5">
                     <a14:imgEffect>
                       <a14:brightnessContrast contrast="-40000"/>
                     </a14:imgEffect>
@@ -11086,7 +5276,7 @@
             <p:nvPr/>
           </p:nvPicPr>
           <p:blipFill>
-            <a:blip r:embed="rId8" cstate="print">
+            <a:blip r:embed="rId6" cstate="print">
               <a:extLst>
                 <a:ext uri="{28A0092B-C50C-407E-A947-70E740481C1C}">
                   <a14:useLocalDpi xmlns:a14="http://schemas.microsoft.com/office/drawing/2010/main" val="0"/>
@@ -11123,7 +5313,7 @@
           </p:grpSpPr>
           <mc:AlternateContent xmlns:mc="http://schemas.openxmlformats.org/markup-compatibility/2006" xmlns:p14="http://schemas.microsoft.com/office/powerpoint/2010/main">
             <mc:Choice Requires="p14">
-              <p:contentPart p14:bwMode="auto" r:id="rId9">
+              <p:contentPart p14:bwMode="auto" r:id="rId7">
                 <p14:nvContentPartPr>
                   <p14:cNvPr id="20" name="잉크 19"/>
                   <p14:cNvContentPartPr/>
@@ -11169,7 +5359,7 @@
             <p:spPr>
               <a:xfrm>
                 <a:off x="2798459" y="3667798"/>
-                <a:ext cx="738743" cy="198695"/>
+                <a:ext cx="256873" cy="198695"/>
               </a:xfrm>
               <a:prstGeom prst="rect">
                 <a:avLst/>
@@ -11183,25 +5373,22 @@
               <a:lstStyle/>
               <a:p>
                 <a:r>
-                  <a:rPr lang="en-US" altLang="ko-KR">
+                  <a:rPr lang="en-US" altLang="ko-KR" dirty="0">
                     <a:solidFill>
                       <a:srgbClr val="FF0000"/>
                     </a:solidFill>
                     <a:latin typeface="+mj-ea"/>
                     <a:ea typeface="+mj-ea"/>
                   </a:rPr>
-                  <a:t>ISP </a:t>
+                  <a:t>KT</a:t>
                 </a:r>
-                <a:r>
-                  <a:rPr lang="ko-KR" altLang="en-US">
-                    <a:solidFill>
-                      <a:srgbClr val="FF0000"/>
-                    </a:solidFill>
-                    <a:latin typeface="+mj-ea"/>
-                    <a:ea typeface="+mj-ea"/>
-                  </a:rPr>
-                  <a:t>회사명</a:t>
-                </a:r>
+                <a:endParaRPr lang="ko-KR" altLang="en-US" dirty="0">
+                  <a:solidFill>
+                    <a:srgbClr val="FF0000"/>
+                  </a:solidFill>
+                  <a:latin typeface="+mj-ea"/>
+                  <a:ea typeface="+mj-ea"/>
+                </a:endParaRPr>
               </a:p>
             </p:txBody>
           </p:sp>
@@ -11215,7 +5402,7 @@
             <p:nvPr/>
           </p:nvPicPr>
           <p:blipFill>
-            <a:blip r:embed="rId8" cstate="print">
+            <a:blip r:embed="rId6" cstate="print">
               <a:extLst>
                 <a:ext uri="{28A0092B-C50C-407E-A947-70E740481C1C}">
                   <a14:useLocalDpi xmlns:a14="http://schemas.microsoft.com/office/drawing/2010/main" val="0"/>
@@ -11245,7 +5432,7 @@
             <p:nvPr/>
           </p:nvPicPr>
           <p:blipFill>
-            <a:blip r:embed="rId8" cstate="print">
+            <a:blip r:embed="rId6" cstate="print">
               <a:extLst>
                 <a:ext uri="{28A0092B-C50C-407E-A947-70E740481C1C}">
                   <a14:useLocalDpi xmlns:a14="http://schemas.microsoft.com/office/drawing/2010/main" val="0"/>
@@ -11275,7 +5462,7 @@
             <p:nvPr/>
           </p:nvPicPr>
           <p:blipFill>
-            <a:blip r:embed="rId8" cstate="print">
+            <a:blip r:embed="rId6" cstate="print">
               <a:extLst>
                 <a:ext uri="{28A0092B-C50C-407E-A947-70E740481C1C}">
                   <a14:useLocalDpi xmlns:a14="http://schemas.microsoft.com/office/drawing/2010/main" val="0"/>
@@ -11658,69 +5845,28 @@
           <a:lstStyle/>
           <a:p>
             <a:r>
-              <a:rPr lang="en-US" altLang="ko-KR" sz="1400">
+              <a:rPr lang="en-US" altLang="ko-KR" sz="1400" dirty="0">
                 <a:latin typeface="+mn-ea"/>
                 <a:ea typeface="+mn-ea"/>
                 <a:hlinkClick r:id="rId15"/>
               </a:rPr>
               <a:t>www.hansung.ac.kr</a:t>
             </a:r>
-            <a:endParaRPr lang="en-US" altLang="ko-KR" sz="1400">
+            <a:endParaRPr lang="en-US" altLang="ko-KR" sz="1400" dirty="0">
               <a:latin typeface="+mn-ea"/>
               <a:ea typeface="+mn-ea"/>
             </a:endParaRPr>
           </a:p>
           <a:p>
-            <a:r>
-              <a:rPr lang="en-US" altLang="ko-KR" sz="1400">
+            <a:pPr algn="ctr"/>
+            <a:r>
+              <a:rPr lang="en-US" altLang="ko-KR" sz="1400" dirty="0">
                 <a:latin typeface="+mn-ea"/>
                 <a:ea typeface="+mn-ea"/>
               </a:rPr>
               <a:t>220.66.102.11</a:t>
             </a:r>
-            <a:endParaRPr lang="ko-KR" altLang="en-US" sz="1400">
-              <a:latin typeface="+mn-ea"/>
-              <a:ea typeface="+mn-ea"/>
-            </a:endParaRPr>
-          </a:p>
-        </p:txBody>
-      </p:sp>
-      <p:sp>
-        <p:nvSpPr>
-          <p:cNvPr id="56" name="TextBox 55"/>
-          <p:cNvSpPr txBox="1"/>
-          <p:nvPr/>
-        </p:nvSpPr>
-        <p:spPr>
-          <a:xfrm>
-            <a:off x="471628" y="2737981"/>
-            <a:ext cx="835485" cy="307777"/>
-          </a:xfrm>
-          <a:prstGeom prst="rect">
-            <a:avLst/>
-          </a:prstGeom>
-          <a:noFill/>
-        </p:spPr>
-        <p:txBody>
-          <a:bodyPr wrap="none" rtlCol="0">
-            <a:spAutoFit/>
-          </a:bodyPr>
-          <a:lstStyle/>
-          <a:p>
-            <a:r>
-              <a:rPr lang="en-US" altLang="ko-KR" sz="1400">
-                <a:solidFill>
-                  <a:srgbClr val="FF0000"/>
-                </a:solidFill>
-                <a:latin typeface="+mn-ea"/>
-                <a:ea typeface="+mn-ea"/>
-              </a:rPr>
-              <a:t>IP = ???</a:t>
-            </a:r>
-            <a:endParaRPr lang="ko-KR" altLang="en-US" sz="1400">
-              <a:solidFill>
-                <a:srgbClr val="FF0000"/>
-              </a:solidFill>
+            <a:endParaRPr lang="ko-KR" altLang="en-US" sz="1400" dirty="0">
               <a:latin typeface="+mn-ea"/>
               <a:ea typeface="+mn-ea"/>
             </a:endParaRPr>
@@ -11786,20 +5932,20 @@
           <a:lstStyle/>
           <a:p>
             <a:r>
-              <a:rPr lang="en-US" altLang="ko-KR" sz="1400">
+              <a:rPr lang="en-US" altLang="ko-KR" sz="1400" dirty="0">
                 <a:latin typeface="+mn-ea"/>
                 <a:ea typeface="+mn-ea"/>
               </a:rPr>
               <a:t>DNS </a:t>
             </a:r>
             <a:r>
-              <a:rPr lang="ko-KR" altLang="en-US" sz="1400">
+              <a:rPr lang="ko-KR" altLang="en-US" sz="1400" dirty="0">
                 <a:latin typeface="+mn-ea"/>
                 <a:ea typeface="+mn-ea"/>
               </a:rPr>
               <a:t>서버</a:t>
             </a:r>
-            <a:endParaRPr lang="en-US" altLang="ko-KR" sz="1400">
+            <a:endParaRPr lang="en-US" altLang="ko-KR" sz="1400" dirty="0">
               <a:latin typeface="+mn-ea"/>
               <a:ea typeface="+mn-ea"/>
             </a:endParaRPr>
@@ -11963,37 +6109,6 @@
       </p:pic>
       <p:cxnSp>
         <p:nvCxnSpPr>
-          <p:cNvPr id="27" name="직선 연결선 26"/>
-          <p:cNvCxnSpPr/>
-          <p:nvPr/>
-        </p:nvCxnSpPr>
-        <p:spPr>
-          <a:xfrm>
-            <a:off x="1386795" y="2311376"/>
-            <a:ext cx="2188925" cy="0"/>
-          </a:xfrm>
-          <a:prstGeom prst="line">
-            <a:avLst/>
-          </a:prstGeom>
-          <a:ln w="38100"/>
-        </p:spPr>
-        <p:style>
-          <a:lnRef idx="1">
-            <a:schemeClr val="accent1"/>
-          </a:lnRef>
-          <a:fillRef idx="0">
-            <a:schemeClr val="accent1"/>
-          </a:fillRef>
-          <a:effectRef idx="0">
-            <a:schemeClr val="accent1"/>
-          </a:effectRef>
-          <a:fontRef idx="minor">
-            <a:schemeClr val="tx1"/>
-          </a:fontRef>
-        </p:style>
-      </p:cxnSp>
-      <p:cxnSp>
-        <p:nvCxnSpPr>
           <p:cNvPr id="29" name="직선 연결선 28"/>
           <p:cNvCxnSpPr>
             <a:endCxn id="9" idx="3"/>
@@ -12028,13 +6143,15 @@
       <p:cxnSp>
         <p:nvCxnSpPr>
           <p:cNvPr id="88" name="직선 연결선 87"/>
-          <p:cNvCxnSpPr/>
+          <p:cNvCxnSpPr>
+            <a:cxnSpLocks/>
+          </p:cNvCxnSpPr>
           <p:nvPr/>
         </p:nvCxnSpPr>
         <p:spPr>
           <a:xfrm flipH="1">
-            <a:off x="2329601" y="2553276"/>
-            <a:ext cx="1338376" cy="1081579"/>
+            <a:off x="2459768" y="2576419"/>
+            <a:ext cx="1121342" cy="921505"/>
           </a:xfrm>
           <a:prstGeom prst="line">
             <a:avLst/>
@@ -12062,14 +6179,15 @@
         <p:nvCxnSpPr>
           <p:cNvPr id="90" name="직선 연결선 89"/>
           <p:cNvCxnSpPr>
-            <a:endCxn id="87" idx="0"/>
+            <a:cxnSpLocks/>
+            <a:stCxn id="51" idx="2"/>
           </p:cNvCxnSpPr>
           <p:nvPr/>
         </p:nvCxnSpPr>
         <p:spPr>
           <a:xfrm flipH="1">
-            <a:off x="3397863" y="2576419"/>
-            <a:ext cx="404600" cy="1585664"/>
+            <a:off x="3462509" y="2635856"/>
+            <a:ext cx="416229" cy="1441532"/>
           </a:xfrm>
           <a:prstGeom prst="line">
             <a:avLst/>
@@ -12101,13 +6219,20 @@
         </p:nvSpPr>
         <p:spPr>
           <a:xfrm>
-            <a:off x="2570162" y="2387816"/>
-            <a:ext cx="835485" cy="307777"/>
+            <a:off x="2189121" y="1308597"/>
+            <a:ext cx="1662635" cy="307777"/>
           </a:xfrm>
           <a:prstGeom prst="rect">
             <a:avLst/>
           </a:prstGeom>
-          <a:noFill/>
+          <a:solidFill>
+            <a:schemeClr val="bg1"/>
+          </a:solidFill>
+          <a:ln>
+            <a:solidFill>
+              <a:schemeClr val="tx1"/>
+            </a:solidFill>
+          </a:ln>
         </p:spPr>
         <p:txBody>
           <a:bodyPr wrap="none" rtlCol="0">
@@ -12116,16 +6241,16 @@
           <a:lstStyle/>
           <a:p>
             <a:r>
-              <a:rPr lang="en-US" altLang="ko-KR" sz="1400">
+              <a:rPr lang="en-US" altLang="ko-KR" sz="1400" dirty="0">
                 <a:solidFill>
                   <a:srgbClr val="FF0000"/>
                 </a:solidFill>
                 <a:latin typeface="+mn-ea"/>
                 <a:ea typeface="+mn-ea"/>
               </a:rPr>
-              <a:t>IP = ???</a:t>
-            </a:r>
-            <a:endParaRPr lang="ko-KR" altLang="en-US" sz="1400">
+              <a:t>IP = 172.30.1.254</a:t>
+            </a:r>
+            <a:endParaRPr lang="ko-KR" altLang="en-US" sz="1400" dirty="0">
               <a:solidFill>
                 <a:srgbClr val="FF0000"/>
               </a:solidFill>
@@ -12143,31 +6268,38 @@
         </p:nvSpPr>
         <p:spPr>
           <a:xfrm>
-            <a:off x="7750447" y="2355605"/>
-            <a:ext cx="835485" cy="307777"/>
+            <a:off x="6868807" y="2676294"/>
+            <a:ext cx="1792478" cy="307777"/>
           </a:xfrm>
           <a:prstGeom prst="rect">
             <a:avLst/>
           </a:prstGeom>
-          <a:noFill/>
+          <a:solidFill>
+            <a:schemeClr val="bg1"/>
+          </a:solidFill>
+          <a:ln>
+            <a:solidFill>
+              <a:schemeClr val="tx1"/>
+            </a:solidFill>
+          </a:ln>
         </p:spPr>
         <p:txBody>
-          <a:bodyPr wrap="none" rtlCol="0">
+          <a:bodyPr wrap="square" rtlCol="0">
             <a:spAutoFit/>
           </a:bodyPr>
           <a:lstStyle/>
           <a:p>
             <a:r>
-              <a:rPr lang="en-US" altLang="ko-KR" sz="1400">
+              <a:rPr lang="en-US" altLang="ko-KR" sz="1400" dirty="0">
                 <a:solidFill>
                   <a:srgbClr val="FF0000"/>
                 </a:solidFill>
                 <a:latin typeface="+mn-ea"/>
                 <a:ea typeface="+mn-ea"/>
               </a:rPr>
-              <a:t>IP = ???</a:t>
-            </a:r>
-            <a:endParaRPr lang="ko-KR" altLang="en-US" sz="1400">
+              <a:t>IP=210.183.171.254</a:t>
+            </a:r>
+            <a:endParaRPr lang="ko-KR" altLang="en-US" sz="1400" dirty="0">
               <a:solidFill>
                 <a:srgbClr val="FF0000"/>
               </a:solidFill>
@@ -12185,34 +6317,49 @@
         </p:nvSpPr>
         <p:spPr>
           <a:xfrm>
-            <a:off x="10764496" y="634838"/>
-            <a:ext cx="835485" cy="307777"/>
+            <a:off x="9418502" y="1231998"/>
+            <a:ext cx="1595500" cy="523220"/>
           </a:xfrm>
           <a:prstGeom prst="rect">
             <a:avLst/>
           </a:prstGeom>
-          <a:noFill/>
+          <a:solidFill>
+            <a:schemeClr val="bg1"/>
+          </a:solidFill>
+          <a:ln>
+            <a:solidFill>
+              <a:schemeClr val="tx1"/>
+            </a:solidFill>
+          </a:ln>
         </p:spPr>
         <p:txBody>
-          <a:bodyPr wrap="none" rtlCol="0">
+          <a:bodyPr wrap="square" rtlCol="0">
             <a:spAutoFit/>
           </a:bodyPr>
           <a:lstStyle/>
           <a:p>
-            <a:r>
-              <a:rPr lang="en-US" altLang="ko-KR" sz="1400">
-                <a:solidFill>
-                  <a:srgbClr val="FF0000"/>
-                </a:solidFill>
+            <a:pPr algn="ctr"/>
+            <a:r>
+              <a:rPr lang="en-US" altLang="ko-KR" sz="1400" dirty="0">
                 <a:latin typeface="+mn-ea"/>
                 <a:ea typeface="+mn-ea"/>
               </a:rPr>
-              <a:t>IP = ???</a:t>
-            </a:r>
-            <a:endParaRPr lang="ko-KR" altLang="en-US" sz="1400">
-              <a:solidFill>
-                <a:srgbClr val="FF0000"/>
-              </a:solidFill>
+              <a:t>IP = 168.126.63.1</a:t>
+            </a:r>
+            <a:br>
+              <a:rPr lang="en-US" altLang="ko-KR" sz="1400" dirty="0">
+                <a:latin typeface="+mn-ea"/>
+                <a:ea typeface="+mn-ea"/>
+              </a:rPr>
+            </a:br>
+            <a:r>
+              <a:rPr lang="en-US" altLang="ko-KR" sz="1400" dirty="0">
+                <a:latin typeface="+mn-ea"/>
+                <a:ea typeface="+mn-ea"/>
+              </a:rPr>
+              <a:t>kns.kornet.net</a:t>
+            </a:r>
+            <a:endParaRPr lang="ko-KR" altLang="en-US" sz="1400" dirty="0">
               <a:latin typeface="+mn-ea"/>
               <a:ea typeface="+mn-ea"/>
             </a:endParaRPr>
@@ -12227,13 +6374,20 @@
         </p:nvSpPr>
         <p:spPr>
           <a:xfrm>
-            <a:off x="3667977" y="4319432"/>
-            <a:ext cx="835485" cy="307777"/>
+            <a:off x="2647496" y="4372847"/>
+            <a:ext cx="1500732" cy="307777"/>
           </a:xfrm>
           <a:prstGeom prst="rect">
             <a:avLst/>
           </a:prstGeom>
-          <a:noFill/>
+          <a:solidFill>
+            <a:schemeClr val="bg1"/>
+          </a:solidFill>
+          <a:ln>
+            <a:solidFill>
+              <a:schemeClr val="tx1"/>
+            </a:solidFill>
+          </a:ln>
         </p:spPr>
         <p:txBody>
           <a:bodyPr wrap="none" rtlCol="0">
@@ -12242,19 +6396,13 @@
           <a:lstStyle/>
           <a:p>
             <a:r>
-              <a:rPr lang="en-US" altLang="ko-KR" sz="1400">
-                <a:solidFill>
-                  <a:srgbClr val="FF0000"/>
-                </a:solidFill>
+              <a:rPr lang="en-US" altLang="ko-KR" sz="1400" dirty="0">
                 <a:latin typeface="+mn-ea"/>
                 <a:ea typeface="+mn-ea"/>
               </a:rPr>
-              <a:t>IP = ???</a:t>
-            </a:r>
-            <a:endParaRPr lang="ko-KR" altLang="en-US" sz="1400">
-              <a:solidFill>
-                <a:srgbClr val="FF0000"/>
-              </a:solidFill>
+              <a:t>IP = 172.30.1.21</a:t>
+            </a:r>
+            <a:endParaRPr lang="ko-KR" altLang="en-US" sz="1400" dirty="0">
               <a:latin typeface="+mn-ea"/>
               <a:ea typeface="+mn-ea"/>
             </a:endParaRPr>
@@ -12269,13 +6417,20 @@
         </p:nvSpPr>
         <p:spPr>
           <a:xfrm>
-            <a:off x="1405327" y="4435191"/>
-            <a:ext cx="835485" cy="307777"/>
+            <a:off x="1357206" y="3923499"/>
+            <a:ext cx="1500732" cy="307777"/>
           </a:xfrm>
           <a:prstGeom prst="rect">
             <a:avLst/>
           </a:prstGeom>
-          <a:noFill/>
+          <a:solidFill>
+            <a:schemeClr val="bg1"/>
+          </a:solidFill>
+          <a:ln>
+            <a:solidFill>
+              <a:schemeClr val="tx1"/>
+            </a:solidFill>
+          </a:ln>
         </p:spPr>
         <p:txBody>
           <a:bodyPr wrap="none" rtlCol="0">
@@ -12284,18 +6439,359 @@
           <a:lstStyle/>
           <a:p>
             <a:r>
-              <a:rPr lang="en-US" altLang="ko-KR" sz="1400">
+              <a:rPr lang="en-US" altLang="ko-KR" sz="1400" dirty="0">
+                <a:latin typeface="+mn-ea"/>
+                <a:ea typeface="+mn-ea"/>
+              </a:rPr>
+              <a:t>IP = 172.30.1.22</a:t>
+            </a:r>
+            <a:endParaRPr lang="ko-KR" altLang="en-US" sz="1400" dirty="0">
+              <a:latin typeface="+mn-ea"/>
+              <a:ea typeface="+mn-ea"/>
+            </a:endParaRPr>
+          </a:p>
+        </p:txBody>
+      </p:sp>
+      <p:sp>
+        <p:nvSpPr>
+          <p:cNvPr id="39" name="TextBox 38">
+            <a:extLst>
+              <a:ext uri="{FF2B5EF4-FFF2-40B4-BE49-F238E27FC236}">
+                <a16:creationId xmlns:a16="http://schemas.microsoft.com/office/drawing/2014/main" id="{007B9927-E6AF-7F33-DD4D-003BE9C81839}"/>
+              </a:ext>
+            </a:extLst>
+          </p:cNvPr>
+          <p:cNvSpPr txBox="1"/>
+          <p:nvPr/>
+        </p:nvSpPr>
+        <p:spPr>
+          <a:xfrm>
+            <a:off x="6093210" y="1221902"/>
+            <a:ext cx="1773242" cy="307777"/>
+          </a:xfrm>
+          <a:prstGeom prst="rect">
+            <a:avLst/>
+          </a:prstGeom>
+          <a:noFill/>
+          <a:ln>
+            <a:solidFill>
+              <a:schemeClr val="tx1"/>
+            </a:solidFill>
+          </a:ln>
+        </p:spPr>
+        <p:txBody>
+          <a:bodyPr wrap="none" rtlCol="0">
+            <a:spAutoFit/>
+          </a:bodyPr>
+          <a:lstStyle/>
+          <a:p>
+            <a:r>
+              <a:rPr lang="en-US" altLang="ko-KR" sz="1400" dirty="0">
                 <a:solidFill>
                   <a:srgbClr val="FF0000"/>
                 </a:solidFill>
                 <a:latin typeface="+mn-ea"/>
                 <a:ea typeface="+mn-ea"/>
               </a:rPr>
-              <a:t>IP = ???</a:t>
-            </a:r>
-            <a:endParaRPr lang="ko-KR" altLang="en-US" sz="1400">
+              <a:t>IP=210.183.171.161</a:t>
+            </a:r>
+            <a:endParaRPr lang="ko-KR" altLang="en-US" sz="1400" dirty="0">
               <a:solidFill>
                 <a:srgbClr val="FF0000"/>
+              </a:solidFill>
+              <a:latin typeface="+mn-ea"/>
+              <a:ea typeface="+mn-ea"/>
+            </a:endParaRPr>
+          </a:p>
+        </p:txBody>
+      </p:sp>
+      <p:cxnSp>
+        <p:nvCxnSpPr>
+          <p:cNvPr id="46" name="직선 연결선 45">
+            <a:extLst>
+              <a:ext uri="{FF2B5EF4-FFF2-40B4-BE49-F238E27FC236}">
+                <a16:creationId xmlns:a16="http://schemas.microsoft.com/office/drawing/2014/main" id="{4672C811-BE5F-67C5-15BD-CF24D63C0B4A}"/>
+              </a:ext>
+            </a:extLst>
+          </p:cNvPr>
+          <p:cNvCxnSpPr>
+            <a:cxnSpLocks/>
+          </p:cNvCxnSpPr>
+          <p:nvPr/>
+        </p:nvCxnSpPr>
+        <p:spPr>
+          <a:xfrm>
+            <a:off x="6096000" y="1252533"/>
+            <a:ext cx="0" cy="949618"/>
+          </a:xfrm>
+          <a:prstGeom prst="line">
+            <a:avLst/>
+          </a:prstGeom>
+          <a:ln/>
+        </p:spPr>
+        <p:style>
+          <a:lnRef idx="1">
+            <a:schemeClr val="dk1"/>
+          </a:lnRef>
+          <a:fillRef idx="0">
+            <a:schemeClr val="dk1"/>
+          </a:fillRef>
+          <a:effectRef idx="0">
+            <a:schemeClr val="dk1"/>
+          </a:effectRef>
+          <a:fontRef idx="minor">
+            <a:schemeClr val="tx1"/>
+          </a:fontRef>
+        </p:style>
+      </p:cxnSp>
+      <p:cxnSp>
+        <p:nvCxnSpPr>
+          <p:cNvPr id="47" name="직선 연결선 46">
+            <a:extLst>
+              <a:ext uri="{FF2B5EF4-FFF2-40B4-BE49-F238E27FC236}">
+                <a16:creationId xmlns:a16="http://schemas.microsoft.com/office/drawing/2014/main" id="{A3ABEE26-F9AA-6376-799C-7144E1A9D367}"/>
+              </a:ext>
+            </a:extLst>
+          </p:cNvPr>
+          <p:cNvCxnSpPr>
+            <a:cxnSpLocks/>
+          </p:cNvCxnSpPr>
+          <p:nvPr/>
+        </p:nvCxnSpPr>
+        <p:spPr>
+          <a:xfrm>
+            <a:off x="3855179" y="1316402"/>
+            <a:ext cx="0" cy="994974"/>
+          </a:xfrm>
+          <a:prstGeom prst="line">
+            <a:avLst/>
+          </a:prstGeom>
+          <a:ln/>
+        </p:spPr>
+        <p:style>
+          <a:lnRef idx="1">
+            <a:schemeClr val="dk1"/>
+          </a:lnRef>
+          <a:fillRef idx="0">
+            <a:schemeClr val="dk1"/>
+          </a:fillRef>
+          <a:effectRef idx="0">
+            <a:schemeClr val="dk1"/>
+          </a:effectRef>
+          <a:fontRef idx="minor">
+            <a:schemeClr val="tx1"/>
+          </a:fontRef>
+        </p:style>
+      </p:cxnSp>
+      <p:sp>
+        <p:nvSpPr>
+          <p:cNvPr id="50" name="TextBox 49">
+            <a:extLst>
+              <a:ext uri="{FF2B5EF4-FFF2-40B4-BE49-F238E27FC236}">
+                <a16:creationId xmlns:a16="http://schemas.microsoft.com/office/drawing/2014/main" id="{C03AD9A2-6D75-79C9-DCD5-0EA40EFF34F6}"/>
+              </a:ext>
+            </a:extLst>
+          </p:cNvPr>
+          <p:cNvSpPr txBox="1"/>
+          <p:nvPr/>
+        </p:nvSpPr>
+        <p:spPr>
+          <a:xfrm>
+            <a:off x="3850647" y="1308597"/>
+            <a:ext cx="835485" cy="307777"/>
+          </a:xfrm>
+          <a:prstGeom prst="rect">
+            <a:avLst/>
+          </a:prstGeom>
+          <a:solidFill>
+            <a:schemeClr val="bg1"/>
+          </a:solidFill>
+          <a:ln>
+            <a:solidFill>
+              <a:schemeClr val="tx1"/>
+            </a:solidFill>
+          </a:ln>
+        </p:spPr>
+        <p:txBody>
+          <a:bodyPr wrap="none" rtlCol="0">
+            <a:spAutoFit/>
+          </a:bodyPr>
+          <a:lstStyle/>
+          <a:p>
+            <a:r>
+              <a:rPr lang="en-US" altLang="ko-KR" sz="1400" dirty="0">
+                <a:solidFill>
+                  <a:schemeClr val="bg1">
+                    <a:lumMod val="85000"/>
+                  </a:schemeClr>
+                </a:solidFill>
+                <a:latin typeface="+mn-ea"/>
+                <a:ea typeface="+mn-ea"/>
+              </a:rPr>
+              <a:t>IP = ???</a:t>
+            </a:r>
+            <a:endParaRPr lang="ko-KR" altLang="en-US" sz="1400" dirty="0">
+              <a:solidFill>
+                <a:schemeClr val="bg1">
+                  <a:lumMod val="85000"/>
+                </a:schemeClr>
+              </a:solidFill>
+              <a:latin typeface="+mn-ea"/>
+              <a:ea typeface="+mn-ea"/>
+            </a:endParaRPr>
+          </a:p>
+        </p:txBody>
+      </p:sp>
+      <p:sp>
+        <p:nvSpPr>
+          <p:cNvPr id="52" name="TextBox 51">
+            <a:extLst>
+              <a:ext uri="{FF2B5EF4-FFF2-40B4-BE49-F238E27FC236}">
+                <a16:creationId xmlns:a16="http://schemas.microsoft.com/office/drawing/2014/main" id="{DAD5D324-09ED-B018-A940-EE5204DBD5F6}"/>
+              </a:ext>
+            </a:extLst>
+          </p:cNvPr>
+          <p:cNvSpPr txBox="1"/>
+          <p:nvPr/>
+        </p:nvSpPr>
+        <p:spPr>
+          <a:xfrm>
+            <a:off x="5262782" y="1221901"/>
+            <a:ext cx="835485" cy="307777"/>
+          </a:xfrm>
+          <a:prstGeom prst="rect">
+            <a:avLst/>
+          </a:prstGeom>
+          <a:solidFill>
+            <a:schemeClr val="bg1"/>
+          </a:solidFill>
+          <a:ln>
+            <a:solidFill>
+              <a:schemeClr val="tx1"/>
+            </a:solidFill>
+          </a:ln>
+        </p:spPr>
+        <p:txBody>
+          <a:bodyPr wrap="none" rtlCol="0">
+            <a:spAutoFit/>
+          </a:bodyPr>
+          <a:lstStyle/>
+          <a:p>
+            <a:r>
+              <a:rPr lang="en-US" altLang="ko-KR" sz="1400" dirty="0">
+                <a:solidFill>
+                  <a:schemeClr val="bg1">
+                    <a:lumMod val="85000"/>
+                  </a:schemeClr>
+                </a:solidFill>
+                <a:latin typeface="+mn-ea"/>
+                <a:ea typeface="+mn-ea"/>
+              </a:rPr>
+              <a:t>IP = ???</a:t>
+            </a:r>
+            <a:endParaRPr lang="ko-KR" altLang="en-US" sz="1400" dirty="0">
+              <a:solidFill>
+                <a:schemeClr val="bg1">
+                  <a:lumMod val="85000"/>
+                </a:schemeClr>
+              </a:solidFill>
+              <a:latin typeface="+mn-ea"/>
+              <a:ea typeface="+mn-ea"/>
+            </a:endParaRPr>
+          </a:p>
+        </p:txBody>
+      </p:sp>
+      <p:cxnSp>
+        <p:nvCxnSpPr>
+          <p:cNvPr id="53" name="직선 연결선 52">
+            <a:extLst>
+              <a:ext uri="{FF2B5EF4-FFF2-40B4-BE49-F238E27FC236}">
+                <a16:creationId xmlns:a16="http://schemas.microsoft.com/office/drawing/2014/main" id="{DD89ECF4-B3E3-4CC9-A138-522777FB141E}"/>
+              </a:ext>
+            </a:extLst>
+          </p:cNvPr>
+          <p:cNvCxnSpPr>
+            <a:cxnSpLocks/>
+          </p:cNvCxnSpPr>
+          <p:nvPr/>
+        </p:nvCxnSpPr>
+        <p:spPr>
+          <a:xfrm>
+            <a:off x="8661285" y="2258870"/>
+            <a:ext cx="0" cy="725201"/>
+          </a:xfrm>
+          <a:prstGeom prst="line">
+            <a:avLst/>
+          </a:prstGeom>
+          <a:ln/>
+        </p:spPr>
+        <p:style>
+          <a:lnRef idx="1">
+            <a:schemeClr val="dk1"/>
+          </a:lnRef>
+          <a:fillRef idx="0">
+            <a:schemeClr val="dk1"/>
+          </a:fillRef>
+          <a:effectRef idx="0">
+            <a:schemeClr val="dk1"/>
+          </a:effectRef>
+          <a:fontRef idx="minor">
+            <a:schemeClr val="tx1"/>
+          </a:fontRef>
+        </p:style>
+      </p:cxnSp>
+      <p:sp>
+        <p:nvSpPr>
+          <p:cNvPr id="58" name="TextBox 57">
+            <a:extLst>
+              <a:ext uri="{FF2B5EF4-FFF2-40B4-BE49-F238E27FC236}">
+                <a16:creationId xmlns:a16="http://schemas.microsoft.com/office/drawing/2014/main" id="{4D468424-DF94-F9E9-EBFD-472A0B8956CE}"/>
+              </a:ext>
+            </a:extLst>
+          </p:cNvPr>
+          <p:cNvSpPr txBox="1"/>
+          <p:nvPr/>
+        </p:nvSpPr>
+        <p:spPr>
+          <a:xfrm>
+            <a:off x="8662990" y="2671893"/>
+            <a:ext cx="835485" cy="307777"/>
+          </a:xfrm>
+          <a:prstGeom prst="rect">
+            <a:avLst/>
+          </a:prstGeom>
+          <a:solidFill>
+            <a:schemeClr val="bg1"/>
+          </a:solidFill>
+          <a:ln>
+            <a:solidFill>
+              <a:schemeClr val="tx1"/>
+            </a:solidFill>
+          </a:ln>
+        </p:spPr>
+        <p:txBody>
+          <a:bodyPr wrap="none" rtlCol="0">
+            <a:spAutoFit/>
+          </a:bodyPr>
+          <a:lstStyle/>
+          <a:p>
+            <a:r>
+              <a:rPr lang="en-US" altLang="ko-KR" sz="1400" dirty="0">
+                <a:solidFill>
+                  <a:schemeClr val="bg1">
+                    <a:lumMod val="85000"/>
+                  </a:schemeClr>
+                </a:solidFill>
+                <a:latin typeface="+mn-ea"/>
+                <a:ea typeface="+mn-ea"/>
+              </a:rPr>
+              <a:t>IP = ???</a:t>
+            </a:r>
+            <a:endParaRPr lang="ko-KR" altLang="en-US" sz="1400" dirty="0">
+              <a:solidFill>
+                <a:schemeClr val="bg1">
+                  <a:lumMod val="85000"/>
+                </a:schemeClr>
               </a:solidFill>
               <a:latin typeface="+mn-ea"/>
               <a:ea typeface="+mn-ea"/>
@@ -12316,7 +6812,7 @@
 </p:sld>
 </file>
 
-<file path=ppt/slides/slide8.xml><?xml version="1.0" encoding="utf-8"?>
+<file path=ppt/slides/slide4.xml><?xml version="1.0" encoding="utf-8"?>
 <p:sld xmlns:a="http://schemas.openxmlformats.org/drawingml/2006/main" xmlns:r="http://schemas.openxmlformats.org/officeDocument/2006/relationships" xmlns:p="http://schemas.openxmlformats.org/presentationml/2006/main">
   <p:cSld>
     <p:spTree>
@@ -12367,15 +6863,20 @@
           <p:nvPr/>
         </p:nvPicPr>
         <p:blipFill>
-          <a:blip r:embed="rId2"/>
-          <a:stretch>
-            <a:fillRect/>
-          </a:stretch>
+          <a:blip r:embed="rId2">
+            <a:extLst>
+              <a:ext uri="{28A0092B-C50C-407E-A947-70E740481C1C}">
+                <a14:useLocalDpi xmlns:a14="http://schemas.microsoft.com/office/drawing/2010/main" val="0"/>
+              </a:ext>
+            </a:extLst>
+          </a:blip>
+          <a:srcRect/>
+          <a:stretch/>
         </p:blipFill>
         <p:spPr>
           <a:xfrm>
-            <a:off x="785410" y="953725"/>
-            <a:ext cx="8132033" cy="5535615"/>
+            <a:off x="785410" y="1334958"/>
+            <a:ext cx="8132033" cy="4773149"/>
           </a:xfrm>
           <a:prstGeom prst="rect">
             <a:avLst/>
@@ -12386,6 +6887,358 @@
     <p:extLst>
       <p:ext uri="{BB962C8B-B14F-4D97-AF65-F5344CB8AC3E}">
         <p14:creationId xmlns:p14="http://schemas.microsoft.com/office/powerpoint/2010/main" val="1845632724"/>
+      </p:ext>
+    </p:extLst>
+  </p:cSld>
+  <p:clrMapOvr>
+    <a:masterClrMapping/>
+  </p:clrMapOvr>
+</p:sld>
+</file>
+
+<file path=ppt/slides/slide5.xml><?xml version="1.0" encoding="utf-8"?>
+<p:sld xmlns:a="http://schemas.openxmlformats.org/drawingml/2006/main" xmlns:r="http://schemas.openxmlformats.org/officeDocument/2006/relationships" xmlns:p="http://schemas.openxmlformats.org/presentationml/2006/main">
+  <p:cSld>
+    <p:spTree>
+      <p:nvGrpSpPr>
+        <p:cNvPr id="1" name=""/>
+        <p:cNvGrpSpPr/>
+        <p:nvPr/>
+      </p:nvGrpSpPr>
+      <p:grpSpPr>
+        <a:xfrm>
+          <a:off x="0" y="0"/>
+          <a:ext cx="0" cy="0"/>
+          <a:chOff x="0" y="0"/>
+          <a:chExt cx="0" cy="0"/>
+        </a:xfrm>
+      </p:grpSpPr>
+      <p:sp>
+        <p:nvSpPr>
+          <p:cNvPr id="2" name="제목 1"/>
+          <p:cNvSpPr>
+            <a:spLocks noGrp="1"/>
+          </p:cNvSpPr>
+          <p:nvPr>
+            <p:ph type="title"/>
+          </p:nvPr>
+        </p:nvSpPr>
+        <p:spPr/>
+        <p:txBody>
+          <a:bodyPr>
+            <a:normAutofit fontScale="90000"/>
+          </a:bodyPr>
+          <a:lstStyle/>
+          <a:p>
+            <a:r>
+              <a:rPr lang="en-US" altLang="ko-KR"/>
+              <a:t>ARP Reply</a:t>
+            </a:r>
+            <a:endParaRPr lang="ko-KR" altLang="en-US"/>
+          </a:p>
+        </p:txBody>
+      </p:sp>
+      <p:pic>
+        <p:nvPicPr>
+          <p:cNvPr id="3" name="그림 2"/>
+          <p:cNvPicPr>
+            <a:picLocks noChangeAspect="1"/>
+          </p:cNvPicPr>
+          <p:nvPr/>
+        </p:nvPicPr>
+        <p:blipFill>
+          <a:blip r:embed="rId2">
+            <a:extLst>
+              <a:ext uri="{28A0092B-C50C-407E-A947-70E740481C1C}">
+                <a14:useLocalDpi xmlns:a14="http://schemas.microsoft.com/office/drawing/2010/main" val="0"/>
+              </a:ext>
+            </a:extLst>
+          </a:blip>
+          <a:srcRect/>
+          <a:stretch/>
+        </p:blipFill>
+        <p:spPr>
+          <a:xfrm>
+            <a:off x="785410" y="1334637"/>
+            <a:ext cx="8125178" cy="4769126"/>
+          </a:xfrm>
+          <a:prstGeom prst="rect">
+            <a:avLst/>
+          </a:prstGeom>
+        </p:spPr>
+      </p:pic>
+    </p:spTree>
+    <p:extLst>
+      <p:ext uri="{BB962C8B-B14F-4D97-AF65-F5344CB8AC3E}">
+        <p14:creationId xmlns:p14="http://schemas.microsoft.com/office/powerpoint/2010/main" val="90345886"/>
+      </p:ext>
+    </p:extLst>
+  </p:cSld>
+  <p:clrMapOvr>
+    <a:masterClrMapping/>
+  </p:clrMapOvr>
+</p:sld>
+</file>
+
+<file path=ppt/slides/slide6.xml><?xml version="1.0" encoding="utf-8"?>
+<p:sld xmlns:a="http://schemas.openxmlformats.org/drawingml/2006/main" xmlns:r="http://schemas.openxmlformats.org/officeDocument/2006/relationships" xmlns:p="http://schemas.openxmlformats.org/presentationml/2006/main">
+  <p:cSld>
+    <p:spTree>
+      <p:nvGrpSpPr>
+        <p:cNvPr id="1" name=""/>
+        <p:cNvGrpSpPr/>
+        <p:nvPr/>
+      </p:nvGrpSpPr>
+      <p:grpSpPr>
+        <a:xfrm>
+          <a:off x="0" y="0"/>
+          <a:ext cx="0" cy="0"/>
+          <a:chOff x="0" y="0"/>
+          <a:chExt cx="0" cy="0"/>
+        </a:xfrm>
+      </p:grpSpPr>
+      <p:sp>
+        <p:nvSpPr>
+          <p:cNvPr id="2" name="제목 1"/>
+          <p:cNvSpPr>
+            <a:spLocks noGrp="1"/>
+          </p:cNvSpPr>
+          <p:nvPr>
+            <p:ph type="title"/>
+          </p:nvPr>
+        </p:nvSpPr>
+        <p:spPr/>
+        <p:txBody>
+          <a:bodyPr>
+            <a:normAutofit fontScale="90000"/>
+          </a:bodyPr>
+          <a:lstStyle/>
+          <a:p>
+            <a:r>
+              <a:rPr lang="en-US" altLang="ko-KR" dirty="0"/>
+              <a:t>IP Packet </a:t>
+            </a:r>
+            <a:r>
+              <a:rPr lang="ko-KR" altLang="en-US" dirty="0"/>
+              <a:t>예 </a:t>
+            </a:r>
+            <a:r>
+              <a:rPr lang="en-US" altLang="ko-KR" dirty="0"/>
+              <a:t>(172.30.1.22 &lt;-&gt; 220.66.103.55)</a:t>
+            </a:r>
+            <a:endParaRPr lang="ko-KR" altLang="en-US" dirty="0"/>
+          </a:p>
+        </p:txBody>
+      </p:sp>
+      <p:pic>
+        <p:nvPicPr>
+          <p:cNvPr id="3" name="그림 2"/>
+          <p:cNvPicPr>
+            <a:picLocks noChangeAspect="1"/>
+          </p:cNvPicPr>
+          <p:nvPr/>
+        </p:nvPicPr>
+        <p:blipFill>
+          <a:blip r:embed="rId2">
+            <a:extLst>
+              <a:ext uri="{28A0092B-C50C-407E-A947-70E740481C1C}">
+                <a14:useLocalDpi xmlns:a14="http://schemas.microsoft.com/office/drawing/2010/main" val="0"/>
+              </a:ext>
+            </a:extLst>
+          </a:blip>
+          <a:srcRect/>
+          <a:stretch/>
+        </p:blipFill>
+        <p:spPr>
+          <a:xfrm>
+            <a:off x="1963870" y="1251147"/>
+            <a:ext cx="8264259" cy="4850760"/>
+          </a:xfrm>
+          <a:prstGeom prst="rect">
+            <a:avLst/>
+          </a:prstGeom>
+        </p:spPr>
+      </p:pic>
+    </p:spTree>
+    <p:extLst>
+      <p:ext uri="{BB962C8B-B14F-4D97-AF65-F5344CB8AC3E}">
+        <p14:creationId xmlns:p14="http://schemas.microsoft.com/office/powerpoint/2010/main" val="2386972064"/>
+      </p:ext>
+    </p:extLst>
+  </p:cSld>
+  <p:clrMapOvr>
+    <a:masterClrMapping/>
+  </p:clrMapOvr>
+</p:sld>
+</file>
+
+<file path=ppt/slides/slide7.xml><?xml version="1.0" encoding="utf-8"?>
+<p:sld xmlns:a="http://schemas.openxmlformats.org/drawingml/2006/main" xmlns:r="http://schemas.openxmlformats.org/officeDocument/2006/relationships" xmlns:p="http://schemas.openxmlformats.org/presentationml/2006/main">
+  <p:cSld>
+    <p:spTree>
+      <p:nvGrpSpPr>
+        <p:cNvPr id="1" name=""/>
+        <p:cNvGrpSpPr/>
+        <p:nvPr/>
+      </p:nvGrpSpPr>
+      <p:grpSpPr>
+        <a:xfrm>
+          <a:off x="0" y="0"/>
+          <a:ext cx="0" cy="0"/>
+          <a:chOff x="0" y="0"/>
+          <a:chExt cx="0" cy="0"/>
+        </a:xfrm>
+      </p:grpSpPr>
+      <p:sp>
+        <p:nvSpPr>
+          <p:cNvPr id="2" name="제목 1"/>
+          <p:cNvSpPr>
+            <a:spLocks noGrp="1"/>
+          </p:cNvSpPr>
+          <p:nvPr>
+            <p:ph type="title"/>
+          </p:nvPr>
+        </p:nvSpPr>
+        <p:spPr/>
+        <p:txBody>
+          <a:bodyPr>
+            <a:noAutofit/>
+          </a:bodyPr>
+          <a:lstStyle/>
+          <a:p>
+            <a:r>
+              <a:rPr lang="en-US" altLang="ko-KR" sz="2800" dirty="0"/>
+              <a:t>TCP Packet </a:t>
+            </a:r>
+            <a:r>
+              <a:rPr lang="ko-KR" altLang="en-US" sz="2800" dirty="0"/>
+              <a:t>예 </a:t>
+            </a:r>
+            <a:r>
+              <a:rPr lang="en-US" altLang="ko-KR" sz="2800" dirty="0"/>
+              <a:t>(172.30.1.22:64282 &lt;-&gt; 220.66.103.55:80)</a:t>
+            </a:r>
+            <a:endParaRPr lang="ko-KR" altLang="en-US" sz="2800" dirty="0"/>
+          </a:p>
+        </p:txBody>
+      </p:sp>
+      <p:pic>
+        <p:nvPicPr>
+          <p:cNvPr id="3" name="그림 2"/>
+          <p:cNvPicPr>
+            <a:picLocks noChangeAspect="1"/>
+          </p:cNvPicPr>
+          <p:nvPr/>
+        </p:nvPicPr>
+        <p:blipFill>
+          <a:blip r:embed="rId2" cstate="print">
+            <a:extLst>
+              <a:ext uri="{28A0092B-C50C-407E-A947-70E740481C1C}">
+                <a14:useLocalDpi xmlns:a14="http://schemas.microsoft.com/office/drawing/2010/main" val="0"/>
+              </a:ext>
+            </a:extLst>
+          </a:blip>
+          <a:srcRect/>
+          <a:stretch/>
+        </p:blipFill>
+        <p:spPr>
+          <a:xfrm>
+            <a:off x="2360585" y="1518370"/>
+            <a:ext cx="7470830" cy="4385052"/>
+          </a:xfrm>
+          <a:prstGeom prst="rect">
+            <a:avLst/>
+          </a:prstGeom>
+        </p:spPr>
+      </p:pic>
+    </p:spTree>
+    <p:extLst>
+      <p:ext uri="{BB962C8B-B14F-4D97-AF65-F5344CB8AC3E}">
+        <p14:creationId xmlns:p14="http://schemas.microsoft.com/office/powerpoint/2010/main" val="1893446529"/>
+      </p:ext>
+    </p:extLst>
+  </p:cSld>
+  <p:clrMapOvr>
+    <a:masterClrMapping/>
+  </p:clrMapOvr>
+</p:sld>
+</file>
+
+<file path=ppt/slides/slide8.xml><?xml version="1.0" encoding="utf-8"?>
+<p:sld xmlns:a="http://schemas.openxmlformats.org/drawingml/2006/main" xmlns:r="http://schemas.openxmlformats.org/officeDocument/2006/relationships" xmlns:p="http://schemas.openxmlformats.org/presentationml/2006/main">
+  <p:cSld>
+    <p:spTree>
+      <p:nvGrpSpPr>
+        <p:cNvPr id="1" name=""/>
+        <p:cNvGrpSpPr/>
+        <p:nvPr/>
+      </p:nvGrpSpPr>
+      <p:grpSpPr>
+        <a:xfrm>
+          <a:off x="0" y="0"/>
+          <a:ext cx="0" cy="0"/>
+          <a:chOff x="0" y="0"/>
+          <a:chExt cx="0" cy="0"/>
+        </a:xfrm>
+      </p:grpSpPr>
+      <p:sp>
+        <p:nvSpPr>
+          <p:cNvPr id="2" name="제목 1"/>
+          <p:cNvSpPr>
+            <a:spLocks noGrp="1"/>
+          </p:cNvSpPr>
+          <p:nvPr>
+            <p:ph type="title"/>
+          </p:nvPr>
+        </p:nvSpPr>
+        <p:spPr/>
+        <p:txBody>
+          <a:bodyPr>
+            <a:normAutofit fontScale="90000"/>
+          </a:bodyPr>
+          <a:lstStyle/>
+          <a:p>
+            <a:r>
+              <a:rPr lang="en-US" altLang="ko-KR" dirty="0"/>
+              <a:t>DNS Query (www.hansung.ac.kr ? )</a:t>
+            </a:r>
+            <a:endParaRPr lang="ko-KR" altLang="en-US" dirty="0"/>
+          </a:p>
+        </p:txBody>
+      </p:sp>
+      <p:pic>
+        <p:nvPicPr>
+          <p:cNvPr id="4" name="그림 3"/>
+          <p:cNvPicPr>
+            <a:picLocks noChangeAspect="1"/>
+          </p:cNvPicPr>
+          <p:nvPr/>
+        </p:nvPicPr>
+        <p:blipFill>
+          <a:blip r:embed="rId2">
+            <a:extLst>
+              <a:ext uri="{28A0092B-C50C-407E-A947-70E740481C1C}">
+                <a14:useLocalDpi xmlns:a14="http://schemas.microsoft.com/office/drawing/2010/main" val="0"/>
+              </a:ext>
+            </a:extLst>
+          </a:blip>
+          <a:srcRect/>
+          <a:stretch/>
+        </p:blipFill>
+        <p:spPr>
+          <a:xfrm>
+            <a:off x="2090554" y="1329077"/>
+            <a:ext cx="8010892" cy="4702045"/>
+          </a:xfrm>
+          <a:prstGeom prst="rect">
+            <a:avLst/>
+          </a:prstGeom>
+        </p:spPr>
+      </p:pic>
+    </p:spTree>
+    <p:extLst>
+      <p:ext uri="{BB962C8B-B14F-4D97-AF65-F5344CB8AC3E}">
+        <p14:creationId xmlns:p14="http://schemas.microsoft.com/office/powerpoint/2010/main" val="3342165125"/>
       </p:ext>
     </p:extLst>
   </p:cSld>
@@ -12425,15 +7278,15 @@
         <p:spPr/>
         <p:txBody>
           <a:bodyPr>
-            <a:normAutofit fontScale="90000"/>
+            <a:noAutofit/>
           </a:bodyPr>
           <a:lstStyle/>
           <a:p>
             <a:r>
-              <a:rPr lang="en-US" altLang="ko-KR"/>
-              <a:t>ARP Reply</a:t>
-            </a:r>
-            <a:endParaRPr lang="ko-KR" altLang="en-US"/>
+              <a:rPr lang="en-US" altLang="ko-KR" sz="3200"/>
+              <a:t>DNS Response (www.hansung.ac.kr = 220.66.102.11)</a:t>
+            </a:r>
+            <a:endParaRPr lang="ko-KR" altLang="en-US" sz="3200"/>
           </a:p>
         </p:txBody>
       </p:sp>
@@ -12446,15 +7299,20 @@
           <p:nvPr/>
         </p:nvPicPr>
         <p:blipFill>
-          <a:blip r:embed="rId2"/>
-          <a:stretch>
-            <a:fillRect/>
-          </a:stretch>
+          <a:blip r:embed="rId2" cstate="print">
+            <a:extLst>
+              <a:ext uri="{28A0092B-C50C-407E-A947-70E740481C1C}">
+                <a14:useLocalDpi xmlns:a14="http://schemas.microsoft.com/office/drawing/2010/main" val="0"/>
+              </a:ext>
+            </a:extLst>
+          </a:blip>
+          <a:srcRect/>
+          <a:stretch/>
         </p:blipFill>
         <p:spPr>
           <a:xfrm>
-            <a:off x="785410" y="953725"/>
-            <a:ext cx="8125178" cy="5530951"/>
+            <a:off x="2525646" y="1618302"/>
+            <a:ext cx="7140708" cy="4191285"/>
           </a:xfrm>
           <a:prstGeom prst="rect">
             <a:avLst/>
@@ -12464,7 +7322,7 @@
     </p:spTree>
     <p:extLst>
       <p:ext uri="{BB962C8B-B14F-4D97-AF65-F5344CB8AC3E}">
-        <p14:creationId xmlns:p14="http://schemas.microsoft.com/office/powerpoint/2010/main" val="90345886"/>
+        <p14:creationId xmlns:p14="http://schemas.microsoft.com/office/powerpoint/2010/main" val="4173936540"/>
       </p:ext>
     </p:extLst>
   </p:cSld>
